--- a/ME/中期答辩/2020032951 张宇涛 中期答辩资料/2020032951 张宇涛 中期答辩.pptx
+++ b/ME/中期答辩/2020032951 张宇涛 中期答辩资料/2020032951 张宇涛 中期答辩.pptx
@@ -6,7 +6,7 @@
     <p:sldMasterId id="2147483720" r:id="rId3"/>
   </p:sldMasterIdLst>
   <p:notesMasterIdLst>
-    <p:notesMasterId r:id="rId15"/>
+    <p:notesMasterId r:id="rId19"/>
   </p:notesMasterIdLst>
   <p:sldIdLst>
     <p:sldId id="257" r:id="rId4"/>
@@ -15,16 +15,20 @@
     <p:sldId id="259" r:id="rId7"/>
     <p:sldId id="260" r:id="rId8"/>
     <p:sldId id="261" r:id="rId9"/>
-    <p:sldId id="264" r:id="rId10"/>
-    <p:sldId id="266" r:id="rId11"/>
-    <p:sldId id="268" r:id="rId12"/>
-    <p:sldId id="278" r:id="rId13"/>
-    <p:sldId id="273" r:id="rId14"/>
+    <p:sldId id="285" r:id="rId10"/>
+    <p:sldId id="286" r:id="rId11"/>
+    <p:sldId id="287" r:id="rId12"/>
+    <p:sldId id="288" r:id="rId13"/>
+    <p:sldId id="264" r:id="rId14"/>
+    <p:sldId id="266" r:id="rId15"/>
+    <p:sldId id="268" r:id="rId16"/>
+    <p:sldId id="278" r:id="rId17"/>
+    <p:sldId id="273" r:id="rId18"/>
   </p:sldIdLst>
   <p:sldSz cx="12192000" cy="6858000"/>
   <p:notesSz cx="6858000" cy="9144000"/>
   <p:custDataLst>
-    <p:tags r:id="rId22"/>
+    <p:tags r:id="rId26"/>
   </p:custDataLst>
   <p:defaultTextStyle>
     <a:defPPr>
@@ -124,12 +128,12 @@
   <p:extLst>
     <p:ext uri="{EFAFB233-063F-42B5-8137-9DF3F51BA10A}">
       <p15:sldGuideLst xmlns:p15="http://schemas.microsoft.com/office/powerpoint/2012/main">
-        <p15:guide id="1" orient="horz" pos="2160" userDrawn="1">
+        <p15:guide id="1" orient="horz" pos="2193" userDrawn="1">
           <p15:clr>
             <a:srgbClr val="A4A3A4"/>
           </p15:clr>
         </p15:guide>
-        <p15:guide id="2" pos="3845" userDrawn="1">
+        <p15:guide id="2" pos="3838" userDrawn="1">
           <p15:clr>
             <a:srgbClr val="A4A3A4"/>
           </p15:clr>
@@ -27371,6 +27375,3240 @@
           <a:chExt cx="0" cy="0"/>
         </a:xfrm>
       </p:grpSpPr>
+      <p:sp>
+        <p:nvSpPr>
+          <p:cNvPr id="11" name="圆角矩形 10"/>
+          <p:cNvSpPr/>
+          <p:nvPr/>
+        </p:nvSpPr>
+        <p:spPr>
+          <a:xfrm>
+            <a:off x="457835" y="944880"/>
+            <a:ext cx="2293620" cy="361950"/>
+          </a:xfrm>
+          <a:prstGeom prst="roundRect">
+            <a:avLst/>
+          </a:prstGeom>
+          <a:solidFill>
+            <a:srgbClr val="9D9AAB"/>
+          </a:solidFill>
+          <a:ln>
+            <a:solidFill>
+              <a:srgbClr val="9D9AAB"/>
+            </a:solidFill>
+          </a:ln>
+        </p:spPr>
+        <p:style>
+          <a:lnRef idx="2">
+            <a:schemeClr val="accent1">
+              <a:lumMod val="75000"/>
+            </a:schemeClr>
+          </a:lnRef>
+          <a:fillRef idx="1">
+            <a:schemeClr val="accent1"/>
+          </a:fillRef>
+          <a:effectRef idx="0">
+            <a:srgbClr val="FFFFFF"/>
+          </a:effectRef>
+          <a:fontRef idx="minor">
+            <a:schemeClr val="lt1"/>
+          </a:fontRef>
+        </p:style>
+        <p:txBody>
+          <a:bodyPr rtlCol="0" anchor="ctr"/>
+          <a:p>
+            <a:pPr algn="ctr"/>
+            <a:endParaRPr lang="zh-CN" altLang="en-US"/>
+          </a:p>
+        </p:txBody>
+      </p:sp>
+      <p:grpSp>
+        <p:nvGrpSpPr>
+          <p:cNvPr id="2" name="组合 1"/>
+          <p:cNvGrpSpPr/>
+          <p:nvPr/>
+        </p:nvGrpSpPr>
+        <p:grpSpPr>
+          <a:xfrm>
+            <a:off x="-3366" y="0"/>
+            <a:ext cx="12195366" cy="747132"/>
+            <a:chOff x="-3366" y="0"/>
+            <a:chExt cx="12195366" cy="747132"/>
+          </a:xfrm>
+        </p:grpSpPr>
+        <p:sp>
+          <p:nvSpPr>
+            <p:cNvPr id="3" name="矩形 2"/>
+            <p:cNvSpPr/>
+            <p:nvPr/>
+          </p:nvSpPr>
+          <p:spPr>
+            <a:xfrm>
+              <a:off x="0" y="0"/>
+              <a:ext cx="12192000" cy="747132"/>
+            </a:xfrm>
+            <a:prstGeom prst="rect">
+              <a:avLst/>
+            </a:prstGeom>
+            <a:solidFill>
+              <a:srgbClr val="D7CFCD">
+                <a:alpha val="63000"/>
+              </a:srgbClr>
+            </a:solidFill>
+            <a:ln>
+              <a:noFill/>
+            </a:ln>
+          </p:spPr>
+          <p:style>
+            <a:lnRef idx="2">
+              <a:schemeClr val="accent1">
+                <a:shade val="50000"/>
+              </a:schemeClr>
+            </a:lnRef>
+            <a:fillRef idx="1">
+              <a:schemeClr val="accent1"/>
+            </a:fillRef>
+            <a:effectRef idx="0">
+              <a:schemeClr val="accent1"/>
+            </a:effectRef>
+            <a:fontRef idx="minor">
+              <a:schemeClr val="lt1"/>
+            </a:fontRef>
+          </p:style>
+          <p:txBody>
+            <a:bodyPr rtlCol="0" anchor="ctr"/>
+            <a:lstStyle/>
+            <a:p>
+              <a:pPr algn="ctr"/>
+              <a:endParaRPr lang="zh-CN" altLang="en-US">
+                <a:cs typeface="+mn-ea"/>
+                <a:sym typeface="+mn-lt"/>
+              </a:endParaRPr>
+            </a:p>
+          </p:txBody>
+        </p:sp>
+        <p:sp>
+          <p:nvSpPr>
+            <p:cNvPr id="4" name="平行四边形 2"/>
+            <p:cNvSpPr/>
+            <p:nvPr/>
+          </p:nvSpPr>
+          <p:spPr>
+            <a:xfrm>
+              <a:off x="-3366" y="0"/>
+              <a:ext cx="3248371" cy="747132"/>
+            </a:xfrm>
+            <a:custGeom>
+              <a:avLst/>
+              <a:gdLst>
+                <a:gd name="connsiteX0" fmla="*/ 0 w 5742878"/>
+                <a:gd name="connsiteY0" fmla="*/ 747132 h 747132"/>
+                <a:gd name="connsiteX1" fmla="*/ 186783 w 5742878"/>
+                <a:gd name="connsiteY1" fmla="*/ 0 h 747132"/>
+                <a:gd name="connsiteX2" fmla="*/ 5742878 w 5742878"/>
+                <a:gd name="connsiteY2" fmla="*/ 0 h 747132"/>
+                <a:gd name="connsiteX3" fmla="*/ 5556095 w 5742878"/>
+                <a:gd name="connsiteY3" fmla="*/ 747132 h 747132"/>
+                <a:gd name="connsiteX4" fmla="*/ 0 w 5742878"/>
+                <a:gd name="connsiteY4" fmla="*/ 747132 h 747132"/>
+                <a:gd name="connsiteX0-1" fmla="*/ 0 w 5742878"/>
+                <a:gd name="connsiteY0-2" fmla="*/ 747132 h 747132"/>
+                <a:gd name="connsiteX1-3" fmla="*/ 8363 w 5742878"/>
+                <a:gd name="connsiteY1-4" fmla="*/ 0 h 747132"/>
+                <a:gd name="connsiteX2-5" fmla="*/ 5742878 w 5742878"/>
+                <a:gd name="connsiteY2-6" fmla="*/ 0 h 747132"/>
+                <a:gd name="connsiteX3-7" fmla="*/ 5556095 w 5742878"/>
+                <a:gd name="connsiteY3-8" fmla="*/ 747132 h 747132"/>
+                <a:gd name="connsiteX4-9" fmla="*/ 0 w 5742878"/>
+                <a:gd name="connsiteY4-10" fmla="*/ 747132 h 747132"/>
+                <a:gd name="connsiteX0-11" fmla="*/ 14213 w 5757091"/>
+                <a:gd name="connsiteY0-12" fmla="*/ 747132 h 747132"/>
+                <a:gd name="connsiteX1-13" fmla="*/ 273 w 5757091"/>
+                <a:gd name="connsiteY1-14" fmla="*/ 33454 h 747132"/>
+                <a:gd name="connsiteX2-15" fmla="*/ 5757091 w 5757091"/>
+                <a:gd name="connsiteY2-16" fmla="*/ 0 h 747132"/>
+                <a:gd name="connsiteX3-17" fmla="*/ 5570308 w 5757091"/>
+                <a:gd name="connsiteY3-18" fmla="*/ 747132 h 747132"/>
+                <a:gd name="connsiteX4-19" fmla="*/ 14213 w 5757091"/>
+                <a:gd name="connsiteY4-20" fmla="*/ 747132 h 747132"/>
+                <a:gd name="connsiteX0-21" fmla="*/ 3366 w 5746244"/>
+                <a:gd name="connsiteY0-22" fmla="*/ 747132 h 747132"/>
+                <a:gd name="connsiteX1-23" fmla="*/ 578 w 5746244"/>
+                <a:gd name="connsiteY1-24" fmla="*/ 1 h 747132"/>
+                <a:gd name="connsiteX2-25" fmla="*/ 5746244 w 5746244"/>
+                <a:gd name="connsiteY2-26" fmla="*/ 0 h 747132"/>
+                <a:gd name="connsiteX3-27" fmla="*/ 5559461 w 5746244"/>
+                <a:gd name="connsiteY3-28" fmla="*/ 747132 h 747132"/>
+                <a:gd name="connsiteX4-29" fmla="*/ 3366 w 5746244"/>
+                <a:gd name="connsiteY4-30" fmla="*/ 747132 h 747132"/>
+              </a:gdLst>
+              <a:ahLst/>
+              <a:cxnLst>
+                <a:cxn ang="0">
+                  <a:pos x="connsiteX0-1" y="connsiteY0-2"/>
+                </a:cxn>
+                <a:cxn ang="0">
+                  <a:pos x="connsiteX1-3" y="connsiteY1-4"/>
+                </a:cxn>
+                <a:cxn ang="0">
+                  <a:pos x="connsiteX2-5" y="connsiteY2-6"/>
+                </a:cxn>
+                <a:cxn ang="0">
+                  <a:pos x="connsiteX3-7" y="connsiteY3-8"/>
+                </a:cxn>
+                <a:cxn ang="0">
+                  <a:pos x="connsiteX4-9" y="connsiteY4-10"/>
+                </a:cxn>
+              </a:cxnLst>
+              <a:rect l="l" t="t" r="r" b="b"/>
+              <a:pathLst>
+                <a:path w="5746244" h="747132">
+                  <a:moveTo>
+                    <a:pt x="3366" y="747132"/>
+                  </a:moveTo>
+                  <a:cubicBezTo>
+                    <a:pt x="6154" y="498088"/>
+                    <a:pt x="-2210" y="249045"/>
+                    <a:pt x="578" y="1"/>
+                  </a:cubicBezTo>
+                  <a:lnTo>
+                    <a:pt x="5746244" y="0"/>
+                  </a:lnTo>
+                  <a:lnTo>
+                    <a:pt x="5559461" y="747132"/>
+                  </a:lnTo>
+                  <a:lnTo>
+                    <a:pt x="3366" y="747132"/>
+                  </a:lnTo>
+                  <a:close/>
+                </a:path>
+              </a:pathLst>
+            </a:custGeom>
+            <a:solidFill>
+              <a:srgbClr val="9D9AAB">
+                <a:alpha val="64000"/>
+              </a:srgbClr>
+            </a:solidFill>
+            <a:ln>
+              <a:noFill/>
+            </a:ln>
+          </p:spPr>
+          <p:style>
+            <a:lnRef idx="2">
+              <a:schemeClr val="accent1">
+                <a:shade val="50000"/>
+              </a:schemeClr>
+            </a:lnRef>
+            <a:fillRef idx="1">
+              <a:schemeClr val="accent1"/>
+            </a:fillRef>
+            <a:effectRef idx="0">
+              <a:schemeClr val="accent1"/>
+            </a:effectRef>
+            <a:fontRef idx="minor">
+              <a:schemeClr val="lt1"/>
+            </a:fontRef>
+          </p:style>
+          <p:txBody>
+            <a:bodyPr rtlCol="0" anchor="ctr"/>
+            <a:lstStyle/>
+            <a:p>
+              <a:pPr algn="ctr"/>
+              <a:endParaRPr lang="zh-CN" altLang="en-US">
+                <a:cs typeface="+mn-ea"/>
+                <a:sym typeface="+mn-lt"/>
+              </a:endParaRPr>
+            </a:p>
+          </p:txBody>
+        </p:sp>
+        <p:grpSp>
+          <p:nvGrpSpPr>
+            <p:cNvPr id="5" name="组合 4"/>
+            <p:cNvGrpSpPr/>
+            <p:nvPr/>
+          </p:nvGrpSpPr>
+          <p:grpSpPr>
+            <a:xfrm>
+              <a:off x="223081" y="92220"/>
+              <a:ext cx="3982083" cy="598135"/>
+              <a:chOff x="234232" y="124119"/>
+              <a:chExt cx="3982083" cy="598135"/>
+            </a:xfrm>
+          </p:grpSpPr>
+          <p:sp>
+            <p:nvSpPr>
+              <p:cNvPr id="9" name="文本框 8"/>
+              <p:cNvSpPr txBox="1"/>
+              <p:nvPr/>
+            </p:nvSpPr>
+            <p:spPr>
+              <a:xfrm>
+                <a:off x="234232" y="124119"/>
+                <a:ext cx="3982083" cy="460375"/>
+              </a:xfrm>
+              <a:prstGeom prst="rect">
+                <a:avLst/>
+              </a:prstGeom>
+              <a:noFill/>
+            </p:spPr>
+            <p:txBody>
+              <a:bodyPr wrap="none" rtlCol="0">
+                <a:spAutoFit/>
+              </a:bodyPr>
+              <a:lstStyle/>
+              <a:p>
+                <a:pPr algn="l"/>
+                <a:r>
+                  <a:rPr lang="zh-CN" altLang="en-US" sz="2400" b="1" dirty="0">
+                    <a:solidFill>
+                      <a:schemeClr val="bg1"/>
+                    </a:solidFill>
+                    <a:cs typeface="+mn-ea"/>
+                    <a:sym typeface="+mn-lt"/>
+                  </a:rPr>
+                  <a:t>设计（论文）进展状况</a:t>
+                </a:r>
+                <a:endParaRPr lang="zh-CN" altLang="en-US" sz="2400" b="1" dirty="0">
+                  <a:solidFill>
+                    <a:schemeClr val="bg1"/>
+                  </a:solidFill>
+                  <a:cs typeface="+mn-ea"/>
+                  <a:sym typeface="+mn-lt"/>
+                </a:endParaRPr>
+              </a:p>
+            </p:txBody>
+          </p:sp>
+          <p:sp>
+            <p:nvSpPr>
+              <p:cNvPr id="10" name="文本框 9"/>
+              <p:cNvSpPr txBox="1"/>
+              <p:nvPr/>
+            </p:nvSpPr>
+            <p:spPr>
+              <a:xfrm>
+                <a:off x="234232" y="461665"/>
+                <a:ext cx="2105025" cy="260589"/>
+              </a:xfrm>
+              <a:prstGeom prst="rect">
+                <a:avLst/>
+              </a:prstGeom>
+              <a:noFill/>
+            </p:spPr>
+            <p:txBody>
+              <a:bodyPr wrap="none" rtlCol="0">
+                <a:spAutoFit/>
+              </a:bodyPr>
+              <a:lstStyle/>
+              <a:p>
+                <a:pPr algn="l"/>
+                <a:r>
+                  <a:rPr lang="en-US" altLang="zh-CN" sz="1100" dirty="0">
+                    <a:solidFill>
+                      <a:schemeClr val="bg1"/>
+                    </a:solidFill>
+                    <a:cs typeface="+mn-ea"/>
+                    <a:sym typeface="+mn-lt"/>
+                  </a:rPr>
+                  <a:t>Design (thesis) progress status</a:t>
+                </a:r>
+                <a:endParaRPr lang="en-US" altLang="zh-CN" sz="1100" dirty="0">
+                  <a:solidFill>
+                    <a:schemeClr val="bg1"/>
+                  </a:solidFill>
+                  <a:cs typeface="+mn-ea"/>
+                  <a:sym typeface="+mn-lt"/>
+                </a:endParaRPr>
+              </a:p>
+            </p:txBody>
+          </p:sp>
+        </p:grpSp>
+      </p:grpSp>
+      <p:sp>
+        <p:nvSpPr>
+          <p:cNvPr id="139" name="文本框 138"/>
+          <p:cNvSpPr txBox="1"/>
+          <p:nvPr/>
+        </p:nvSpPr>
+        <p:spPr>
+          <a:xfrm>
+            <a:off x="4673517" y="2424997"/>
+            <a:ext cx="527709" cy="461665"/>
+          </a:xfrm>
+          <a:prstGeom prst="rect">
+            <a:avLst/>
+          </a:prstGeom>
+          <a:noFill/>
+        </p:spPr>
+        <p:txBody>
+          <a:bodyPr wrap="none" rtlCol="0">
+            <a:spAutoFit/>
+          </a:bodyPr>
+          <a:lstStyle/>
+          <a:p>
+            <a:r>
+              <a:rPr lang="en-US" altLang="zh-CN" sz="2400" b="1" dirty="0">
+                <a:solidFill>
+                  <a:schemeClr val="bg1"/>
+                </a:solidFill>
+                <a:cs typeface="+mn-ea"/>
+                <a:sym typeface="+mn-lt"/>
+              </a:rPr>
+              <a:t>01</a:t>
+            </a:r>
+            <a:endParaRPr lang="zh-CN" altLang="en-US" sz="2400" b="1" dirty="0">
+              <a:solidFill>
+                <a:schemeClr val="bg1"/>
+              </a:solidFill>
+              <a:cs typeface="+mn-ea"/>
+              <a:sym typeface="+mn-lt"/>
+            </a:endParaRPr>
+          </a:p>
+        </p:txBody>
+      </p:sp>
+      <p:sp>
+        <p:nvSpPr>
+          <p:cNvPr id="140" name="文本框 139"/>
+          <p:cNvSpPr txBox="1"/>
+          <p:nvPr/>
+        </p:nvSpPr>
+        <p:spPr>
+          <a:xfrm>
+            <a:off x="6795503" y="2412347"/>
+            <a:ext cx="527709" cy="461665"/>
+          </a:xfrm>
+          <a:prstGeom prst="rect">
+            <a:avLst/>
+          </a:prstGeom>
+          <a:noFill/>
+        </p:spPr>
+        <p:txBody>
+          <a:bodyPr wrap="none" rtlCol="0">
+            <a:spAutoFit/>
+          </a:bodyPr>
+          <a:lstStyle/>
+          <a:p>
+            <a:r>
+              <a:rPr lang="en-US" altLang="zh-CN" sz="2400" b="1" dirty="0">
+                <a:solidFill>
+                  <a:schemeClr val="bg1"/>
+                </a:solidFill>
+                <a:cs typeface="+mn-ea"/>
+                <a:sym typeface="+mn-lt"/>
+              </a:rPr>
+              <a:t>02</a:t>
+            </a:r>
+            <a:endParaRPr lang="zh-CN" altLang="en-US" sz="2400" b="1" dirty="0">
+              <a:solidFill>
+                <a:schemeClr val="bg1"/>
+              </a:solidFill>
+              <a:cs typeface="+mn-ea"/>
+              <a:sym typeface="+mn-lt"/>
+            </a:endParaRPr>
+          </a:p>
+        </p:txBody>
+      </p:sp>
+      <p:sp>
+        <p:nvSpPr>
+          <p:cNvPr id="141" name="文本框 140"/>
+          <p:cNvSpPr txBox="1"/>
+          <p:nvPr/>
+        </p:nvSpPr>
+        <p:spPr>
+          <a:xfrm>
+            <a:off x="4668040" y="4511921"/>
+            <a:ext cx="527709" cy="461665"/>
+          </a:xfrm>
+          <a:prstGeom prst="rect">
+            <a:avLst/>
+          </a:prstGeom>
+          <a:noFill/>
+        </p:spPr>
+        <p:txBody>
+          <a:bodyPr wrap="none" rtlCol="0">
+            <a:spAutoFit/>
+          </a:bodyPr>
+          <a:lstStyle/>
+          <a:p>
+            <a:r>
+              <a:rPr lang="en-US" altLang="zh-CN" sz="2400" b="1" dirty="0">
+                <a:solidFill>
+                  <a:schemeClr val="bg1"/>
+                </a:solidFill>
+                <a:cs typeface="+mn-ea"/>
+                <a:sym typeface="+mn-lt"/>
+              </a:rPr>
+              <a:t>04</a:t>
+            </a:r>
+            <a:endParaRPr lang="zh-CN" altLang="en-US" sz="2400" b="1" dirty="0">
+              <a:solidFill>
+                <a:schemeClr val="bg1"/>
+              </a:solidFill>
+              <a:cs typeface="+mn-ea"/>
+              <a:sym typeface="+mn-lt"/>
+            </a:endParaRPr>
+          </a:p>
+        </p:txBody>
+      </p:sp>
+      <p:sp>
+        <p:nvSpPr>
+          <p:cNvPr id="142" name="文本框 141"/>
+          <p:cNvSpPr txBox="1"/>
+          <p:nvPr/>
+        </p:nvSpPr>
+        <p:spPr>
+          <a:xfrm>
+            <a:off x="6853460" y="4434340"/>
+            <a:ext cx="527709" cy="461665"/>
+          </a:xfrm>
+          <a:prstGeom prst="rect">
+            <a:avLst/>
+          </a:prstGeom>
+          <a:noFill/>
+        </p:spPr>
+        <p:txBody>
+          <a:bodyPr wrap="none" rtlCol="0">
+            <a:spAutoFit/>
+          </a:bodyPr>
+          <a:lstStyle/>
+          <a:p>
+            <a:r>
+              <a:rPr lang="en-US" altLang="zh-CN" sz="2400" b="1" dirty="0">
+                <a:solidFill>
+                  <a:schemeClr val="bg1"/>
+                </a:solidFill>
+                <a:cs typeface="+mn-ea"/>
+                <a:sym typeface="+mn-lt"/>
+              </a:rPr>
+              <a:t>03</a:t>
+            </a:r>
+            <a:endParaRPr lang="zh-CN" altLang="en-US" sz="2400" b="1" dirty="0">
+              <a:solidFill>
+                <a:schemeClr val="bg1"/>
+              </a:solidFill>
+              <a:cs typeface="+mn-ea"/>
+              <a:sym typeface="+mn-lt"/>
+            </a:endParaRPr>
+          </a:p>
+        </p:txBody>
+      </p:sp>
+      <p:sp>
+        <p:nvSpPr>
+          <p:cNvPr id="8" name="文本框 7"/>
+          <p:cNvSpPr txBox="1"/>
+          <p:nvPr/>
+        </p:nvSpPr>
+        <p:spPr>
+          <a:xfrm>
+            <a:off x="457835" y="944880"/>
+            <a:ext cx="2293620" cy="368300"/>
+          </a:xfrm>
+          <a:prstGeom prst="rect">
+            <a:avLst/>
+          </a:prstGeom>
+          <a:noFill/>
+          <a:extLst>
+            <a:ext uri="{909E8E84-426E-40DD-AFC4-6F175D3DCCD1}">
+              <a14:hiddenFill xmlns:a14="http://schemas.microsoft.com/office/drawing/2010/main">
+                <a:solidFill>
+                  <a:srgbClr val="9D9AAB"/>
+                </a:solidFill>
+              </a14:hiddenFill>
+            </a:ext>
+          </a:extLst>
+        </p:spPr>
+        <p:txBody>
+          <a:bodyPr wrap="square" rtlCol="0">
+            <a:noAutofit/>
+          </a:bodyPr>
+          <a:p>
+            <a:pPr algn="ctr"/>
+            <a:r>
+              <a:rPr lang="zh-CN" altLang="en-US">
+                <a:solidFill>
+                  <a:schemeClr val="bg1"/>
+                </a:solidFill>
+              </a:rPr>
+              <a:t>管理员管理界面展示</a:t>
+            </a:r>
+            <a:endParaRPr lang="zh-CN" altLang="en-US">
+              <a:solidFill>
+                <a:schemeClr val="bg1"/>
+              </a:solidFill>
+            </a:endParaRPr>
+          </a:p>
+        </p:txBody>
+      </p:sp>
+      <p:pic>
+        <p:nvPicPr>
+          <p:cNvPr id="15" name="图片 12"/>
+          <p:cNvPicPr>
+            <a:picLocks noChangeAspect="1"/>
+          </p:cNvPicPr>
+          <p:nvPr/>
+        </p:nvPicPr>
+        <p:blipFill>
+          <a:blip r:embed="rId1"/>
+          <a:stretch>
+            <a:fillRect/>
+          </a:stretch>
+        </p:blipFill>
+        <p:spPr>
+          <a:xfrm>
+            <a:off x="1259840" y="1699260"/>
+            <a:ext cx="4637405" cy="3545840"/>
+          </a:xfrm>
+          <a:prstGeom prst="rect">
+            <a:avLst/>
+          </a:prstGeom>
+          <a:noFill/>
+          <a:ln>
+            <a:noFill/>
+          </a:ln>
+        </p:spPr>
+      </p:pic>
+      <p:pic>
+        <p:nvPicPr>
+          <p:cNvPr id="16" name="图片 13"/>
+          <p:cNvPicPr>
+            <a:picLocks noChangeAspect="1"/>
+          </p:cNvPicPr>
+          <p:nvPr/>
+        </p:nvPicPr>
+        <p:blipFill>
+          <a:blip r:embed="rId2"/>
+          <a:stretch>
+            <a:fillRect/>
+          </a:stretch>
+        </p:blipFill>
+        <p:spPr>
+          <a:xfrm>
+            <a:off x="6202045" y="1699260"/>
+            <a:ext cx="4632325" cy="3546475"/>
+          </a:xfrm>
+          <a:prstGeom prst="rect">
+            <a:avLst/>
+          </a:prstGeom>
+          <a:noFill/>
+          <a:ln>
+            <a:noFill/>
+          </a:ln>
+        </p:spPr>
+      </p:pic>
+    </p:spTree>
+  </p:cSld>
+  <p:clrMapOvr>
+    <a:masterClrMapping/>
+  </p:clrMapOvr>
+</p:sld>
+</file>
+
+<file path=ppt/slides/slide11.xml><?xml version="1.0" encoding="utf-8"?>
+<p:sld xmlns:a="http://schemas.openxmlformats.org/drawingml/2006/main" xmlns:r="http://schemas.openxmlformats.org/officeDocument/2006/relationships" xmlns:p="http://schemas.openxmlformats.org/presentationml/2006/main">
+  <p:cSld>
+    <p:spTree>
+      <p:nvGrpSpPr>
+        <p:cNvPr id="1" name=""/>
+        <p:cNvGrpSpPr/>
+        <p:nvPr/>
+      </p:nvGrpSpPr>
+      <p:grpSpPr>
+        <a:xfrm>
+          <a:off x="0" y="0"/>
+          <a:ext cx="0" cy="0"/>
+          <a:chOff x="0" y="0"/>
+          <a:chExt cx="0" cy="0"/>
+        </a:xfrm>
+      </p:grpSpPr>
+      <p:grpSp>
+        <p:nvGrpSpPr>
+          <p:cNvPr id="2" name="组合 1"/>
+          <p:cNvGrpSpPr/>
+          <p:nvPr/>
+        </p:nvGrpSpPr>
+        <p:grpSpPr>
+          <a:xfrm>
+            <a:off x="-374944" y="-1748697"/>
+            <a:ext cx="2500783" cy="4318114"/>
+            <a:chOff x="-374944" y="-1748697"/>
+            <a:chExt cx="2500783" cy="4318114"/>
+          </a:xfrm>
+        </p:grpSpPr>
+        <p:sp>
+          <p:nvSpPr>
+            <p:cNvPr id="3" name="矩形: 圆角 2"/>
+            <p:cNvSpPr/>
+            <p:nvPr/>
+          </p:nvSpPr>
+          <p:spPr>
+            <a:xfrm rot="19056966">
+              <a:off x="-374944" y="-1649268"/>
+              <a:ext cx="207479" cy="2824914"/>
+            </a:xfrm>
+            <a:prstGeom prst="roundRect">
+              <a:avLst/>
+            </a:prstGeom>
+            <a:solidFill>
+              <a:srgbClr val="D7CFCD"/>
+            </a:solidFill>
+            <a:ln>
+              <a:noFill/>
+            </a:ln>
+          </p:spPr>
+          <p:style>
+            <a:lnRef idx="2">
+              <a:schemeClr val="accent1">
+                <a:shade val="50000"/>
+              </a:schemeClr>
+            </a:lnRef>
+            <a:fillRef idx="1">
+              <a:schemeClr val="accent1"/>
+            </a:fillRef>
+            <a:effectRef idx="0">
+              <a:schemeClr val="accent1"/>
+            </a:effectRef>
+            <a:fontRef idx="minor">
+              <a:schemeClr val="lt1"/>
+            </a:fontRef>
+          </p:style>
+          <p:txBody>
+            <a:bodyPr rtlCol="0" anchor="ctr"/>
+            <a:lstStyle/>
+            <a:p>
+              <a:pPr algn="ctr"/>
+              <a:endParaRPr lang="zh-CN" altLang="en-US">
+                <a:cs typeface="+mn-ea"/>
+                <a:sym typeface="+mn-lt"/>
+              </a:endParaRPr>
+            </a:p>
+          </p:txBody>
+        </p:sp>
+        <p:sp>
+          <p:nvSpPr>
+            <p:cNvPr id="4" name="矩形: 圆角 3"/>
+            <p:cNvSpPr/>
+            <p:nvPr/>
+          </p:nvSpPr>
+          <p:spPr>
+            <a:xfrm rot="19056966">
+              <a:off x="445790" y="-72399"/>
+              <a:ext cx="194031" cy="2641816"/>
+            </a:xfrm>
+            <a:prstGeom prst="roundRect">
+              <a:avLst/>
+            </a:prstGeom>
+            <a:solidFill>
+              <a:srgbClr val="D7CFCD"/>
+            </a:solidFill>
+            <a:ln>
+              <a:noFill/>
+            </a:ln>
+          </p:spPr>
+          <p:style>
+            <a:lnRef idx="2">
+              <a:schemeClr val="accent1">
+                <a:shade val="50000"/>
+              </a:schemeClr>
+            </a:lnRef>
+            <a:fillRef idx="1">
+              <a:schemeClr val="accent1"/>
+            </a:fillRef>
+            <a:effectRef idx="0">
+              <a:schemeClr val="accent1"/>
+            </a:effectRef>
+            <a:fontRef idx="minor">
+              <a:schemeClr val="lt1"/>
+            </a:fontRef>
+          </p:style>
+          <p:txBody>
+            <a:bodyPr rtlCol="0" anchor="ctr"/>
+            <a:lstStyle/>
+            <a:p>
+              <a:pPr algn="ctr"/>
+              <a:endParaRPr lang="zh-CN" altLang="en-US">
+                <a:cs typeface="+mn-ea"/>
+                <a:sym typeface="+mn-lt"/>
+              </a:endParaRPr>
+            </a:p>
+          </p:txBody>
+        </p:sp>
+        <p:sp>
+          <p:nvSpPr>
+            <p:cNvPr id="5" name="矩形: 圆角 4"/>
+            <p:cNvSpPr/>
+            <p:nvPr/>
+          </p:nvSpPr>
+          <p:spPr>
+            <a:xfrm rot="19056966">
+              <a:off x="573338" y="-1080956"/>
+              <a:ext cx="194031" cy="2641816"/>
+            </a:xfrm>
+            <a:prstGeom prst="roundRect">
+              <a:avLst/>
+            </a:prstGeom>
+            <a:solidFill>
+              <a:srgbClr val="D7CFCD"/>
+            </a:solidFill>
+            <a:ln>
+              <a:noFill/>
+            </a:ln>
+          </p:spPr>
+          <p:style>
+            <a:lnRef idx="2">
+              <a:schemeClr val="accent1">
+                <a:shade val="50000"/>
+              </a:schemeClr>
+            </a:lnRef>
+            <a:fillRef idx="1">
+              <a:schemeClr val="accent1"/>
+            </a:fillRef>
+            <a:effectRef idx="0">
+              <a:schemeClr val="accent1"/>
+            </a:effectRef>
+            <a:fontRef idx="minor">
+              <a:schemeClr val="lt1"/>
+            </a:fontRef>
+          </p:style>
+          <p:txBody>
+            <a:bodyPr rtlCol="0" anchor="ctr"/>
+            <a:lstStyle/>
+            <a:p>
+              <a:pPr algn="ctr"/>
+              <a:endParaRPr lang="zh-CN" altLang="en-US">
+                <a:cs typeface="+mn-ea"/>
+                <a:sym typeface="+mn-lt"/>
+              </a:endParaRPr>
+            </a:p>
+          </p:txBody>
+        </p:sp>
+        <p:sp>
+          <p:nvSpPr>
+            <p:cNvPr id="6" name="矩形: 圆角 5"/>
+            <p:cNvSpPr/>
+            <p:nvPr/>
+          </p:nvSpPr>
+          <p:spPr>
+            <a:xfrm rot="19056966">
+              <a:off x="1188799" y="-960879"/>
+              <a:ext cx="194031" cy="2641816"/>
+            </a:xfrm>
+            <a:prstGeom prst="roundRect">
+              <a:avLst/>
+            </a:prstGeom>
+            <a:solidFill>
+              <a:srgbClr val="D7CFCD"/>
+            </a:solidFill>
+            <a:ln>
+              <a:noFill/>
+            </a:ln>
+          </p:spPr>
+          <p:style>
+            <a:lnRef idx="2">
+              <a:schemeClr val="accent1">
+                <a:shade val="50000"/>
+              </a:schemeClr>
+            </a:lnRef>
+            <a:fillRef idx="1">
+              <a:schemeClr val="accent1"/>
+            </a:fillRef>
+            <a:effectRef idx="0">
+              <a:schemeClr val="accent1"/>
+            </a:effectRef>
+            <a:fontRef idx="minor">
+              <a:schemeClr val="lt1"/>
+            </a:fontRef>
+          </p:style>
+          <p:txBody>
+            <a:bodyPr rtlCol="0" anchor="ctr"/>
+            <a:lstStyle/>
+            <a:p>
+              <a:pPr algn="ctr"/>
+              <a:endParaRPr lang="zh-CN" altLang="en-US">
+                <a:cs typeface="+mn-ea"/>
+                <a:sym typeface="+mn-lt"/>
+              </a:endParaRPr>
+            </a:p>
+          </p:txBody>
+        </p:sp>
+        <p:sp>
+          <p:nvSpPr>
+            <p:cNvPr id="7" name="矩形: 圆角 6"/>
+            <p:cNvSpPr/>
+            <p:nvPr/>
+          </p:nvSpPr>
+          <p:spPr>
+            <a:xfrm rot="19056966">
+              <a:off x="1013473" y="-1748697"/>
+              <a:ext cx="194031" cy="2641816"/>
+            </a:xfrm>
+            <a:prstGeom prst="roundRect">
+              <a:avLst/>
+            </a:prstGeom>
+            <a:solidFill>
+              <a:srgbClr val="D7CFCD"/>
+            </a:solidFill>
+            <a:ln>
+              <a:noFill/>
+            </a:ln>
+          </p:spPr>
+          <p:style>
+            <a:lnRef idx="2">
+              <a:schemeClr val="accent1">
+                <a:shade val="50000"/>
+              </a:schemeClr>
+            </a:lnRef>
+            <a:fillRef idx="1">
+              <a:schemeClr val="accent1"/>
+            </a:fillRef>
+            <a:effectRef idx="0">
+              <a:schemeClr val="accent1"/>
+            </a:effectRef>
+            <a:fontRef idx="minor">
+              <a:schemeClr val="lt1"/>
+            </a:fontRef>
+          </p:style>
+          <p:txBody>
+            <a:bodyPr rtlCol="0" anchor="ctr"/>
+            <a:lstStyle/>
+            <a:p>
+              <a:pPr algn="ctr"/>
+              <a:endParaRPr lang="zh-CN" altLang="en-US">
+                <a:cs typeface="+mn-ea"/>
+                <a:sym typeface="+mn-lt"/>
+              </a:endParaRPr>
+            </a:p>
+          </p:txBody>
+        </p:sp>
+        <p:sp>
+          <p:nvSpPr>
+            <p:cNvPr id="8" name="矩形: 圆角 7"/>
+            <p:cNvSpPr/>
+            <p:nvPr/>
+          </p:nvSpPr>
+          <p:spPr>
+            <a:xfrm rot="19056966">
+              <a:off x="-313993" y="-279827"/>
+              <a:ext cx="194031" cy="2641816"/>
+            </a:xfrm>
+            <a:prstGeom prst="roundRect">
+              <a:avLst/>
+            </a:prstGeom>
+            <a:solidFill>
+              <a:srgbClr val="D7CFCD"/>
+            </a:solidFill>
+            <a:ln>
+              <a:noFill/>
+            </a:ln>
+          </p:spPr>
+          <p:style>
+            <a:lnRef idx="2">
+              <a:schemeClr val="accent1">
+                <a:shade val="50000"/>
+              </a:schemeClr>
+            </a:lnRef>
+            <a:fillRef idx="1">
+              <a:schemeClr val="accent1"/>
+            </a:fillRef>
+            <a:effectRef idx="0">
+              <a:schemeClr val="accent1"/>
+            </a:effectRef>
+            <a:fontRef idx="minor">
+              <a:schemeClr val="lt1"/>
+            </a:fontRef>
+          </p:style>
+          <p:txBody>
+            <a:bodyPr rtlCol="0" anchor="ctr"/>
+            <a:lstStyle/>
+            <a:p>
+              <a:pPr algn="ctr"/>
+              <a:endParaRPr lang="zh-CN" altLang="en-US">
+                <a:cs typeface="+mn-ea"/>
+                <a:sym typeface="+mn-lt"/>
+              </a:endParaRPr>
+            </a:p>
+          </p:txBody>
+        </p:sp>
+        <p:sp>
+          <p:nvSpPr>
+            <p:cNvPr id="9" name="矩形: 圆角 8"/>
+            <p:cNvSpPr/>
+            <p:nvPr/>
+          </p:nvSpPr>
+          <p:spPr>
+            <a:xfrm rot="19056966">
+              <a:off x="1931808" y="-1320908"/>
+              <a:ext cx="194031" cy="2641816"/>
+            </a:xfrm>
+            <a:prstGeom prst="roundRect">
+              <a:avLst/>
+            </a:prstGeom>
+            <a:solidFill>
+              <a:srgbClr val="D7CFCD"/>
+            </a:solidFill>
+            <a:ln>
+              <a:noFill/>
+            </a:ln>
+          </p:spPr>
+          <p:style>
+            <a:lnRef idx="2">
+              <a:schemeClr val="accent1">
+                <a:shade val="50000"/>
+              </a:schemeClr>
+            </a:lnRef>
+            <a:fillRef idx="1">
+              <a:schemeClr val="accent1"/>
+            </a:fillRef>
+            <a:effectRef idx="0">
+              <a:schemeClr val="accent1"/>
+            </a:effectRef>
+            <a:fontRef idx="minor">
+              <a:schemeClr val="lt1"/>
+            </a:fontRef>
+          </p:style>
+          <p:txBody>
+            <a:bodyPr rtlCol="0" anchor="ctr"/>
+            <a:lstStyle/>
+            <a:p>
+              <a:pPr algn="ctr"/>
+              <a:endParaRPr lang="zh-CN" altLang="en-US">
+                <a:cs typeface="+mn-ea"/>
+                <a:sym typeface="+mn-lt"/>
+              </a:endParaRPr>
+            </a:p>
+          </p:txBody>
+        </p:sp>
+      </p:grpSp>
+      <p:sp>
+        <p:nvSpPr>
+          <p:cNvPr id="10" name="矩形 9"/>
+          <p:cNvSpPr/>
+          <p:nvPr/>
+        </p:nvSpPr>
+        <p:spPr>
+          <a:xfrm>
+            <a:off x="8942496" y="0"/>
+            <a:ext cx="3252186" cy="6858000"/>
+          </a:xfrm>
+          <a:prstGeom prst="rect">
+            <a:avLst/>
+          </a:prstGeom>
+          <a:solidFill>
+            <a:srgbClr val="9D9AAB"/>
+          </a:solidFill>
+          <a:ln>
+            <a:noFill/>
+          </a:ln>
+        </p:spPr>
+        <p:style>
+          <a:lnRef idx="2">
+            <a:schemeClr val="accent1">
+              <a:shade val="50000"/>
+            </a:schemeClr>
+          </a:lnRef>
+          <a:fillRef idx="1">
+            <a:schemeClr val="accent1"/>
+          </a:fillRef>
+          <a:effectRef idx="0">
+            <a:schemeClr val="accent1"/>
+          </a:effectRef>
+          <a:fontRef idx="minor">
+            <a:schemeClr val="lt1"/>
+          </a:fontRef>
+        </p:style>
+        <p:txBody>
+          <a:bodyPr rtlCol="0" anchor="ctr"/>
+          <a:lstStyle/>
+          <a:p>
+            <a:pPr algn="ctr"/>
+            <a:endParaRPr lang="zh-CN" altLang="en-US" dirty="0">
+              <a:cs typeface="+mn-ea"/>
+              <a:sym typeface="+mn-lt"/>
+            </a:endParaRPr>
+          </a:p>
+        </p:txBody>
+      </p:sp>
+      <p:grpSp>
+        <p:nvGrpSpPr>
+          <p:cNvPr id="16" name="组合 15"/>
+          <p:cNvGrpSpPr/>
+          <p:nvPr/>
+        </p:nvGrpSpPr>
+        <p:grpSpPr>
+          <a:xfrm>
+            <a:off x="4449526" y="2198325"/>
+            <a:ext cx="1051670" cy="1038425"/>
+            <a:chOff x="4003103" y="1620496"/>
+            <a:chExt cx="1051670" cy="1038425"/>
+          </a:xfrm>
+        </p:grpSpPr>
+        <p:sp>
+          <p:nvSpPr>
+            <p:cNvPr id="11" name="文本框 10"/>
+            <p:cNvSpPr txBox="1"/>
+            <p:nvPr/>
+          </p:nvSpPr>
+          <p:spPr>
+            <a:xfrm>
+              <a:off x="4003103" y="1620496"/>
+              <a:ext cx="954107" cy="923330"/>
+            </a:xfrm>
+            <a:prstGeom prst="rect">
+              <a:avLst/>
+            </a:prstGeom>
+            <a:noFill/>
+          </p:spPr>
+          <p:txBody>
+            <a:bodyPr wrap="none" rtlCol="0">
+              <a:spAutoFit/>
+            </a:bodyPr>
+            <a:lstStyle/>
+            <a:p>
+              <a:r>
+                <a:rPr lang="en-US" altLang="zh-CN" sz="5400" b="1" dirty="0">
+                  <a:solidFill>
+                    <a:srgbClr val="948C89"/>
+                  </a:solidFill>
+                  <a:cs typeface="+mn-ea"/>
+                  <a:sym typeface="+mn-lt"/>
+                </a:rPr>
+                <a:t>02</a:t>
+              </a:r>
+              <a:endParaRPr lang="zh-CN" altLang="en-US" sz="5400" b="1" dirty="0">
+                <a:solidFill>
+                  <a:srgbClr val="948C89"/>
+                </a:solidFill>
+                <a:cs typeface="+mn-ea"/>
+                <a:sym typeface="+mn-lt"/>
+              </a:endParaRPr>
+            </a:p>
+          </p:txBody>
+        </p:sp>
+        <p:sp>
+          <p:nvSpPr>
+            <p:cNvPr id="12" name="文本框 11"/>
+            <p:cNvSpPr txBox="1"/>
+            <p:nvPr/>
+          </p:nvSpPr>
+          <p:spPr>
+            <a:xfrm>
+              <a:off x="4023722" y="2289589"/>
+              <a:ext cx="1031051" cy="369332"/>
+            </a:xfrm>
+            <a:prstGeom prst="rect">
+              <a:avLst/>
+            </a:prstGeom>
+            <a:noFill/>
+          </p:spPr>
+          <p:txBody>
+            <a:bodyPr wrap="none" rtlCol="0">
+              <a:spAutoFit/>
+            </a:bodyPr>
+            <a:lstStyle/>
+            <a:p>
+              <a:r>
+                <a:rPr lang="en-US" altLang="zh-CN" dirty="0">
+                  <a:solidFill>
+                    <a:srgbClr val="948C89"/>
+                  </a:solidFill>
+                  <a:cs typeface="+mn-ea"/>
+                  <a:sym typeface="+mn-lt"/>
+                </a:rPr>
+                <a:t>Part two</a:t>
+              </a:r>
+              <a:endParaRPr lang="zh-CN" altLang="en-US" dirty="0">
+                <a:solidFill>
+                  <a:srgbClr val="948C89"/>
+                </a:solidFill>
+                <a:cs typeface="+mn-ea"/>
+                <a:sym typeface="+mn-lt"/>
+              </a:endParaRPr>
+            </a:p>
+          </p:txBody>
+        </p:sp>
+      </p:grpSp>
+      <p:grpSp>
+        <p:nvGrpSpPr>
+          <p:cNvPr id="13" name="组合 12"/>
+          <p:cNvGrpSpPr/>
+          <p:nvPr/>
+        </p:nvGrpSpPr>
+        <p:grpSpPr>
+          <a:xfrm>
+            <a:off x="2548951" y="3205973"/>
+            <a:ext cx="4754880" cy="983476"/>
+            <a:chOff x="5494532" y="695627"/>
+            <a:chExt cx="4754880" cy="983476"/>
+          </a:xfrm>
+        </p:grpSpPr>
+        <p:sp>
+          <p:nvSpPr>
+            <p:cNvPr id="14" name="文本框 13"/>
+            <p:cNvSpPr txBox="1"/>
+            <p:nvPr/>
+          </p:nvSpPr>
+          <p:spPr>
+            <a:xfrm>
+              <a:off x="5494532" y="695627"/>
+              <a:ext cx="4754880" cy="706755"/>
+            </a:xfrm>
+            <a:prstGeom prst="rect">
+              <a:avLst/>
+            </a:prstGeom>
+            <a:noFill/>
+          </p:spPr>
+          <p:txBody>
+            <a:bodyPr wrap="none" rtlCol="0">
+              <a:spAutoFit/>
+            </a:bodyPr>
+            <a:lstStyle/>
+            <a:p>
+              <a:pPr algn="l"/>
+              <a:r>
+                <a:rPr lang="zh-CN" altLang="en-US" sz="4000" b="1" dirty="0">
+                  <a:solidFill>
+                    <a:srgbClr val="9D9AAB"/>
+                  </a:solidFill>
+                  <a:cs typeface="+mn-ea"/>
+                  <a:sym typeface="+mn-lt"/>
+                </a:rPr>
+                <a:t>存在问题及解决措施</a:t>
+              </a:r>
+              <a:endParaRPr lang="zh-CN" altLang="en-US" sz="4000" b="1" spc="600" dirty="0">
+                <a:solidFill>
+                  <a:srgbClr val="9D9AAB"/>
+                </a:solidFill>
+                <a:cs typeface="+mn-ea"/>
+                <a:sym typeface="+mn-lt"/>
+              </a:endParaRPr>
+            </a:p>
+          </p:txBody>
+        </p:sp>
+        <p:sp>
+          <p:nvSpPr>
+            <p:cNvPr id="15" name="文本框 14"/>
+            <p:cNvSpPr txBox="1"/>
+            <p:nvPr/>
+          </p:nvSpPr>
+          <p:spPr>
+            <a:xfrm>
+              <a:off x="7049192" y="1403513"/>
+              <a:ext cx="1764030" cy="275590"/>
+            </a:xfrm>
+            <a:prstGeom prst="rect">
+              <a:avLst/>
+            </a:prstGeom>
+            <a:noFill/>
+          </p:spPr>
+          <p:txBody>
+            <a:bodyPr wrap="none" rtlCol="0">
+              <a:spAutoFit/>
+            </a:bodyPr>
+            <a:lstStyle/>
+            <a:p>
+              <a:pPr algn="l"/>
+              <a:r>
+                <a:rPr lang="en-US" altLang="zh-CN" sz="1200" dirty="0">
+                  <a:solidFill>
+                    <a:srgbClr val="9D9AAB"/>
+                  </a:solidFill>
+                  <a:cs typeface="+mn-ea"/>
+                  <a:sym typeface="+mn-lt"/>
+                </a:rPr>
+                <a:t>Problems and solutions</a:t>
+              </a:r>
+              <a:endParaRPr lang="zh-CN" altLang="en-US" sz="1200" dirty="0">
+                <a:solidFill>
+                  <a:srgbClr val="9D9AAB"/>
+                </a:solidFill>
+                <a:cs typeface="+mn-ea"/>
+                <a:sym typeface="+mn-lt"/>
+              </a:endParaRPr>
+            </a:p>
+          </p:txBody>
+        </p:sp>
+      </p:grpSp>
+      <p:grpSp>
+        <p:nvGrpSpPr>
+          <p:cNvPr id="21" name="组合 20"/>
+          <p:cNvGrpSpPr/>
+          <p:nvPr/>
+        </p:nvGrpSpPr>
+        <p:grpSpPr>
+          <a:xfrm>
+            <a:off x="-216978" y="-681051"/>
+            <a:ext cx="7602434" cy="7800527"/>
+            <a:chOff x="-224465" y="-674213"/>
+            <a:chExt cx="7602434" cy="7800527"/>
+          </a:xfrm>
+        </p:grpSpPr>
+        <p:sp>
+          <p:nvSpPr>
+            <p:cNvPr id="22" name="椭圆 21"/>
+            <p:cNvSpPr/>
+            <p:nvPr/>
+          </p:nvSpPr>
+          <p:spPr>
+            <a:xfrm>
+              <a:off x="159129" y="2008283"/>
+              <a:ext cx="1639229" cy="1639229"/>
+            </a:xfrm>
+            <a:prstGeom prst="ellipse">
+              <a:avLst/>
+            </a:prstGeom>
+            <a:solidFill>
+              <a:srgbClr val="D7CFCD">
+                <a:alpha val="29000"/>
+              </a:srgbClr>
+            </a:solidFill>
+            <a:ln>
+              <a:noFill/>
+            </a:ln>
+          </p:spPr>
+          <p:style>
+            <a:lnRef idx="2">
+              <a:schemeClr val="accent1">
+                <a:shade val="50000"/>
+              </a:schemeClr>
+            </a:lnRef>
+            <a:fillRef idx="1">
+              <a:schemeClr val="accent1"/>
+            </a:fillRef>
+            <a:effectRef idx="0">
+              <a:schemeClr val="accent1"/>
+            </a:effectRef>
+            <a:fontRef idx="minor">
+              <a:schemeClr val="lt1"/>
+            </a:fontRef>
+          </p:style>
+          <p:txBody>
+            <a:bodyPr rtlCol="0" anchor="ctr"/>
+            <a:lstStyle/>
+            <a:p>
+              <a:pPr algn="ctr"/>
+              <a:endParaRPr lang="zh-CN" altLang="en-US">
+                <a:cs typeface="+mn-ea"/>
+                <a:sym typeface="+mn-lt"/>
+              </a:endParaRPr>
+            </a:p>
+          </p:txBody>
+        </p:sp>
+        <p:sp>
+          <p:nvSpPr>
+            <p:cNvPr id="23" name="椭圆 22"/>
+            <p:cNvSpPr/>
+            <p:nvPr/>
+          </p:nvSpPr>
+          <p:spPr>
+            <a:xfrm>
+              <a:off x="4231558" y="2088999"/>
+              <a:ext cx="3146411" cy="3146411"/>
+            </a:xfrm>
+            <a:prstGeom prst="ellipse">
+              <a:avLst/>
+            </a:prstGeom>
+            <a:solidFill>
+              <a:srgbClr val="D7CFCD">
+                <a:alpha val="10000"/>
+              </a:srgbClr>
+            </a:solidFill>
+            <a:ln>
+              <a:noFill/>
+            </a:ln>
+          </p:spPr>
+          <p:style>
+            <a:lnRef idx="2">
+              <a:schemeClr val="accent1">
+                <a:shade val="50000"/>
+              </a:schemeClr>
+            </a:lnRef>
+            <a:fillRef idx="1">
+              <a:schemeClr val="accent1"/>
+            </a:fillRef>
+            <a:effectRef idx="0">
+              <a:schemeClr val="accent1"/>
+            </a:effectRef>
+            <a:fontRef idx="minor">
+              <a:schemeClr val="lt1"/>
+            </a:fontRef>
+          </p:style>
+          <p:txBody>
+            <a:bodyPr rtlCol="0" anchor="ctr"/>
+            <a:lstStyle/>
+            <a:p>
+              <a:pPr algn="ctr"/>
+              <a:endParaRPr lang="zh-CN" altLang="en-US" dirty="0">
+                <a:cs typeface="+mn-ea"/>
+                <a:sym typeface="+mn-lt"/>
+              </a:endParaRPr>
+            </a:p>
+          </p:txBody>
+        </p:sp>
+        <p:sp>
+          <p:nvSpPr>
+            <p:cNvPr id="24" name="椭圆 23"/>
+            <p:cNvSpPr/>
+            <p:nvPr/>
+          </p:nvSpPr>
+          <p:spPr>
+            <a:xfrm>
+              <a:off x="5347149" y="-674213"/>
+              <a:ext cx="1639229" cy="1639229"/>
+            </a:xfrm>
+            <a:prstGeom prst="ellipse">
+              <a:avLst/>
+            </a:prstGeom>
+            <a:solidFill>
+              <a:srgbClr val="D7CFCD">
+                <a:alpha val="19000"/>
+              </a:srgbClr>
+            </a:solidFill>
+            <a:ln>
+              <a:noFill/>
+            </a:ln>
+          </p:spPr>
+          <p:style>
+            <a:lnRef idx="2">
+              <a:schemeClr val="accent1">
+                <a:shade val="50000"/>
+              </a:schemeClr>
+            </a:lnRef>
+            <a:fillRef idx="1">
+              <a:schemeClr val="accent1"/>
+            </a:fillRef>
+            <a:effectRef idx="0">
+              <a:schemeClr val="accent1"/>
+            </a:effectRef>
+            <a:fontRef idx="minor">
+              <a:schemeClr val="lt1"/>
+            </a:fontRef>
+          </p:style>
+          <p:txBody>
+            <a:bodyPr rtlCol="0" anchor="ctr"/>
+            <a:lstStyle/>
+            <a:p>
+              <a:pPr algn="ctr"/>
+              <a:endParaRPr lang="zh-CN" altLang="en-US">
+                <a:cs typeface="+mn-ea"/>
+                <a:sym typeface="+mn-lt"/>
+              </a:endParaRPr>
+            </a:p>
+          </p:txBody>
+        </p:sp>
+        <p:sp>
+          <p:nvSpPr>
+            <p:cNvPr id="25" name="椭圆 24"/>
+            <p:cNvSpPr/>
+            <p:nvPr/>
+          </p:nvSpPr>
+          <p:spPr>
+            <a:xfrm>
+              <a:off x="-224465" y="6434241"/>
+              <a:ext cx="692073" cy="692073"/>
+            </a:xfrm>
+            <a:prstGeom prst="ellipse">
+              <a:avLst/>
+            </a:prstGeom>
+            <a:solidFill>
+              <a:srgbClr val="D7CFCD">
+                <a:alpha val="92000"/>
+              </a:srgbClr>
+            </a:solidFill>
+            <a:ln>
+              <a:noFill/>
+            </a:ln>
+          </p:spPr>
+          <p:style>
+            <a:lnRef idx="2">
+              <a:schemeClr val="accent1">
+                <a:shade val="50000"/>
+              </a:schemeClr>
+            </a:lnRef>
+            <a:fillRef idx="1">
+              <a:schemeClr val="accent1"/>
+            </a:fillRef>
+            <a:effectRef idx="0">
+              <a:schemeClr val="accent1"/>
+            </a:effectRef>
+            <a:fontRef idx="minor">
+              <a:schemeClr val="lt1"/>
+            </a:fontRef>
+          </p:style>
+          <p:txBody>
+            <a:bodyPr rtlCol="0" anchor="ctr"/>
+            <a:lstStyle/>
+            <a:p>
+              <a:pPr algn="ctr"/>
+              <a:endParaRPr lang="zh-CN" altLang="en-US" dirty="0">
+                <a:cs typeface="+mn-ea"/>
+                <a:sym typeface="+mn-lt"/>
+              </a:endParaRPr>
+            </a:p>
+          </p:txBody>
+        </p:sp>
+      </p:grpSp>
+    </p:spTree>
+  </p:cSld>
+  <p:clrMapOvr>
+    <a:masterClrMapping/>
+  </p:clrMapOvr>
+</p:sld>
+</file>
+
+<file path=ppt/slides/slide12.xml><?xml version="1.0" encoding="utf-8"?>
+<p:sld xmlns:a="http://schemas.openxmlformats.org/drawingml/2006/main" xmlns:r="http://schemas.openxmlformats.org/officeDocument/2006/relationships" xmlns:p="http://schemas.openxmlformats.org/presentationml/2006/main">
+  <p:cSld>
+    <p:spTree>
+      <p:nvGrpSpPr>
+        <p:cNvPr id="1" name=""/>
+        <p:cNvGrpSpPr/>
+        <p:nvPr/>
+      </p:nvGrpSpPr>
+      <p:grpSpPr>
+        <a:xfrm>
+          <a:off x="0" y="0"/>
+          <a:ext cx="0" cy="0"/>
+          <a:chOff x="0" y="0"/>
+          <a:chExt cx="0" cy="0"/>
+        </a:xfrm>
+      </p:grpSpPr>
+      <p:grpSp>
+        <p:nvGrpSpPr>
+          <p:cNvPr id="2" name="组合 1"/>
+          <p:cNvGrpSpPr/>
+          <p:nvPr/>
+        </p:nvGrpSpPr>
+        <p:grpSpPr>
+          <a:xfrm>
+            <a:off x="-3366" y="0"/>
+            <a:ext cx="12195366" cy="747132"/>
+            <a:chOff x="-3366" y="0"/>
+            <a:chExt cx="12195366" cy="747132"/>
+          </a:xfrm>
+        </p:grpSpPr>
+        <p:sp>
+          <p:nvSpPr>
+            <p:cNvPr id="3" name="矩形 2"/>
+            <p:cNvSpPr/>
+            <p:nvPr/>
+          </p:nvSpPr>
+          <p:spPr>
+            <a:xfrm>
+              <a:off x="0" y="0"/>
+              <a:ext cx="12192000" cy="747132"/>
+            </a:xfrm>
+            <a:prstGeom prst="rect">
+              <a:avLst/>
+            </a:prstGeom>
+            <a:solidFill>
+              <a:srgbClr val="D7CFCD">
+                <a:alpha val="63000"/>
+              </a:srgbClr>
+            </a:solidFill>
+            <a:ln>
+              <a:noFill/>
+            </a:ln>
+          </p:spPr>
+          <p:style>
+            <a:lnRef idx="2">
+              <a:schemeClr val="accent1">
+                <a:shade val="50000"/>
+              </a:schemeClr>
+            </a:lnRef>
+            <a:fillRef idx="1">
+              <a:schemeClr val="accent1"/>
+            </a:fillRef>
+            <a:effectRef idx="0">
+              <a:schemeClr val="accent1"/>
+            </a:effectRef>
+            <a:fontRef idx="minor">
+              <a:schemeClr val="lt1"/>
+            </a:fontRef>
+          </p:style>
+          <p:txBody>
+            <a:bodyPr rtlCol="0" anchor="ctr"/>
+            <a:lstStyle/>
+            <a:p>
+              <a:pPr algn="ctr"/>
+              <a:endParaRPr lang="zh-CN" altLang="en-US">
+                <a:cs typeface="+mn-ea"/>
+                <a:sym typeface="+mn-lt"/>
+              </a:endParaRPr>
+            </a:p>
+          </p:txBody>
+        </p:sp>
+        <p:sp>
+          <p:nvSpPr>
+            <p:cNvPr id="4" name="平行四边形 2"/>
+            <p:cNvSpPr/>
+            <p:nvPr/>
+          </p:nvSpPr>
+          <p:spPr>
+            <a:xfrm>
+              <a:off x="-3366" y="0"/>
+              <a:ext cx="3248371" cy="747132"/>
+            </a:xfrm>
+            <a:custGeom>
+              <a:avLst/>
+              <a:gdLst>
+                <a:gd name="connsiteX0" fmla="*/ 0 w 5742878"/>
+                <a:gd name="connsiteY0" fmla="*/ 747132 h 747132"/>
+                <a:gd name="connsiteX1" fmla="*/ 186783 w 5742878"/>
+                <a:gd name="connsiteY1" fmla="*/ 0 h 747132"/>
+                <a:gd name="connsiteX2" fmla="*/ 5742878 w 5742878"/>
+                <a:gd name="connsiteY2" fmla="*/ 0 h 747132"/>
+                <a:gd name="connsiteX3" fmla="*/ 5556095 w 5742878"/>
+                <a:gd name="connsiteY3" fmla="*/ 747132 h 747132"/>
+                <a:gd name="connsiteX4" fmla="*/ 0 w 5742878"/>
+                <a:gd name="connsiteY4" fmla="*/ 747132 h 747132"/>
+                <a:gd name="connsiteX0-1" fmla="*/ 0 w 5742878"/>
+                <a:gd name="connsiteY0-2" fmla="*/ 747132 h 747132"/>
+                <a:gd name="connsiteX1-3" fmla="*/ 8363 w 5742878"/>
+                <a:gd name="connsiteY1-4" fmla="*/ 0 h 747132"/>
+                <a:gd name="connsiteX2-5" fmla="*/ 5742878 w 5742878"/>
+                <a:gd name="connsiteY2-6" fmla="*/ 0 h 747132"/>
+                <a:gd name="connsiteX3-7" fmla="*/ 5556095 w 5742878"/>
+                <a:gd name="connsiteY3-8" fmla="*/ 747132 h 747132"/>
+                <a:gd name="connsiteX4-9" fmla="*/ 0 w 5742878"/>
+                <a:gd name="connsiteY4-10" fmla="*/ 747132 h 747132"/>
+                <a:gd name="connsiteX0-11" fmla="*/ 14213 w 5757091"/>
+                <a:gd name="connsiteY0-12" fmla="*/ 747132 h 747132"/>
+                <a:gd name="connsiteX1-13" fmla="*/ 273 w 5757091"/>
+                <a:gd name="connsiteY1-14" fmla="*/ 33454 h 747132"/>
+                <a:gd name="connsiteX2-15" fmla="*/ 5757091 w 5757091"/>
+                <a:gd name="connsiteY2-16" fmla="*/ 0 h 747132"/>
+                <a:gd name="connsiteX3-17" fmla="*/ 5570308 w 5757091"/>
+                <a:gd name="connsiteY3-18" fmla="*/ 747132 h 747132"/>
+                <a:gd name="connsiteX4-19" fmla="*/ 14213 w 5757091"/>
+                <a:gd name="connsiteY4-20" fmla="*/ 747132 h 747132"/>
+                <a:gd name="connsiteX0-21" fmla="*/ 3366 w 5746244"/>
+                <a:gd name="connsiteY0-22" fmla="*/ 747132 h 747132"/>
+                <a:gd name="connsiteX1-23" fmla="*/ 578 w 5746244"/>
+                <a:gd name="connsiteY1-24" fmla="*/ 1 h 747132"/>
+                <a:gd name="connsiteX2-25" fmla="*/ 5746244 w 5746244"/>
+                <a:gd name="connsiteY2-26" fmla="*/ 0 h 747132"/>
+                <a:gd name="connsiteX3-27" fmla="*/ 5559461 w 5746244"/>
+                <a:gd name="connsiteY3-28" fmla="*/ 747132 h 747132"/>
+                <a:gd name="connsiteX4-29" fmla="*/ 3366 w 5746244"/>
+                <a:gd name="connsiteY4-30" fmla="*/ 747132 h 747132"/>
+              </a:gdLst>
+              <a:ahLst/>
+              <a:cxnLst>
+                <a:cxn ang="0">
+                  <a:pos x="connsiteX0-1" y="connsiteY0-2"/>
+                </a:cxn>
+                <a:cxn ang="0">
+                  <a:pos x="connsiteX1-3" y="connsiteY1-4"/>
+                </a:cxn>
+                <a:cxn ang="0">
+                  <a:pos x="connsiteX2-5" y="connsiteY2-6"/>
+                </a:cxn>
+                <a:cxn ang="0">
+                  <a:pos x="connsiteX3-7" y="connsiteY3-8"/>
+                </a:cxn>
+                <a:cxn ang="0">
+                  <a:pos x="connsiteX4-9" y="connsiteY4-10"/>
+                </a:cxn>
+              </a:cxnLst>
+              <a:rect l="l" t="t" r="r" b="b"/>
+              <a:pathLst>
+                <a:path w="5746244" h="747132">
+                  <a:moveTo>
+                    <a:pt x="3366" y="747132"/>
+                  </a:moveTo>
+                  <a:cubicBezTo>
+                    <a:pt x="6154" y="498088"/>
+                    <a:pt x="-2210" y="249045"/>
+                    <a:pt x="578" y="1"/>
+                  </a:cubicBezTo>
+                  <a:lnTo>
+                    <a:pt x="5746244" y="0"/>
+                  </a:lnTo>
+                  <a:lnTo>
+                    <a:pt x="5559461" y="747132"/>
+                  </a:lnTo>
+                  <a:lnTo>
+                    <a:pt x="3366" y="747132"/>
+                  </a:lnTo>
+                  <a:close/>
+                </a:path>
+              </a:pathLst>
+            </a:custGeom>
+            <a:solidFill>
+              <a:srgbClr val="9D9AAB">
+                <a:alpha val="64000"/>
+              </a:srgbClr>
+            </a:solidFill>
+            <a:ln>
+              <a:noFill/>
+            </a:ln>
+          </p:spPr>
+          <p:style>
+            <a:lnRef idx="2">
+              <a:schemeClr val="accent1">
+                <a:shade val="50000"/>
+              </a:schemeClr>
+            </a:lnRef>
+            <a:fillRef idx="1">
+              <a:schemeClr val="accent1"/>
+            </a:fillRef>
+            <a:effectRef idx="0">
+              <a:schemeClr val="accent1"/>
+            </a:effectRef>
+            <a:fontRef idx="minor">
+              <a:schemeClr val="lt1"/>
+            </a:fontRef>
+          </p:style>
+          <p:txBody>
+            <a:bodyPr rtlCol="0" anchor="ctr"/>
+            <a:lstStyle/>
+            <a:p>
+              <a:pPr algn="ctr"/>
+              <a:endParaRPr lang="zh-CN" altLang="en-US">
+                <a:cs typeface="+mn-ea"/>
+                <a:sym typeface="+mn-lt"/>
+              </a:endParaRPr>
+            </a:p>
+          </p:txBody>
+        </p:sp>
+        <p:grpSp>
+          <p:nvGrpSpPr>
+            <p:cNvPr id="5" name="组合 4"/>
+            <p:cNvGrpSpPr/>
+            <p:nvPr/>
+          </p:nvGrpSpPr>
+          <p:grpSpPr>
+            <a:xfrm>
+              <a:off x="223081" y="92220"/>
+              <a:ext cx="2284427" cy="598135"/>
+              <a:chOff x="234232" y="124119"/>
+              <a:chExt cx="2284427" cy="598135"/>
+            </a:xfrm>
+          </p:grpSpPr>
+          <p:sp>
+            <p:nvSpPr>
+              <p:cNvPr id="9" name="文本框 8"/>
+              <p:cNvSpPr txBox="1"/>
+              <p:nvPr/>
+            </p:nvSpPr>
+            <p:spPr>
+              <a:xfrm>
+                <a:off x="234232" y="124119"/>
+                <a:ext cx="2284427" cy="460375"/>
+              </a:xfrm>
+              <a:prstGeom prst="rect">
+                <a:avLst/>
+              </a:prstGeom>
+              <a:noFill/>
+            </p:spPr>
+            <p:txBody>
+              <a:bodyPr wrap="none" rtlCol="0">
+                <a:spAutoFit/>
+              </a:bodyPr>
+              <a:lstStyle/>
+              <a:p>
+                <a:pPr algn="l"/>
+                <a:r>
+                  <a:rPr lang="zh-CN" altLang="en-US" sz="2400" b="1" dirty="0">
+                    <a:solidFill>
+                      <a:schemeClr val="bg1"/>
+                    </a:solidFill>
+                    <a:cs typeface="+mn-ea"/>
+                    <a:sym typeface="+mn-lt"/>
+                  </a:rPr>
+                  <a:t>存在问题及解决措施</a:t>
+                </a:r>
+                <a:endParaRPr lang="zh-CN" altLang="en-US" sz="2400" b="1" dirty="0">
+                  <a:solidFill>
+                    <a:schemeClr val="bg1"/>
+                  </a:solidFill>
+                  <a:cs typeface="+mn-ea"/>
+                  <a:sym typeface="+mn-lt"/>
+                </a:endParaRPr>
+              </a:p>
+            </p:txBody>
+          </p:sp>
+          <p:sp>
+            <p:nvSpPr>
+              <p:cNvPr id="10" name="文本框 9"/>
+              <p:cNvSpPr txBox="1"/>
+              <p:nvPr/>
+            </p:nvSpPr>
+            <p:spPr>
+              <a:xfrm>
+                <a:off x="234232" y="461665"/>
+                <a:ext cx="1632585" cy="260589"/>
+              </a:xfrm>
+              <a:prstGeom prst="rect">
+                <a:avLst/>
+              </a:prstGeom>
+              <a:noFill/>
+            </p:spPr>
+            <p:txBody>
+              <a:bodyPr wrap="none" rtlCol="0">
+                <a:spAutoFit/>
+              </a:bodyPr>
+              <a:lstStyle/>
+              <a:p>
+                <a:pPr algn="l"/>
+                <a:r>
+                  <a:rPr lang="en-US" altLang="zh-CN" sz="1100" dirty="0">
+                    <a:solidFill>
+                      <a:schemeClr val="bg1"/>
+                    </a:solidFill>
+                    <a:cs typeface="+mn-ea"/>
+                    <a:sym typeface="+mn-lt"/>
+                  </a:rPr>
+                  <a:t>Problems and solutions</a:t>
+                </a:r>
+                <a:endParaRPr lang="en-US" altLang="zh-CN" sz="1100" dirty="0">
+                  <a:solidFill>
+                    <a:schemeClr val="bg1"/>
+                  </a:solidFill>
+                  <a:cs typeface="+mn-ea"/>
+                  <a:sym typeface="+mn-lt"/>
+                </a:endParaRPr>
+              </a:p>
+            </p:txBody>
+          </p:sp>
+        </p:grpSp>
+      </p:grpSp>
+      <p:pic>
+        <p:nvPicPr>
+          <p:cNvPr id="12" name="图片 11"/>
+          <p:cNvPicPr>
+            <a:picLocks noChangeAspect="1"/>
+          </p:cNvPicPr>
+          <p:nvPr/>
+        </p:nvPicPr>
+        <p:blipFill rotWithShape="1">
+          <a:blip r:embed="rId1" cstate="print">
+            <a:extLst>
+              <a:ext uri="{28A0092B-C50C-407E-A947-70E740481C1C}">
+                <a14:useLocalDpi xmlns:a14="http://schemas.microsoft.com/office/drawing/2010/main" val="0"/>
+              </a:ext>
+            </a:extLst>
+          </a:blip>
+          <a:srcRect b="8692"/>
+          <a:stretch>
+            <a:fillRect/>
+          </a:stretch>
+        </p:blipFill>
+        <p:spPr>
+          <a:xfrm>
+            <a:off x="2103120" y="1047115"/>
+            <a:ext cx="1404620" cy="1107440"/>
+          </a:xfrm>
+          <a:prstGeom prst="rect">
+            <a:avLst/>
+          </a:prstGeom>
+        </p:spPr>
+      </p:pic>
+      <p:pic>
+        <p:nvPicPr>
+          <p:cNvPr id="14" name="图片 13"/>
+          <p:cNvPicPr>
+            <a:picLocks noChangeAspect="1"/>
+          </p:cNvPicPr>
+          <p:nvPr/>
+        </p:nvPicPr>
+        <p:blipFill rotWithShape="1">
+          <a:blip r:embed="rId2" cstate="print">
+            <a:extLst>
+              <a:ext uri="{28A0092B-C50C-407E-A947-70E740481C1C}">
+                <a14:useLocalDpi xmlns:a14="http://schemas.microsoft.com/office/drawing/2010/main" val="0"/>
+              </a:ext>
+            </a:extLst>
+          </a:blip>
+          <a:srcRect t="31197" b="29310"/>
+          <a:stretch>
+            <a:fillRect/>
+          </a:stretch>
+        </p:blipFill>
+        <p:spPr>
+          <a:xfrm>
+            <a:off x="2103120" y="3646170"/>
+            <a:ext cx="1404620" cy="1098550"/>
+          </a:xfrm>
+          <a:prstGeom prst="rect">
+            <a:avLst/>
+          </a:prstGeom>
+        </p:spPr>
+      </p:pic>
+      <p:pic>
+        <p:nvPicPr>
+          <p:cNvPr id="16" name="图片 15"/>
+          <p:cNvPicPr>
+            <a:picLocks noChangeAspect="1"/>
+          </p:cNvPicPr>
+          <p:nvPr/>
+        </p:nvPicPr>
+        <p:blipFill rotWithShape="1">
+          <a:blip r:embed="rId3" cstate="print">
+            <a:extLst>
+              <a:ext uri="{28A0092B-C50C-407E-A947-70E740481C1C}">
+                <a14:useLocalDpi xmlns:a14="http://schemas.microsoft.com/office/drawing/2010/main" val="0"/>
+              </a:ext>
+            </a:extLst>
+          </a:blip>
+          <a:srcRect t="35935" b="35451"/>
+          <a:stretch>
+            <a:fillRect/>
+          </a:stretch>
+        </p:blipFill>
+        <p:spPr>
+          <a:xfrm>
+            <a:off x="2103120" y="2351405"/>
+            <a:ext cx="1404620" cy="1097915"/>
+          </a:xfrm>
+          <a:prstGeom prst="rect">
+            <a:avLst/>
+          </a:prstGeom>
+        </p:spPr>
+      </p:pic>
+      <p:sp>
+        <p:nvSpPr>
+          <p:cNvPr id="15" name="文本框 14"/>
+          <p:cNvSpPr txBox="1"/>
+          <p:nvPr/>
+        </p:nvSpPr>
+        <p:spPr>
+          <a:xfrm>
+            <a:off x="3836035" y="1047115"/>
+            <a:ext cx="3597910" cy="1108075"/>
+          </a:xfrm>
+          <a:prstGeom prst="rect">
+            <a:avLst/>
+          </a:prstGeom>
+          <a:noFill/>
+        </p:spPr>
+        <p:txBody>
+          <a:bodyPr wrap="square">
+            <a:noAutofit/>
+          </a:bodyPr>
+          <a:lstStyle/>
+          <a:p>
+            <a:pPr algn="l"/>
+            <a:r>
+              <a:rPr lang="en-US" altLang="zh-CN" sz="1200" dirty="0">
+                <a:solidFill>
+                  <a:schemeClr val="bg2">
+                    <a:lumMod val="50000"/>
+                  </a:schemeClr>
+                </a:solidFill>
+                <a:cs typeface="+mn-ea"/>
+                <a:sym typeface="+mn-lt"/>
+              </a:rPr>
+              <a:t>       </a:t>
+            </a:r>
+            <a:r>
+              <a:rPr lang="zh-CN" altLang="en-US" sz="1200" dirty="0">
+                <a:solidFill>
+                  <a:schemeClr val="bg2">
+                    <a:lumMod val="50000"/>
+                  </a:schemeClr>
+                </a:solidFill>
+                <a:cs typeface="+mn-ea"/>
+                <a:sym typeface="+mn-lt"/>
+              </a:rPr>
+              <a:t>登陆注册模块今后还会有更多新的功能集成其中，比如，验证码验证功能、记住密码功能、登录注册数据格式规范功能等，待系统主体框架全部完成后，将对这些功能做进一步优化和完善。</a:t>
+            </a:r>
+            <a:endParaRPr lang="zh-CN" altLang="en-US" sz="1200" dirty="0">
+              <a:solidFill>
+                <a:schemeClr val="bg2">
+                  <a:lumMod val="50000"/>
+                </a:schemeClr>
+              </a:solidFill>
+              <a:cs typeface="+mn-ea"/>
+              <a:sym typeface="+mn-lt"/>
+            </a:endParaRPr>
+          </a:p>
+          <a:p>
+            <a:endParaRPr lang="zh-CN" altLang="en-US" sz="1200" dirty="0">
+              <a:solidFill>
+                <a:schemeClr val="bg2">
+                  <a:lumMod val="50000"/>
+                </a:schemeClr>
+              </a:solidFill>
+              <a:cs typeface="+mn-ea"/>
+              <a:sym typeface="+mn-lt"/>
+            </a:endParaRPr>
+          </a:p>
+          <a:p>
+            <a:endParaRPr lang="zh-CN" altLang="en-US" sz="1200" dirty="0">
+              <a:solidFill>
+                <a:schemeClr val="bg2">
+                  <a:lumMod val="50000"/>
+                </a:schemeClr>
+              </a:solidFill>
+              <a:cs typeface="+mn-ea"/>
+              <a:sym typeface="+mn-lt"/>
+            </a:endParaRPr>
+          </a:p>
+        </p:txBody>
+      </p:sp>
+      <p:sp>
+        <p:nvSpPr>
+          <p:cNvPr id="17" name="文本框 16"/>
+          <p:cNvSpPr txBox="1"/>
+          <p:nvPr/>
+        </p:nvSpPr>
+        <p:spPr>
+          <a:xfrm>
+            <a:off x="3836035" y="2351405"/>
+            <a:ext cx="3597910" cy="1101090"/>
+          </a:xfrm>
+          <a:prstGeom prst="rect">
+            <a:avLst/>
+          </a:prstGeom>
+          <a:noFill/>
+        </p:spPr>
+        <p:txBody>
+          <a:bodyPr wrap="square">
+            <a:noAutofit/>
+          </a:bodyPr>
+          <a:lstStyle/>
+          <a:p>
+            <a:r>
+              <a:rPr lang="en-US" altLang="zh-CN" sz="1200" dirty="0">
+                <a:solidFill>
+                  <a:schemeClr val="bg2">
+                    <a:lumMod val="50000"/>
+                  </a:schemeClr>
+                </a:solidFill>
+                <a:cs typeface="+mn-ea"/>
+                <a:sym typeface="+mn-lt"/>
+              </a:rPr>
+              <a:t>        </a:t>
+            </a:r>
+            <a:r>
+              <a:rPr lang="zh-CN" altLang="en-US" sz="1200" dirty="0">
+                <a:solidFill>
+                  <a:schemeClr val="bg2">
+                    <a:lumMod val="50000"/>
+                  </a:schemeClr>
+                </a:solidFill>
+                <a:cs typeface="+mn-ea"/>
+                <a:sym typeface="+mn-lt"/>
+              </a:rPr>
+              <a:t>主界面模块待完善功能有：在线订餐模块、订单管理模块和用户信息模块，待系统主体框架全部完成后，将对这些功能做进一步优化和完善。</a:t>
+            </a:r>
+            <a:endParaRPr lang="zh-CN" altLang="en-US" sz="1200" dirty="0">
+              <a:solidFill>
+                <a:schemeClr val="bg2">
+                  <a:lumMod val="50000"/>
+                </a:schemeClr>
+              </a:solidFill>
+              <a:cs typeface="+mn-ea"/>
+              <a:sym typeface="+mn-lt"/>
+            </a:endParaRPr>
+          </a:p>
+          <a:p>
+            <a:endParaRPr lang="zh-CN" altLang="en-US" sz="1200" dirty="0">
+              <a:solidFill>
+                <a:schemeClr val="bg2">
+                  <a:lumMod val="50000"/>
+                </a:schemeClr>
+              </a:solidFill>
+              <a:cs typeface="+mn-ea"/>
+              <a:sym typeface="+mn-lt"/>
+            </a:endParaRPr>
+          </a:p>
+          <a:p>
+            <a:endParaRPr lang="zh-CN" altLang="en-US" sz="1200" dirty="0">
+              <a:solidFill>
+                <a:schemeClr val="bg2">
+                  <a:lumMod val="50000"/>
+                </a:schemeClr>
+              </a:solidFill>
+              <a:cs typeface="+mn-ea"/>
+              <a:sym typeface="+mn-lt"/>
+            </a:endParaRPr>
+          </a:p>
+        </p:txBody>
+      </p:sp>
+      <p:sp>
+        <p:nvSpPr>
+          <p:cNvPr id="18" name="文本框 17"/>
+          <p:cNvSpPr txBox="1"/>
+          <p:nvPr/>
+        </p:nvSpPr>
+        <p:spPr>
+          <a:xfrm>
+            <a:off x="3836035" y="3648710"/>
+            <a:ext cx="3431540" cy="1101090"/>
+          </a:xfrm>
+          <a:prstGeom prst="rect">
+            <a:avLst/>
+          </a:prstGeom>
+          <a:noFill/>
+        </p:spPr>
+        <p:txBody>
+          <a:bodyPr wrap="square">
+            <a:noAutofit/>
+          </a:bodyPr>
+          <a:lstStyle/>
+          <a:p>
+            <a:r>
+              <a:rPr lang="en-US" altLang="zh-CN" sz="1200" dirty="0">
+                <a:solidFill>
+                  <a:schemeClr val="bg2">
+                    <a:lumMod val="50000"/>
+                  </a:schemeClr>
+                </a:solidFill>
+                <a:cs typeface="+mn-ea"/>
+                <a:sym typeface="+mn-lt"/>
+              </a:rPr>
+              <a:t>       </a:t>
+            </a:r>
+            <a:r>
+              <a:rPr lang="zh-CN" altLang="en-US" sz="1200" dirty="0">
+                <a:solidFill>
+                  <a:schemeClr val="bg2">
+                    <a:lumMod val="50000"/>
+                  </a:schemeClr>
+                </a:solidFill>
+                <a:cs typeface="+mn-ea"/>
+                <a:sym typeface="+mn-lt"/>
+              </a:rPr>
+              <a:t>系统轮播图功能可能会添加文本信息窗口界面供管理员添加系统文字公告使用，该轮播图当前实现了单一封装功能的开发，后续还需将功能嵌入系统主界面中，待进一步完善系统时实现该功能。</a:t>
+            </a:r>
+            <a:endParaRPr lang="zh-CN" altLang="en-US" sz="1200" dirty="0">
+              <a:solidFill>
+                <a:schemeClr val="bg2">
+                  <a:lumMod val="50000"/>
+                </a:schemeClr>
+              </a:solidFill>
+              <a:cs typeface="+mn-ea"/>
+              <a:sym typeface="+mn-lt"/>
+            </a:endParaRPr>
+          </a:p>
+          <a:p>
+            <a:endParaRPr lang="zh-CN" altLang="en-US" sz="1200" dirty="0">
+              <a:solidFill>
+                <a:schemeClr val="bg2">
+                  <a:lumMod val="50000"/>
+                </a:schemeClr>
+              </a:solidFill>
+              <a:cs typeface="+mn-ea"/>
+              <a:sym typeface="+mn-lt"/>
+            </a:endParaRPr>
+          </a:p>
+          <a:p>
+            <a:endParaRPr lang="zh-CN" altLang="en-US" sz="1200" dirty="0">
+              <a:solidFill>
+                <a:schemeClr val="bg2">
+                  <a:lumMod val="50000"/>
+                </a:schemeClr>
+              </a:solidFill>
+              <a:cs typeface="+mn-ea"/>
+              <a:sym typeface="+mn-lt"/>
+            </a:endParaRPr>
+          </a:p>
+        </p:txBody>
+      </p:sp>
+      <p:sp>
+        <p:nvSpPr>
+          <p:cNvPr id="28" name="任意多边形: 形状 27"/>
+          <p:cNvSpPr/>
+          <p:nvPr/>
+        </p:nvSpPr>
+        <p:spPr>
+          <a:xfrm>
+            <a:off x="8074063" y="2154798"/>
+            <a:ext cx="4125657" cy="2548403"/>
+          </a:xfrm>
+          <a:custGeom>
+            <a:avLst/>
+            <a:gdLst>
+              <a:gd name="connsiteX0" fmla="*/ 1044223 w 3381024"/>
+              <a:gd name="connsiteY0" fmla="*/ 0 h 2088446"/>
+              <a:gd name="connsiteX1" fmla="*/ 1044243 w 3381024"/>
+              <a:gd name="connsiteY1" fmla="*/ 1 h 2088446"/>
+              <a:gd name="connsiteX2" fmla="*/ 3381024 w 3381024"/>
+              <a:gd name="connsiteY2" fmla="*/ 1 h 2088446"/>
+              <a:gd name="connsiteX3" fmla="*/ 3381024 w 3381024"/>
+              <a:gd name="connsiteY3" fmla="*/ 2088446 h 2088446"/>
+              <a:gd name="connsiteX4" fmla="*/ 1044223 w 3381024"/>
+              <a:gd name="connsiteY4" fmla="*/ 2088446 h 2088446"/>
+              <a:gd name="connsiteX5" fmla="*/ 0 w 3381024"/>
+              <a:gd name="connsiteY5" fmla="*/ 1044223 h 2088446"/>
+              <a:gd name="connsiteX6" fmla="*/ 1044223 w 3381024"/>
+              <a:gd name="connsiteY6" fmla="*/ 0 h 2088446"/>
+            </a:gdLst>
+            <a:ahLst/>
+            <a:cxnLst>
+              <a:cxn ang="0">
+                <a:pos x="connsiteX0" y="connsiteY0"/>
+              </a:cxn>
+              <a:cxn ang="0">
+                <a:pos x="connsiteX1" y="connsiteY1"/>
+              </a:cxn>
+              <a:cxn ang="0">
+                <a:pos x="connsiteX2" y="connsiteY2"/>
+              </a:cxn>
+              <a:cxn ang="0">
+                <a:pos x="connsiteX3" y="connsiteY3"/>
+              </a:cxn>
+              <a:cxn ang="0">
+                <a:pos x="connsiteX4" y="connsiteY4"/>
+              </a:cxn>
+              <a:cxn ang="0">
+                <a:pos x="connsiteX5" y="connsiteY5"/>
+              </a:cxn>
+              <a:cxn ang="0">
+                <a:pos x="connsiteX6" y="connsiteY6"/>
+              </a:cxn>
+            </a:cxnLst>
+            <a:rect l="l" t="t" r="r" b="b"/>
+            <a:pathLst>
+              <a:path w="3381024" h="2088446">
+                <a:moveTo>
+                  <a:pt x="1044223" y="0"/>
+                </a:moveTo>
+                <a:lnTo>
+                  <a:pt x="1044243" y="1"/>
+                </a:lnTo>
+                <a:lnTo>
+                  <a:pt x="3381024" y="1"/>
+                </a:lnTo>
+                <a:lnTo>
+                  <a:pt x="3381024" y="2088446"/>
+                </a:lnTo>
+                <a:lnTo>
+                  <a:pt x="1044223" y="2088446"/>
+                </a:lnTo>
+                <a:cubicBezTo>
+                  <a:pt x="467515" y="2088446"/>
+                  <a:pt x="0" y="1620931"/>
+                  <a:pt x="0" y="1044223"/>
+                </a:cubicBezTo>
+                <a:cubicBezTo>
+                  <a:pt x="0" y="467515"/>
+                  <a:pt x="467515" y="0"/>
+                  <a:pt x="1044223" y="0"/>
+                </a:cubicBezTo>
+                <a:close/>
+              </a:path>
+            </a:pathLst>
+          </a:custGeom>
+          <a:blipFill dpi="0" rotWithShape="1">
+            <a:blip r:embed="rId4"/>
+            <a:srcRect/>
+            <a:tile tx="0" ty="0" sx="100000" sy="100000" flip="none" algn="tl"/>
+          </a:blipFill>
+          <a:ln w="25400">
+            <a:solidFill>
+              <a:srgbClr val="9D9AAB"/>
+            </a:solidFill>
+          </a:ln>
+        </p:spPr>
+        <p:style>
+          <a:lnRef idx="2">
+            <a:schemeClr val="accent1">
+              <a:shade val="50000"/>
+            </a:schemeClr>
+          </a:lnRef>
+          <a:fillRef idx="1">
+            <a:schemeClr val="accent1"/>
+          </a:fillRef>
+          <a:effectRef idx="0">
+            <a:schemeClr val="accent1"/>
+          </a:effectRef>
+          <a:fontRef idx="minor">
+            <a:schemeClr val="lt1"/>
+          </a:fontRef>
+        </p:style>
+        <p:txBody>
+          <a:bodyPr wrap="square" rtlCol="0" anchor="ctr">
+            <a:noAutofit/>
+          </a:bodyPr>
+          <a:p>
+            <a:pPr algn="ctr"/>
+            <a:endParaRPr lang="zh-CN" altLang="en-US">
+              <a:cs typeface="+mn-ea"/>
+              <a:sym typeface="+mn-lt"/>
+            </a:endParaRPr>
+          </a:p>
+        </p:txBody>
+      </p:sp>
+      <p:pic>
+        <p:nvPicPr>
+          <p:cNvPr id="13" name="图片 12" descr="下载"/>
+          <p:cNvPicPr>
+            <a:picLocks noChangeAspect="1"/>
+          </p:cNvPicPr>
+          <p:nvPr/>
+        </p:nvPicPr>
+        <p:blipFill>
+          <a:blip r:embed="rId5"/>
+          <a:stretch>
+            <a:fillRect/>
+          </a:stretch>
+        </p:blipFill>
+        <p:spPr>
+          <a:xfrm>
+            <a:off x="2103120" y="5056505"/>
+            <a:ext cx="1404620" cy="1316990"/>
+          </a:xfrm>
+          <a:prstGeom prst="rect">
+            <a:avLst/>
+          </a:prstGeom>
+        </p:spPr>
+      </p:pic>
+      <p:sp>
+        <p:nvSpPr>
+          <p:cNvPr id="19" name="文本框 18"/>
+          <p:cNvSpPr txBox="1"/>
+          <p:nvPr/>
+        </p:nvSpPr>
+        <p:spPr>
+          <a:xfrm>
+            <a:off x="3836035" y="5056505"/>
+            <a:ext cx="3431540" cy="1101090"/>
+          </a:xfrm>
+          <a:prstGeom prst="rect">
+            <a:avLst/>
+          </a:prstGeom>
+          <a:noFill/>
+        </p:spPr>
+        <p:txBody>
+          <a:bodyPr wrap="square">
+            <a:noAutofit/>
+          </a:bodyPr>
+          <a:p>
+            <a:r>
+              <a:rPr lang="en-US" altLang="zh-CN" sz="1200" dirty="0">
+                <a:solidFill>
+                  <a:schemeClr val="bg2">
+                    <a:lumMod val="50000"/>
+                  </a:schemeClr>
+                </a:solidFill>
+                <a:cs typeface="+mn-ea"/>
+                <a:sym typeface="+mn-lt"/>
+              </a:rPr>
+              <a:t>       </a:t>
+            </a:r>
+            <a:r>
+              <a:rPr lang="zh-CN" altLang="en-US" sz="1200" dirty="0">
+                <a:solidFill>
+                  <a:schemeClr val="bg2">
+                    <a:lumMod val="50000"/>
+                  </a:schemeClr>
+                </a:solidFill>
+                <a:cs typeface="+mn-ea"/>
+                <a:sym typeface="+mn-lt"/>
+              </a:rPr>
+              <a:t>管理员界面模块已有功能过于单一，功能进一步完善需要在后续研发中完成订餐模块、订单模块和用户信息模块后，再对管理界面模块进行进一步对应的扩展。</a:t>
+            </a:r>
+            <a:endParaRPr lang="zh-CN" altLang="en-US" sz="1200" dirty="0">
+              <a:solidFill>
+                <a:schemeClr val="bg2">
+                  <a:lumMod val="50000"/>
+                </a:schemeClr>
+              </a:solidFill>
+              <a:cs typeface="+mn-ea"/>
+              <a:sym typeface="+mn-lt"/>
+            </a:endParaRPr>
+          </a:p>
+          <a:p>
+            <a:endParaRPr lang="zh-CN" altLang="en-US" sz="1200" dirty="0">
+              <a:solidFill>
+                <a:schemeClr val="bg2">
+                  <a:lumMod val="50000"/>
+                </a:schemeClr>
+              </a:solidFill>
+              <a:cs typeface="+mn-ea"/>
+              <a:sym typeface="+mn-lt"/>
+            </a:endParaRPr>
+          </a:p>
+          <a:p>
+            <a:endParaRPr lang="zh-CN" altLang="en-US" sz="1200" dirty="0">
+              <a:solidFill>
+                <a:schemeClr val="bg2">
+                  <a:lumMod val="50000"/>
+                </a:schemeClr>
+              </a:solidFill>
+              <a:cs typeface="+mn-ea"/>
+              <a:sym typeface="+mn-lt"/>
+            </a:endParaRPr>
+          </a:p>
+        </p:txBody>
+      </p:sp>
+    </p:spTree>
+  </p:cSld>
+  <p:clrMapOvr>
+    <a:masterClrMapping/>
+  </p:clrMapOvr>
+</p:sld>
+</file>
+
+<file path=ppt/slides/slide13.xml><?xml version="1.0" encoding="utf-8"?>
+<p:sld xmlns:a="http://schemas.openxmlformats.org/drawingml/2006/main" xmlns:r="http://schemas.openxmlformats.org/officeDocument/2006/relationships" xmlns:p="http://schemas.openxmlformats.org/presentationml/2006/main">
+  <p:cSld>
+    <p:spTree>
+      <p:nvGrpSpPr>
+        <p:cNvPr id="1" name=""/>
+        <p:cNvGrpSpPr/>
+        <p:nvPr/>
+      </p:nvGrpSpPr>
+      <p:grpSpPr>
+        <a:xfrm>
+          <a:off x="0" y="0"/>
+          <a:ext cx="0" cy="0"/>
+          <a:chOff x="0" y="0"/>
+          <a:chExt cx="0" cy="0"/>
+        </a:xfrm>
+      </p:grpSpPr>
+      <p:grpSp>
+        <p:nvGrpSpPr>
+          <p:cNvPr id="2" name="组合 1"/>
+          <p:cNvGrpSpPr/>
+          <p:nvPr/>
+        </p:nvGrpSpPr>
+        <p:grpSpPr>
+          <a:xfrm>
+            <a:off x="-374944" y="-1748697"/>
+            <a:ext cx="2500783" cy="4318114"/>
+            <a:chOff x="-374944" y="-1748697"/>
+            <a:chExt cx="2500783" cy="4318114"/>
+          </a:xfrm>
+        </p:grpSpPr>
+        <p:sp>
+          <p:nvSpPr>
+            <p:cNvPr id="3" name="矩形: 圆角 2"/>
+            <p:cNvSpPr/>
+            <p:nvPr/>
+          </p:nvSpPr>
+          <p:spPr>
+            <a:xfrm rot="19056966">
+              <a:off x="-374944" y="-1649268"/>
+              <a:ext cx="207479" cy="2824914"/>
+            </a:xfrm>
+            <a:prstGeom prst="roundRect">
+              <a:avLst/>
+            </a:prstGeom>
+            <a:solidFill>
+              <a:srgbClr val="D7CFCD"/>
+            </a:solidFill>
+            <a:ln>
+              <a:noFill/>
+            </a:ln>
+          </p:spPr>
+          <p:style>
+            <a:lnRef idx="2">
+              <a:schemeClr val="accent1">
+                <a:shade val="50000"/>
+              </a:schemeClr>
+            </a:lnRef>
+            <a:fillRef idx="1">
+              <a:schemeClr val="accent1"/>
+            </a:fillRef>
+            <a:effectRef idx="0">
+              <a:schemeClr val="accent1"/>
+            </a:effectRef>
+            <a:fontRef idx="minor">
+              <a:schemeClr val="lt1"/>
+            </a:fontRef>
+          </p:style>
+          <p:txBody>
+            <a:bodyPr rtlCol="0" anchor="ctr"/>
+            <a:lstStyle/>
+            <a:p>
+              <a:pPr algn="ctr"/>
+              <a:endParaRPr lang="zh-CN" altLang="en-US">
+                <a:cs typeface="+mn-ea"/>
+                <a:sym typeface="+mn-lt"/>
+              </a:endParaRPr>
+            </a:p>
+          </p:txBody>
+        </p:sp>
+        <p:sp>
+          <p:nvSpPr>
+            <p:cNvPr id="4" name="矩形: 圆角 3"/>
+            <p:cNvSpPr/>
+            <p:nvPr/>
+          </p:nvSpPr>
+          <p:spPr>
+            <a:xfrm rot="19056966">
+              <a:off x="445790" y="-72399"/>
+              <a:ext cx="194031" cy="2641816"/>
+            </a:xfrm>
+            <a:prstGeom prst="roundRect">
+              <a:avLst/>
+            </a:prstGeom>
+            <a:solidFill>
+              <a:srgbClr val="D7CFCD"/>
+            </a:solidFill>
+            <a:ln>
+              <a:noFill/>
+            </a:ln>
+          </p:spPr>
+          <p:style>
+            <a:lnRef idx="2">
+              <a:schemeClr val="accent1">
+                <a:shade val="50000"/>
+              </a:schemeClr>
+            </a:lnRef>
+            <a:fillRef idx="1">
+              <a:schemeClr val="accent1"/>
+            </a:fillRef>
+            <a:effectRef idx="0">
+              <a:schemeClr val="accent1"/>
+            </a:effectRef>
+            <a:fontRef idx="minor">
+              <a:schemeClr val="lt1"/>
+            </a:fontRef>
+          </p:style>
+          <p:txBody>
+            <a:bodyPr rtlCol="0" anchor="ctr"/>
+            <a:lstStyle/>
+            <a:p>
+              <a:pPr algn="ctr"/>
+              <a:endParaRPr lang="zh-CN" altLang="en-US">
+                <a:cs typeface="+mn-ea"/>
+                <a:sym typeface="+mn-lt"/>
+              </a:endParaRPr>
+            </a:p>
+          </p:txBody>
+        </p:sp>
+        <p:sp>
+          <p:nvSpPr>
+            <p:cNvPr id="5" name="矩形: 圆角 4"/>
+            <p:cNvSpPr/>
+            <p:nvPr/>
+          </p:nvSpPr>
+          <p:spPr>
+            <a:xfrm rot="19056966">
+              <a:off x="573338" y="-1080956"/>
+              <a:ext cx="194031" cy="2641816"/>
+            </a:xfrm>
+            <a:prstGeom prst="roundRect">
+              <a:avLst/>
+            </a:prstGeom>
+            <a:solidFill>
+              <a:srgbClr val="D7CFCD"/>
+            </a:solidFill>
+            <a:ln>
+              <a:noFill/>
+            </a:ln>
+          </p:spPr>
+          <p:style>
+            <a:lnRef idx="2">
+              <a:schemeClr val="accent1">
+                <a:shade val="50000"/>
+              </a:schemeClr>
+            </a:lnRef>
+            <a:fillRef idx="1">
+              <a:schemeClr val="accent1"/>
+            </a:fillRef>
+            <a:effectRef idx="0">
+              <a:schemeClr val="accent1"/>
+            </a:effectRef>
+            <a:fontRef idx="minor">
+              <a:schemeClr val="lt1"/>
+            </a:fontRef>
+          </p:style>
+          <p:txBody>
+            <a:bodyPr rtlCol="0" anchor="ctr"/>
+            <a:lstStyle/>
+            <a:p>
+              <a:pPr algn="ctr"/>
+              <a:endParaRPr lang="zh-CN" altLang="en-US">
+                <a:cs typeface="+mn-ea"/>
+                <a:sym typeface="+mn-lt"/>
+              </a:endParaRPr>
+            </a:p>
+          </p:txBody>
+        </p:sp>
+        <p:sp>
+          <p:nvSpPr>
+            <p:cNvPr id="6" name="矩形: 圆角 5"/>
+            <p:cNvSpPr/>
+            <p:nvPr/>
+          </p:nvSpPr>
+          <p:spPr>
+            <a:xfrm rot="19056966">
+              <a:off x="1188799" y="-960879"/>
+              <a:ext cx="194031" cy="2641816"/>
+            </a:xfrm>
+            <a:prstGeom prst="roundRect">
+              <a:avLst/>
+            </a:prstGeom>
+            <a:solidFill>
+              <a:srgbClr val="D7CFCD"/>
+            </a:solidFill>
+            <a:ln>
+              <a:noFill/>
+            </a:ln>
+          </p:spPr>
+          <p:style>
+            <a:lnRef idx="2">
+              <a:schemeClr val="accent1">
+                <a:shade val="50000"/>
+              </a:schemeClr>
+            </a:lnRef>
+            <a:fillRef idx="1">
+              <a:schemeClr val="accent1"/>
+            </a:fillRef>
+            <a:effectRef idx="0">
+              <a:schemeClr val="accent1"/>
+            </a:effectRef>
+            <a:fontRef idx="minor">
+              <a:schemeClr val="lt1"/>
+            </a:fontRef>
+          </p:style>
+          <p:txBody>
+            <a:bodyPr rtlCol="0" anchor="ctr"/>
+            <a:lstStyle/>
+            <a:p>
+              <a:pPr algn="ctr"/>
+              <a:endParaRPr lang="zh-CN" altLang="en-US">
+                <a:cs typeface="+mn-ea"/>
+                <a:sym typeface="+mn-lt"/>
+              </a:endParaRPr>
+            </a:p>
+          </p:txBody>
+        </p:sp>
+        <p:sp>
+          <p:nvSpPr>
+            <p:cNvPr id="7" name="矩形: 圆角 6"/>
+            <p:cNvSpPr/>
+            <p:nvPr/>
+          </p:nvSpPr>
+          <p:spPr>
+            <a:xfrm rot="19056966">
+              <a:off x="1013473" y="-1748697"/>
+              <a:ext cx="194031" cy="2641816"/>
+            </a:xfrm>
+            <a:prstGeom prst="roundRect">
+              <a:avLst/>
+            </a:prstGeom>
+            <a:solidFill>
+              <a:srgbClr val="D7CFCD"/>
+            </a:solidFill>
+            <a:ln>
+              <a:noFill/>
+            </a:ln>
+          </p:spPr>
+          <p:style>
+            <a:lnRef idx="2">
+              <a:schemeClr val="accent1">
+                <a:shade val="50000"/>
+              </a:schemeClr>
+            </a:lnRef>
+            <a:fillRef idx="1">
+              <a:schemeClr val="accent1"/>
+            </a:fillRef>
+            <a:effectRef idx="0">
+              <a:schemeClr val="accent1"/>
+            </a:effectRef>
+            <a:fontRef idx="minor">
+              <a:schemeClr val="lt1"/>
+            </a:fontRef>
+          </p:style>
+          <p:txBody>
+            <a:bodyPr rtlCol="0" anchor="ctr"/>
+            <a:lstStyle/>
+            <a:p>
+              <a:pPr algn="ctr"/>
+              <a:endParaRPr lang="zh-CN" altLang="en-US">
+                <a:cs typeface="+mn-ea"/>
+                <a:sym typeface="+mn-lt"/>
+              </a:endParaRPr>
+            </a:p>
+          </p:txBody>
+        </p:sp>
+        <p:sp>
+          <p:nvSpPr>
+            <p:cNvPr id="8" name="矩形: 圆角 7"/>
+            <p:cNvSpPr/>
+            <p:nvPr/>
+          </p:nvSpPr>
+          <p:spPr>
+            <a:xfrm rot="19056966">
+              <a:off x="-313993" y="-279827"/>
+              <a:ext cx="194031" cy="2641816"/>
+            </a:xfrm>
+            <a:prstGeom prst="roundRect">
+              <a:avLst/>
+            </a:prstGeom>
+            <a:solidFill>
+              <a:srgbClr val="D7CFCD"/>
+            </a:solidFill>
+            <a:ln>
+              <a:noFill/>
+            </a:ln>
+          </p:spPr>
+          <p:style>
+            <a:lnRef idx="2">
+              <a:schemeClr val="accent1">
+                <a:shade val="50000"/>
+              </a:schemeClr>
+            </a:lnRef>
+            <a:fillRef idx="1">
+              <a:schemeClr val="accent1"/>
+            </a:fillRef>
+            <a:effectRef idx="0">
+              <a:schemeClr val="accent1"/>
+            </a:effectRef>
+            <a:fontRef idx="minor">
+              <a:schemeClr val="lt1"/>
+            </a:fontRef>
+          </p:style>
+          <p:txBody>
+            <a:bodyPr rtlCol="0" anchor="ctr"/>
+            <a:lstStyle/>
+            <a:p>
+              <a:pPr algn="ctr"/>
+              <a:endParaRPr lang="zh-CN" altLang="en-US">
+                <a:cs typeface="+mn-ea"/>
+                <a:sym typeface="+mn-lt"/>
+              </a:endParaRPr>
+            </a:p>
+          </p:txBody>
+        </p:sp>
+        <p:sp>
+          <p:nvSpPr>
+            <p:cNvPr id="9" name="矩形: 圆角 8"/>
+            <p:cNvSpPr/>
+            <p:nvPr/>
+          </p:nvSpPr>
+          <p:spPr>
+            <a:xfrm rot="19056966">
+              <a:off x="1931808" y="-1320908"/>
+              <a:ext cx="194031" cy="2641816"/>
+            </a:xfrm>
+            <a:prstGeom prst="roundRect">
+              <a:avLst/>
+            </a:prstGeom>
+            <a:solidFill>
+              <a:srgbClr val="D7CFCD"/>
+            </a:solidFill>
+            <a:ln>
+              <a:noFill/>
+            </a:ln>
+          </p:spPr>
+          <p:style>
+            <a:lnRef idx="2">
+              <a:schemeClr val="accent1">
+                <a:shade val="50000"/>
+              </a:schemeClr>
+            </a:lnRef>
+            <a:fillRef idx="1">
+              <a:schemeClr val="accent1"/>
+            </a:fillRef>
+            <a:effectRef idx="0">
+              <a:schemeClr val="accent1"/>
+            </a:effectRef>
+            <a:fontRef idx="minor">
+              <a:schemeClr val="lt1"/>
+            </a:fontRef>
+          </p:style>
+          <p:txBody>
+            <a:bodyPr rtlCol="0" anchor="ctr"/>
+            <a:lstStyle/>
+            <a:p>
+              <a:pPr algn="ctr"/>
+              <a:endParaRPr lang="zh-CN" altLang="en-US">
+                <a:cs typeface="+mn-ea"/>
+                <a:sym typeface="+mn-lt"/>
+              </a:endParaRPr>
+            </a:p>
+          </p:txBody>
+        </p:sp>
+      </p:grpSp>
+      <p:sp>
+        <p:nvSpPr>
+          <p:cNvPr id="10" name="矩形 9"/>
+          <p:cNvSpPr/>
+          <p:nvPr/>
+        </p:nvSpPr>
+        <p:spPr>
+          <a:xfrm>
+            <a:off x="8942496" y="0"/>
+            <a:ext cx="3252186" cy="6858000"/>
+          </a:xfrm>
+          <a:prstGeom prst="rect">
+            <a:avLst/>
+          </a:prstGeom>
+          <a:solidFill>
+            <a:srgbClr val="9D9AAB"/>
+          </a:solidFill>
+          <a:ln>
+            <a:noFill/>
+          </a:ln>
+        </p:spPr>
+        <p:style>
+          <a:lnRef idx="2">
+            <a:schemeClr val="accent1">
+              <a:shade val="50000"/>
+            </a:schemeClr>
+          </a:lnRef>
+          <a:fillRef idx="1">
+            <a:schemeClr val="accent1"/>
+          </a:fillRef>
+          <a:effectRef idx="0">
+            <a:schemeClr val="accent1"/>
+          </a:effectRef>
+          <a:fontRef idx="minor">
+            <a:schemeClr val="lt1"/>
+          </a:fontRef>
+        </p:style>
+        <p:txBody>
+          <a:bodyPr rtlCol="0" anchor="ctr"/>
+          <a:lstStyle/>
+          <a:p>
+            <a:pPr algn="ctr"/>
+            <a:endParaRPr lang="zh-CN" altLang="en-US">
+              <a:cs typeface="+mn-ea"/>
+              <a:sym typeface="+mn-lt"/>
+            </a:endParaRPr>
+          </a:p>
+        </p:txBody>
+      </p:sp>
+      <p:grpSp>
+        <p:nvGrpSpPr>
+          <p:cNvPr id="16" name="组合 15"/>
+          <p:cNvGrpSpPr/>
+          <p:nvPr/>
+        </p:nvGrpSpPr>
+        <p:grpSpPr>
+          <a:xfrm>
+            <a:off x="4449526" y="2198325"/>
+            <a:ext cx="1218383" cy="1038425"/>
+            <a:chOff x="4003103" y="1620496"/>
+            <a:chExt cx="1218383" cy="1038425"/>
+          </a:xfrm>
+        </p:grpSpPr>
+        <p:sp>
+          <p:nvSpPr>
+            <p:cNvPr id="11" name="文本框 10"/>
+            <p:cNvSpPr txBox="1"/>
+            <p:nvPr/>
+          </p:nvSpPr>
+          <p:spPr>
+            <a:xfrm>
+              <a:off x="4003103" y="1620496"/>
+              <a:ext cx="954107" cy="923330"/>
+            </a:xfrm>
+            <a:prstGeom prst="rect">
+              <a:avLst/>
+            </a:prstGeom>
+            <a:noFill/>
+          </p:spPr>
+          <p:txBody>
+            <a:bodyPr wrap="none" rtlCol="0">
+              <a:spAutoFit/>
+            </a:bodyPr>
+            <a:lstStyle/>
+            <a:p>
+              <a:r>
+                <a:rPr lang="en-US" altLang="zh-CN" sz="5400" b="1" dirty="0">
+                  <a:solidFill>
+                    <a:srgbClr val="948C89"/>
+                  </a:solidFill>
+                  <a:cs typeface="+mn-ea"/>
+                  <a:sym typeface="+mn-lt"/>
+                </a:rPr>
+                <a:t>03</a:t>
+              </a:r>
+              <a:endParaRPr lang="zh-CN" altLang="en-US" sz="5400" b="1" dirty="0">
+                <a:solidFill>
+                  <a:srgbClr val="948C89"/>
+                </a:solidFill>
+                <a:cs typeface="+mn-ea"/>
+                <a:sym typeface="+mn-lt"/>
+              </a:endParaRPr>
+            </a:p>
+          </p:txBody>
+        </p:sp>
+        <p:sp>
+          <p:nvSpPr>
+            <p:cNvPr id="12" name="文本框 11"/>
+            <p:cNvSpPr txBox="1"/>
+            <p:nvPr/>
+          </p:nvSpPr>
+          <p:spPr>
+            <a:xfrm>
+              <a:off x="4023722" y="2289589"/>
+              <a:ext cx="1197764" cy="369332"/>
+            </a:xfrm>
+            <a:prstGeom prst="rect">
+              <a:avLst/>
+            </a:prstGeom>
+            <a:noFill/>
+          </p:spPr>
+          <p:txBody>
+            <a:bodyPr wrap="none" rtlCol="0">
+              <a:spAutoFit/>
+            </a:bodyPr>
+            <a:lstStyle/>
+            <a:p>
+              <a:r>
+                <a:rPr lang="en-US" altLang="zh-CN" dirty="0">
+                  <a:solidFill>
+                    <a:srgbClr val="948C89"/>
+                  </a:solidFill>
+                  <a:cs typeface="+mn-ea"/>
+                  <a:sym typeface="+mn-lt"/>
+                </a:rPr>
+                <a:t>Part three</a:t>
+              </a:r>
+              <a:endParaRPr lang="zh-CN" altLang="en-US" dirty="0">
+                <a:solidFill>
+                  <a:srgbClr val="948C89"/>
+                </a:solidFill>
+                <a:cs typeface="+mn-ea"/>
+                <a:sym typeface="+mn-lt"/>
+              </a:endParaRPr>
+            </a:p>
+          </p:txBody>
+        </p:sp>
+      </p:grpSp>
+      <p:grpSp>
+        <p:nvGrpSpPr>
+          <p:cNvPr id="13" name="组合 12"/>
+          <p:cNvGrpSpPr/>
+          <p:nvPr/>
+        </p:nvGrpSpPr>
+        <p:grpSpPr>
+          <a:xfrm>
+            <a:off x="3082986" y="3205973"/>
+            <a:ext cx="3688080" cy="982206"/>
+            <a:chOff x="5494532" y="695627"/>
+            <a:chExt cx="3688080" cy="982206"/>
+          </a:xfrm>
+        </p:grpSpPr>
+        <p:sp>
+          <p:nvSpPr>
+            <p:cNvPr id="14" name="文本框 13"/>
+            <p:cNvSpPr txBox="1"/>
+            <p:nvPr/>
+          </p:nvSpPr>
+          <p:spPr>
+            <a:xfrm>
+              <a:off x="5494532" y="695627"/>
+              <a:ext cx="3688080" cy="706755"/>
+            </a:xfrm>
+            <a:prstGeom prst="rect">
+              <a:avLst/>
+            </a:prstGeom>
+            <a:noFill/>
+          </p:spPr>
+          <p:txBody>
+            <a:bodyPr wrap="none" rtlCol="0">
+              <a:spAutoFit/>
+            </a:bodyPr>
+            <a:lstStyle/>
+            <a:p>
+              <a:pPr algn="l"/>
+              <a:r>
+                <a:rPr lang="zh-CN" altLang="en-US" sz="4000" b="1" spc="600" dirty="0">
+                  <a:solidFill>
+                    <a:srgbClr val="9D9AAB"/>
+                  </a:solidFill>
+                  <a:cs typeface="+mn-ea"/>
+                  <a:sym typeface="+mn-lt"/>
+                </a:rPr>
+                <a:t>后期工作安排</a:t>
+              </a:r>
+              <a:endParaRPr lang="zh-CN" altLang="en-US" sz="4000" b="1" spc="600" dirty="0">
+                <a:solidFill>
+                  <a:srgbClr val="9D9AAB"/>
+                </a:solidFill>
+                <a:cs typeface="+mn-ea"/>
+                <a:sym typeface="+mn-lt"/>
+              </a:endParaRPr>
+            </a:p>
+          </p:txBody>
+        </p:sp>
+        <p:sp>
+          <p:nvSpPr>
+            <p:cNvPr id="15" name="文本框 14"/>
+            <p:cNvSpPr txBox="1"/>
+            <p:nvPr/>
+          </p:nvSpPr>
+          <p:spPr>
+            <a:xfrm>
+              <a:off x="6401492" y="1402243"/>
+              <a:ext cx="1874520" cy="275590"/>
+            </a:xfrm>
+            <a:prstGeom prst="rect">
+              <a:avLst/>
+            </a:prstGeom>
+            <a:noFill/>
+          </p:spPr>
+          <p:txBody>
+            <a:bodyPr wrap="none" rtlCol="0">
+              <a:spAutoFit/>
+            </a:bodyPr>
+            <a:lstStyle/>
+            <a:p>
+              <a:pPr algn="l"/>
+              <a:r>
+                <a:rPr lang="en-US" altLang="zh-CN" sz="1200" dirty="0">
+                  <a:solidFill>
+                    <a:srgbClr val="9D9AAB"/>
+                  </a:solidFill>
+                  <a:cs typeface="+mn-ea"/>
+                  <a:sym typeface="+mn-lt"/>
+                </a:rPr>
+                <a:t>Later work arrangements</a:t>
+              </a:r>
+              <a:endParaRPr lang="zh-CN" altLang="en-US" sz="1200" dirty="0">
+                <a:solidFill>
+                  <a:srgbClr val="9D9AAB"/>
+                </a:solidFill>
+                <a:cs typeface="+mn-ea"/>
+                <a:sym typeface="+mn-lt"/>
+              </a:endParaRPr>
+            </a:p>
+          </p:txBody>
+        </p:sp>
+      </p:grpSp>
+      <p:grpSp>
+        <p:nvGrpSpPr>
+          <p:cNvPr id="21" name="组合 20"/>
+          <p:cNvGrpSpPr/>
+          <p:nvPr/>
+        </p:nvGrpSpPr>
+        <p:grpSpPr>
+          <a:xfrm>
+            <a:off x="-122017" y="-778609"/>
+            <a:ext cx="8157726" cy="7800527"/>
+            <a:chOff x="-224465" y="-674213"/>
+            <a:chExt cx="8157726" cy="7800527"/>
+          </a:xfrm>
+        </p:grpSpPr>
+        <p:sp>
+          <p:nvSpPr>
+            <p:cNvPr id="22" name="椭圆 21"/>
+            <p:cNvSpPr/>
+            <p:nvPr/>
+          </p:nvSpPr>
+          <p:spPr>
+            <a:xfrm>
+              <a:off x="159129" y="2008283"/>
+              <a:ext cx="1639229" cy="1639229"/>
+            </a:xfrm>
+            <a:prstGeom prst="ellipse">
+              <a:avLst/>
+            </a:prstGeom>
+            <a:solidFill>
+              <a:srgbClr val="D7CFCD">
+                <a:alpha val="29000"/>
+              </a:srgbClr>
+            </a:solidFill>
+            <a:ln>
+              <a:noFill/>
+            </a:ln>
+          </p:spPr>
+          <p:style>
+            <a:lnRef idx="2">
+              <a:schemeClr val="accent1">
+                <a:shade val="50000"/>
+              </a:schemeClr>
+            </a:lnRef>
+            <a:fillRef idx="1">
+              <a:schemeClr val="accent1"/>
+            </a:fillRef>
+            <a:effectRef idx="0">
+              <a:schemeClr val="accent1"/>
+            </a:effectRef>
+            <a:fontRef idx="minor">
+              <a:schemeClr val="lt1"/>
+            </a:fontRef>
+          </p:style>
+          <p:txBody>
+            <a:bodyPr rtlCol="0" anchor="ctr"/>
+            <a:lstStyle/>
+            <a:p>
+              <a:pPr algn="ctr"/>
+              <a:endParaRPr lang="zh-CN" altLang="en-US">
+                <a:cs typeface="+mn-ea"/>
+                <a:sym typeface="+mn-lt"/>
+              </a:endParaRPr>
+            </a:p>
+          </p:txBody>
+        </p:sp>
+        <p:sp>
+          <p:nvSpPr>
+            <p:cNvPr id="23" name="椭圆 22"/>
+            <p:cNvSpPr/>
+            <p:nvPr/>
+          </p:nvSpPr>
+          <p:spPr>
+            <a:xfrm>
+              <a:off x="4786850" y="2267536"/>
+              <a:ext cx="3146411" cy="3146411"/>
+            </a:xfrm>
+            <a:prstGeom prst="ellipse">
+              <a:avLst/>
+            </a:prstGeom>
+            <a:solidFill>
+              <a:srgbClr val="D7CFCD">
+                <a:alpha val="10000"/>
+              </a:srgbClr>
+            </a:solidFill>
+            <a:ln>
+              <a:noFill/>
+            </a:ln>
+          </p:spPr>
+          <p:style>
+            <a:lnRef idx="2">
+              <a:schemeClr val="accent1">
+                <a:shade val="50000"/>
+              </a:schemeClr>
+            </a:lnRef>
+            <a:fillRef idx="1">
+              <a:schemeClr val="accent1"/>
+            </a:fillRef>
+            <a:effectRef idx="0">
+              <a:schemeClr val="accent1"/>
+            </a:effectRef>
+            <a:fontRef idx="minor">
+              <a:schemeClr val="lt1"/>
+            </a:fontRef>
+          </p:style>
+          <p:txBody>
+            <a:bodyPr rtlCol="0" anchor="ctr"/>
+            <a:lstStyle/>
+            <a:p>
+              <a:pPr algn="ctr"/>
+              <a:endParaRPr lang="zh-CN" altLang="en-US" dirty="0">
+                <a:cs typeface="+mn-ea"/>
+                <a:sym typeface="+mn-lt"/>
+              </a:endParaRPr>
+            </a:p>
+          </p:txBody>
+        </p:sp>
+        <p:sp>
+          <p:nvSpPr>
+            <p:cNvPr id="24" name="椭圆 23"/>
+            <p:cNvSpPr/>
+            <p:nvPr/>
+          </p:nvSpPr>
+          <p:spPr>
+            <a:xfrm>
+              <a:off x="5347149" y="-674213"/>
+              <a:ext cx="1639229" cy="1639229"/>
+            </a:xfrm>
+            <a:prstGeom prst="ellipse">
+              <a:avLst/>
+            </a:prstGeom>
+            <a:solidFill>
+              <a:srgbClr val="D7CFCD">
+                <a:alpha val="19000"/>
+              </a:srgbClr>
+            </a:solidFill>
+            <a:ln>
+              <a:noFill/>
+            </a:ln>
+          </p:spPr>
+          <p:style>
+            <a:lnRef idx="2">
+              <a:schemeClr val="accent1">
+                <a:shade val="50000"/>
+              </a:schemeClr>
+            </a:lnRef>
+            <a:fillRef idx="1">
+              <a:schemeClr val="accent1"/>
+            </a:fillRef>
+            <a:effectRef idx="0">
+              <a:schemeClr val="accent1"/>
+            </a:effectRef>
+            <a:fontRef idx="minor">
+              <a:schemeClr val="lt1"/>
+            </a:fontRef>
+          </p:style>
+          <p:txBody>
+            <a:bodyPr rtlCol="0" anchor="ctr"/>
+            <a:lstStyle/>
+            <a:p>
+              <a:pPr algn="ctr"/>
+              <a:endParaRPr lang="zh-CN" altLang="en-US">
+                <a:cs typeface="+mn-ea"/>
+                <a:sym typeface="+mn-lt"/>
+              </a:endParaRPr>
+            </a:p>
+          </p:txBody>
+        </p:sp>
+        <p:sp>
+          <p:nvSpPr>
+            <p:cNvPr id="25" name="椭圆 24"/>
+            <p:cNvSpPr/>
+            <p:nvPr/>
+          </p:nvSpPr>
+          <p:spPr>
+            <a:xfrm>
+              <a:off x="-224465" y="6434241"/>
+              <a:ext cx="692073" cy="692073"/>
+            </a:xfrm>
+            <a:prstGeom prst="ellipse">
+              <a:avLst/>
+            </a:prstGeom>
+            <a:solidFill>
+              <a:srgbClr val="D7CFCD">
+                <a:alpha val="92000"/>
+              </a:srgbClr>
+            </a:solidFill>
+            <a:ln>
+              <a:noFill/>
+            </a:ln>
+          </p:spPr>
+          <p:style>
+            <a:lnRef idx="2">
+              <a:schemeClr val="accent1">
+                <a:shade val="50000"/>
+              </a:schemeClr>
+            </a:lnRef>
+            <a:fillRef idx="1">
+              <a:schemeClr val="accent1"/>
+            </a:fillRef>
+            <a:effectRef idx="0">
+              <a:schemeClr val="accent1"/>
+            </a:effectRef>
+            <a:fontRef idx="minor">
+              <a:schemeClr val="lt1"/>
+            </a:fontRef>
+          </p:style>
+          <p:txBody>
+            <a:bodyPr rtlCol="0" anchor="ctr"/>
+            <a:lstStyle/>
+            <a:p>
+              <a:pPr algn="ctr"/>
+              <a:endParaRPr lang="zh-CN" altLang="en-US" dirty="0">
+                <a:cs typeface="+mn-ea"/>
+                <a:sym typeface="+mn-lt"/>
+              </a:endParaRPr>
+            </a:p>
+          </p:txBody>
+        </p:sp>
+      </p:grpSp>
+    </p:spTree>
+  </p:cSld>
+  <p:clrMapOvr>
+    <a:masterClrMapping/>
+  </p:clrMapOvr>
+</p:sld>
+</file>
+
+<file path=ppt/slides/slide14.xml><?xml version="1.0" encoding="utf-8"?>
+<p:sld xmlns:a="http://schemas.openxmlformats.org/drawingml/2006/main" xmlns:r="http://schemas.openxmlformats.org/officeDocument/2006/relationships" xmlns:p="http://schemas.openxmlformats.org/presentationml/2006/main">
+  <p:cSld>
+    <p:spTree>
+      <p:nvGrpSpPr>
+        <p:cNvPr id="1" name=""/>
+        <p:cNvGrpSpPr/>
+        <p:nvPr/>
+      </p:nvGrpSpPr>
+      <p:grpSpPr>
+        <a:xfrm>
+          <a:off x="0" y="0"/>
+          <a:ext cx="0" cy="0"/>
+          <a:chOff x="0" y="0"/>
+          <a:chExt cx="0" cy="0"/>
+        </a:xfrm>
+      </p:grpSpPr>
       <p:grpSp>
         <p:nvGrpSpPr>
           <p:cNvPr id="2" name="组合 1"/>
@@ -28584,7 +31822,7 @@
 </p:sld>
 </file>
 
-<file path=ppt/slides/slide11.xml><?xml version="1.0" encoding="utf-8"?>
+<file path=ppt/slides/slide15.xml><?xml version="1.0" encoding="utf-8"?>
 <p:sld xmlns:a="http://schemas.openxmlformats.org/drawingml/2006/main" xmlns:r="http://schemas.openxmlformats.org/officeDocument/2006/relationships" xmlns:p="http://schemas.openxmlformats.org/presentationml/2006/main">
   <p:cSld>
     <p:spTree>
@@ -35876,396 +39114,40 @@
           <a:chExt cx="0" cy="0"/>
         </a:xfrm>
       </p:grpSpPr>
-      <p:grpSp>
-        <p:nvGrpSpPr>
-          <p:cNvPr id="2" name="组合 1"/>
-          <p:cNvGrpSpPr/>
-          <p:nvPr/>
-        </p:nvGrpSpPr>
-        <p:grpSpPr>
-          <a:xfrm>
-            <a:off x="-374944" y="-1748697"/>
-            <a:ext cx="2500783" cy="4318114"/>
-            <a:chOff x="-374944" y="-1748697"/>
-            <a:chExt cx="2500783" cy="4318114"/>
-          </a:xfrm>
-        </p:grpSpPr>
-        <p:sp>
-          <p:nvSpPr>
-            <p:cNvPr id="3" name="矩形: 圆角 2"/>
-            <p:cNvSpPr/>
-            <p:nvPr/>
-          </p:nvSpPr>
-          <p:spPr>
-            <a:xfrm rot="19056966">
-              <a:off x="-374944" y="-1649268"/>
-              <a:ext cx="207479" cy="2824914"/>
-            </a:xfrm>
-            <a:prstGeom prst="roundRect">
-              <a:avLst/>
-            </a:prstGeom>
-            <a:solidFill>
-              <a:srgbClr val="D7CFCD"/>
-            </a:solidFill>
-            <a:ln>
-              <a:noFill/>
-            </a:ln>
-          </p:spPr>
-          <p:style>
-            <a:lnRef idx="2">
-              <a:schemeClr val="accent1">
-                <a:shade val="50000"/>
-              </a:schemeClr>
-            </a:lnRef>
-            <a:fillRef idx="1">
-              <a:schemeClr val="accent1"/>
-            </a:fillRef>
-            <a:effectRef idx="0">
-              <a:schemeClr val="accent1"/>
-            </a:effectRef>
-            <a:fontRef idx="minor">
-              <a:schemeClr val="lt1"/>
-            </a:fontRef>
-          </p:style>
-          <p:txBody>
-            <a:bodyPr rtlCol="0" anchor="ctr"/>
-            <a:lstStyle/>
-            <a:p>
-              <a:pPr algn="ctr"/>
-              <a:endParaRPr lang="zh-CN" altLang="en-US">
-                <a:cs typeface="+mn-ea"/>
-                <a:sym typeface="+mn-lt"/>
-              </a:endParaRPr>
-            </a:p>
-          </p:txBody>
-        </p:sp>
-        <p:sp>
-          <p:nvSpPr>
-            <p:cNvPr id="4" name="矩形: 圆角 3"/>
-            <p:cNvSpPr/>
-            <p:nvPr/>
-          </p:nvSpPr>
-          <p:spPr>
-            <a:xfrm rot="19056966">
-              <a:off x="445790" y="-72399"/>
-              <a:ext cx="194031" cy="2641816"/>
-            </a:xfrm>
-            <a:prstGeom prst="roundRect">
-              <a:avLst/>
-            </a:prstGeom>
-            <a:solidFill>
-              <a:srgbClr val="D7CFCD"/>
-            </a:solidFill>
-            <a:ln>
-              <a:noFill/>
-            </a:ln>
-          </p:spPr>
-          <p:style>
-            <a:lnRef idx="2">
-              <a:schemeClr val="accent1">
-                <a:shade val="50000"/>
-              </a:schemeClr>
-            </a:lnRef>
-            <a:fillRef idx="1">
-              <a:schemeClr val="accent1"/>
-            </a:fillRef>
-            <a:effectRef idx="0">
-              <a:schemeClr val="accent1"/>
-            </a:effectRef>
-            <a:fontRef idx="minor">
-              <a:schemeClr val="lt1"/>
-            </a:fontRef>
-          </p:style>
-          <p:txBody>
-            <a:bodyPr rtlCol="0" anchor="ctr"/>
-            <a:lstStyle/>
-            <a:p>
-              <a:pPr algn="ctr"/>
-              <a:endParaRPr lang="zh-CN" altLang="en-US">
-                <a:cs typeface="+mn-ea"/>
-                <a:sym typeface="+mn-lt"/>
-              </a:endParaRPr>
-            </a:p>
-          </p:txBody>
-        </p:sp>
-        <p:sp>
-          <p:nvSpPr>
-            <p:cNvPr id="5" name="矩形: 圆角 4"/>
-            <p:cNvSpPr/>
-            <p:nvPr/>
-          </p:nvSpPr>
-          <p:spPr>
-            <a:xfrm rot="19056966">
-              <a:off x="573338" y="-1080956"/>
-              <a:ext cx="194031" cy="2641816"/>
-            </a:xfrm>
-            <a:prstGeom prst="roundRect">
-              <a:avLst/>
-            </a:prstGeom>
-            <a:solidFill>
-              <a:srgbClr val="D7CFCD"/>
-            </a:solidFill>
-            <a:ln>
-              <a:noFill/>
-            </a:ln>
-          </p:spPr>
-          <p:style>
-            <a:lnRef idx="2">
-              <a:schemeClr val="accent1">
-                <a:shade val="50000"/>
-              </a:schemeClr>
-            </a:lnRef>
-            <a:fillRef idx="1">
-              <a:schemeClr val="accent1"/>
-            </a:fillRef>
-            <a:effectRef idx="0">
-              <a:schemeClr val="accent1"/>
-            </a:effectRef>
-            <a:fontRef idx="minor">
-              <a:schemeClr val="lt1"/>
-            </a:fontRef>
-          </p:style>
-          <p:txBody>
-            <a:bodyPr rtlCol="0" anchor="ctr"/>
-            <a:lstStyle/>
-            <a:p>
-              <a:pPr algn="ctr"/>
-              <a:endParaRPr lang="zh-CN" altLang="en-US">
-                <a:cs typeface="+mn-ea"/>
-                <a:sym typeface="+mn-lt"/>
-              </a:endParaRPr>
-            </a:p>
-          </p:txBody>
-        </p:sp>
-        <p:sp>
-          <p:nvSpPr>
-            <p:cNvPr id="6" name="矩形: 圆角 5"/>
-            <p:cNvSpPr/>
-            <p:nvPr/>
-          </p:nvSpPr>
-          <p:spPr>
-            <a:xfrm rot="19056966">
-              <a:off x="1188799" y="-960879"/>
-              <a:ext cx="194031" cy="2641816"/>
-            </a:xfrm>
-            <a:prstGeom prst="roundRect">
-              <a:avLst/>
-            </a:prstGeom>
-            <a:solidFill>
-              <a:srgbClr val="D7CFCD"/>
-            </a:solidFill>
-            <a:ln>
-              <a:noFill/>
-            </a:ln>
-          </p:spPr>
-          <p:style>
-            <a:lnRef idx="2">
-              <a:schemeClr val="accent1">
-                <a:shade val="50000"/>
-              </a:schemeClr>
-            </a:lnRef>
-            <a:fillRef idx="1">
-              <a:schemeClr val="accent1"/>
-            </a:fillRef>
-            <a:effectRef idx="0">
-              <a:schemeClr val="accent1"/>
-            </a:effectRef>
-            <a:fontRef idx="minor">
-              <a:schemeClr val="lt1"/>
-            </a:fontRef>
-          </p:style>
-          <p:txBody>
-            <a:bodyPr rtlCol="0" anchor="ctr"/>
-            <a:lstStyle/>
-            <a:p>
-              <a:pPr algn="ctr"/>
-              <a:endParaRPr lang="zh-CN" altLang="en-US">
-                <a:cs typeface="+mn-ea"/>
-                <a:sym typeface="+mn-lt"/>
-              </a:endParaRPr>
-            </a:p>
-          </p:txBody>
-        </p:sp>
-        <p:sp>
-          <p:nvSpPr>
-            <p:cNvPr id="7" name="矩形: 圆角 6"/>
-            <p:cNvSpPr/>
-            <p:nvPr/>
-          </p:nvSpPr>
-          <p:spPr>
-            <a:xfrm rot="19056966">
-              <a:off x="1013473" y="-1748697"/>
-              <a:ext cx="194031" cy="2641816"/>
-            </a:xfrm>
-            <a:prstGeom prst="roundRect">
-              <a:avLst/>
-            </a:prstGeom>
-            <a:solidFill>
-              <a:srgbClr val="D7CFCD"/>
-            </a:solidFill>
-            <a:ln>
-              <a:noFill/>
-            </a:ln>
-          </p:spPr>
-          <p:style>
-            <a:lnRef idx="2">
-              <a:schemeClr val="accent1">
-                <a:shade val="50000"/>
-              </a:schemeClr>
-            </a:lnRef>
-            <a:fillRef idx="1">
-              <a:schemeClr val="accent1"/>
-            </a:fillRef>
-            <a:effectRef idx="0">
-              <a:schemeClr val="accent1"/>
-            </a:effectRef>
-            <a:fontRef idx="minor">
-              <a:schemeClr val="lt1"/>
-            </a:fontRef>
-          </p:style>
-          <p:txBody>
-            <a:bodyPr rtlCol="0" anchor="ctr"/>
-            <a:lstStyle/>
-            <a:p>
-              <a:pPr algn="ctr"/>
-              <a:endParaRPr lang="zh-CN" altLang="en-US">
-                <a:cs typeface="+mn-ea"/>
-                <a:sym typeface="+mn-lt"/>
-              </a:endParaRPr>
-            </a:p>
-          </p:txBody>
-        </p:sp>
-        <p:sp>
-          <p:nvSpPr>
-            <p:cNvPr id="8" name="矩形: 圆角 7"/>
-            <p:cNvSpPr/>
-            <p:nvPr/>
-          </p:nvSpPr>
-          <p:spPr>
-            <a:xfrm rot="19056966">
-              <a:off x="-313993" y="-279827"/>
-              <a:ext cx="194031" cy="2641816"/>
-            </a:xfrm>
-            <a:prstGeom prst="roundRect">
-              <a:avLst/>
-            </a:prstGeom>
-            <a:solidFill>
-              <a:srgbClr val="D7CFCD"/>
-            </a:solidFill>
-            <a:ln>
-              <a:noFill/>
-            </a:ln>
-          </p:spPr>
-          <p:style>
-            <a:lnRef idx="2">
-              <a:schemeClr val="accent1">
-                <a:shade val="50000"/>
-              </a:schemeClr>
-            </a:lnRef>
-            <a:fillRef idx="1">
-              <a:schemeClr val="accent1"/>
-            </a:fillRef>
-            <a:effectRef idx="0">
-              <a:schemeClr val="accent1"/>
-            </a:effectRef>
-            <a:fontRef idx="minor">
-              <a:schemeClr val="lt1"/>
-            </a:fontRef>
-          </p:style>
-          <p:txBody>
-            <a:bodyPr rtlCol="0" anchor="ctr"/>
-            <a:lstStyle/>
-            <a:p>
-              <a:pPr algn="ctr"/>
-              <a:endParaRPr lang="zh-CN" altLang="en-US">
-                <a:cs typeface="+mn-ea"/>
-                <a:sym typeface="+mn-lt"/>
-              </a:endParaRPr>
-            </a:p>
-          </p:txBody>
-        </p:sp>
-        <p:sp>
-          <p:nvSpPr>
-            <p:cNvPr id="9" name="矩形: 圆角 8"/>
-            <p:cNvSpPr/>
-            <p:nvPr/>
-          </p:nvSpPr>
-          <p:spPr>
-            <a:xfrm rot="19056966">
-              <a:off x="1931808" y="-1320908"/>
-              <a:ext cx="194031" cy="2641816"/>
-            </a:xfrm>
-            <a:prstGeom prst="roundRect">
-              <a:avLst/>
-            </a:prstGeom>
-            <a:solidFill>
-              <a:srgbClr val="D7CFCD"/>
-            </a:solidFill>
-            <a:ln>
-              <a:noFill/>
-            </a:ln>
-          </p:spPr>
-          <p:style>
-            <a:lnRef idx="2">
-              <a:schemeClr val="accent1">
-                <a:shade val="50000"/>
-              </a:schemeClr>
-            </a:lnRef>
-            <a:fillRef idx="1">
-              <a:schemeClr val="accent1"/>
-            </a:fillRef>
-            <a:effectRef idx="0">
-              <a:schemeClr val="accent1"/>
-            </a:effectRef>
-            <a:fontRef idx="minor">
-              <a:schemeClr val="lt1"/>
-            </a:fontRef>
-          </p:style>
-          <p:txBody>
-            <a:bodyPr rtlCol="0" anchor="ctr"/>
-            <a:lstStyle/>
-            <a:p>
-              <a:pPr algn="ctr"/>
-              <a:endParaRPr lang="zh-CN" altLang="en-US">
-                <a:cs typeface="+mn-ea"/>
-                <a:sym typeface="+mn-lt"/>
-              </a:endParaRPr>
-            </a:p>
-          </p:txBody>
-        </p:sp>
-      </p:grpSp>
-      <p:sp>
-        <p:nvSpPr>
-          <p:cNvPr id="10" name="矩形 9"/>
+      <p:sp>
+        <p:nvSpPr>
+          <p:cNvPr id="11" name="圆角矩形 10"/>
           <p:cNvSpPr/>
           <p:nvPr/>
         </p:nvSpPr>
         <p:spPr>
           <a:xfrm>
-            <a:off x="8942496" y="0"/>
-            <a:ext cx="3252186" cy="6858000"/>
-          </a:xfrm>
-          <a:prstGeom prst="rect">
+            <a:off x="457835" y="944880"/>
+            <a:ext cx="2065655" cy="361950"/>
+          </a:xfrm>
+          <a:prstGeom prst="roundRect">
             <a:avLst/>
           </a:prstGeom>
           <a:solidFill>
             <a:srgbClr val="9D9AAB"/>
           </a:solidFill>
           <a:ln>
-            <a:noFill/>
+            <a:solidFill>
+              <a:srgbClr val="9D9AAB"/>
+            </a:solidFill>
           </a:ln>
         </p:spPr>
         <p:style>
           <a:lnRef idx="2">
             <a:schemeClr val="accent1">
-              <a:shade val="50000"/>
+              <a:lumMod val="75000"/>
             </a:schemeClr>
           </a:lnRef>
           <a:fillRef idx="1">
             <a:schemeClr val="accent1"/>
           </a:fillRef>
           <a:effectRef idx="0">
-            <a:schemeClr val="accent1"/>
+            <a:srgbClr val="FFFFFF"/>
           </a:effectRef>
           <a:fontRef idx="minor">
             <a:schemeClr val="lt1"/>
@@ -36273,460 +39155,12 @@
         </p:style>
         <p:txBody>
           <a:bodyPr rtlCol="0" anchor="ctr"/>
-          <a:lstStyle/>
           <a:p>
             <a:pPr algn="ctr"/>
-            <a:endParaRPr lang="zh-CN" altLang="en-US" dirty="0">
-              <a:cs typeface="+mn-ea"/>
-              <a:sym typeface="+mn-lt"/>
-            </a:endParaRPr>
-          </a:p>
-        </p:txBody>
-      </p:sp>
-      <p:grpSp>
-        <p:nvGrpSpPr>
-          <p:cNvPr id="16" name="组合 15"/>
-          <p:cNvGrpSpPr/>
-          <p:nvPr/>
-        </p:nvGrpSpPr>
-        <p:grpSpPr>
-          <a:xfrm>
-            <a:off x="4449526" y="2198325"/>
-            <a:ext cx="1051670" cy="1038425"/>
-            <a:chOff x="4003103" y="1620496"/>
-            <a:chExt cx="1051670" cy="1038425"/>
-          </a:xfrm>
-        </p:grpSpPr>
-        <p:sp>
-          <p:nvSpPr>
-            <p:cNvPr id="11" name="文本框 10"/>
-            <p:cNvSpPr txBox="1"/>
-            <p:nvPr/>
-          </p:nvSpPr>
-          <p:spPr>
-            <a:xfrm>
-              <a:off x="4003103" y="1620496"/>
-              <a:ext cx="954107" cy="923330"/>
-            </a:xfrm>
-            <a:prstGeom prst="rect">
-              <a:avLst/>
-            </a:prstGeom>
-            <a:noFill/>
-          </p:spPr>
-          <p:txBody>
-            <a:bodyPr wrap="none" rtlCol="0">
-              <a:spAutoFit/>
-            </a:bodyPr>
-            <a:lstStyle/>
-            <a:p>
-              <a:r>
-                <a:rPr lang="en-US" altLang="zh-CN" sz="5400" b="1" dirty="0">
-                  <a:solidFill>
-                    <a:srgbClr val="948C89"/>
-                  </a:solidFill>
-                  <a:cs typeface="+mn-ea"/>
-                  <a:sym typeface="+mn-lt"/>
-                </a:rPr>
-                <a:t>02</a:t>
-              </a:r>
-              <a:endParaRPr lang="zh-CN" altLang="en-US" sz="5400" b="1" dirty="0">
-                <a:solidFill>
-                  <a:srgbClr val="948C89"/>
-                </a:solidFill>
-                <a:cs typeface="+mn-ea"/>
-                <a:sym typeface="+mn-lt"/>
-              </a:endParaRPr>
-            </a:p>
-          </p:txBody>
-        </p:sp>
-        <p:sp>
-          <p:nvSpPr>
-            <p:cNvPr id="12" name="文本框 11"/>
-            <p:cNvSpPr txBox="1"/>
-            <p:nvPr/>
-          </p:nvSpPr>
-          <p:spPr>
-            <a:xfrm>
-              <a:off x="4023722" y="2289589"/>
-              <a:ext cx="1031051" cy="369332"/>
-            </a:xfrm>
-            <a:prstGeom prst="rect">
-              <a:avLst/>
-            </a:prstGeom>
-            <a:noFill/>
-          </p:spPr>
-          <p:txBody>
-            <a:bodyPr wrap="none" rtlCol="0">
-              <a:spAutoFit/>
-            </a:bodyPr>
-            <a:lstStyle/>
-            <a:p>
-              <a:r>
-                <a:rPr lang="en-US" altLang="zh-CN" dirty="0">
-                  <a:solidFill>
-                    <a:srgbClr val="948C89"/>
-                  </a:solidFill>
-                  <a:cs typeface="+mn-ea"/>
-                  <a:sym typeface="+mn-lt"/>
-                </a:rPr>
-                <a:t>Part two</a:t>
-              </a:r>
-              <a:endParaRPr lang="zh-CN" altLang="en-US" dirty="0">
-                <a:solidFill>
-                  <a:srgbClr val="948C89"/>
-                </a:solidFill>
-                <a:cs typeface="+mn-ea"/>
-                <a:sym typeface="+mn-lt"/>
-              </a:endParaRPr>
-            </a:p>
-          </p:txBody>
-        </p:sp>
-      </p:grpSp>
-      <p:grpSp>
-        <p:nvGrpSpPr>
-          <p:cNvPr id="13" name="组合 12"/>
-          <p:cNvGrpSpPr/>
-          <p:nvPr/>
-        </p:nvGrpSpPr>
-        <p:grpSpPr>
-          <a:xfrm>
-            <a:off x="2548951" y="3205973"/>
-            <a:ext cx="4754880" cy="983476"/>
-            <a:chOff x="5494532" y="695627"/>
-            <a:chExt cx="4754880" cy="983476"/>
-          </a:xfrm>
-        </p:grpSpPr>
-        <p:sp>
-          <p:nvSpPr>
-            <p:cNvPr id="14" name="文本框 13"/>
-            <p:cNvSpPr txBox="1"/>
-            <p:nvPr/>
-          </p:nvSpPr>
-          <p:spPr>
-            <a:xfrm>
-              <a:off x="5494532" y="695627"/>
-              <a:ext cx="4754880" cy="706755"/>
-            </a:xfrm>
-            <a:prstGeom prst="rect">
-              <a:avLst/>
-            </a:prstGeom>
-            <a:noFill/>
-          </p:spPr>
-          <p:txBody>
-            <a:bodyPr wrap="none" rtlCol="0">
-              <a:spAutoFit/>
-            </a:bodyPr>
-            <a:lstStyle/>
-            <a:p>
-              <a:pPr algn="l"/>
-              <a:r>
-                <a:rPr lang="zh-CN" altLang="en-US" sz="4000" b="1" dirty="0">
-                  <a:solidFill>
-                    <a:srgbClr val="9D9AAB"/>
-                  </a:solidFill>
-                  <a:cs typeface="+mn-ea"/>
-                  <a:sym typeface="+mn-lt"/>
-                </a:rPr>
-                <a:t>存在问题及解决措施</a:t>
-              </a:r>
-              <a:endParaRPr lang="zh-CN" altLang="en-US" sz="4000" b="1" spc="600" dirty="0">
-                <a:solidFill>
-                  <a:srgbClr val="9D9AAB"/>
-                </a:solidFill>
-                <a:cs typeface="+mn-ea"/>
-                <a:sym typeface="+mn-lt"/>
-              </a:endParaRPr>
-            </a:p>
-          </p:txBody>
-        </p:sp>
-        <p:sp>
-          <p:nvSpPr>
-            <p:cNvPr id="15" name="文本框 14"/>
-            <p:cNvSpPr txBox="1"/>
-            <p:nvPr/>
-          </p:nvSpPr>
-          <p:spPr>
-            <a:xfrm>
-              <a:off x="7049192" y="1403513"/>
-              <a:ext cx="1764030" cy="275590"/>
-            </a:xfrm>
-            <a:prstGeom prst="rect">
-              <a:avLst/>
-            </a:prstGeom>
-            <a:noFill/>
-          </p:spPr>
-          <p:txBody>
-            <a:bodyPr wrap="none" rtlCol="0">
-              <a:spAutoFit/>
-            </a:bodyPr>
-            <a:lstStyle/>
-            <a:p>
-              <a:pPr algn="l"/>
-              <a:r>
-                <a:rPr lang="en-US" altLang="zh-CN" sz="1200" dirty="0">
-                  <a:solidFill>
-                    <a:srgbClr val="9D9AAB"/>
-                  </a:solidFill>
-                  <a:cs typeface="+mn-ea"/>
-                  <a:sym typeface="+mn-lt"/>
-                </a:rPr>
-                <a:t>Problems and solutions</a:t>
-              </a:r>
-              <a:endParaRPr lang="zh-CN" altLang="en-US" sz="1200" dirty="0">
-                <a:solidFill>
-                  <a:srgbClr val="9D9AAB"/>
-                </a:solidFill>
-                <a:cs typeface="+mn-ea"/>
-                <a:sym typeface="+mn-lt"/>
-              </a:endParaRPr>
-            </a:p>
-          </p:txBody>
-        </p:sp>
-      </p:grpSp>
-      <p:grpSp>
-        <p:nvGrpSpPr>
-          <p:cNvPr id="21" name="组合 20"/>
-          <p:cNvGrpSpPr/>
-          <p:nvPr/>
-        </p:nvGrpSpPr>
-        <p:grpSpPr>
-          <a:xfrm>
-            <a:off x="-216978" y="-681051"/>
-            <a:ext cx="7602434" cy="7800527"/>
-            <a:chOff x="-224465" y="-674213"/>
-            <a:chExt cx="7602434" cy="7800527"/>
-          </a:xfrm>
-        </p:grpSpPr>
-        <p:sp>
-          <p:nvSpPr>
-            <p:cNvPr id="22" name="椭圆 21"/>
-            <p:cNvSpPr/>
-            <p:nvPr/>
-          </p:nvSpPr>
-          <p:spPr>
-            <a:xfrm>
-              <a:off x="159129" y="2008283"/>
-              <a:ext cx="1639229" cy="1639229"/>
-            </a:xfrm>
-            <a:prstGeom prst="ellipse">
-              <a:avLst/>
-            </a:prstGeom>
-            <a:solidFill>
-              <a:srgbClr val="D7CFCD">
-                <a:alpha val="29000"/>
-              </a:srgbClr>
-            </a:solidFill>
-            <a:ln>
-              <a:noFill/>
-            </a:ln>
-          </p:spPr>
-          <p:style>
-            <a:lnRef idx="2">
-              <a:schemeClr val="accent1">
-                <a:shade val="50000"/>
-              </a:schemeClr>
-            </a:lnRef>
-            <a:fillRef idx="1">
-              <a:schemeClr val="accent1"/>
-            </a:fillRef>
-            <a:effectRef idx="0">
-              <a:schemeClr val="accent1"/>
-            </a:effectRef>
-            <a:fontRef idx="minor">
-              <a:schemeClr val="lt1"/>
-            </a:fontRef>
-          </p:style>
-          <p:txBody>
-            <a:bodyPr rtlCol="0" anchor="ctr"/>
-            <a:lstStyle/>
-            <a:p>
-              <a:pPr algn="ctr"/>
-              <a:endParaRPr lang="zh-CN" altLang="en-US">
-                <a:cs typeface="+mn-ea"/>
-                <a:sym typeface="+mn-lt"/>
-              </a:endParaRPr>
-            </a:p>
-          </p:txBody>
-        </p:sp>
-        <p:sp>
-          <p:nvSpPr>
-            <p:cNvPr id="23" name="椭圆 22"/>
-            <p:cNvSpPr/>
-            <p:nvPr/>
-          </p:nvSpPr>
-          <p:spPr>
-            <a:xfrm>
-              <a:off x="4231558" y="2088999"/>
-              <a:ext cx="3146411" cy="3146411"/>
-            </a:xfrm>
-            <a:prstGeom prst="ellipse">
-              <a:avLst/>
-            </a:prstGeom>
-            <a:solidFill>
-              <a:srgbClr val="D7CFCD">
-                <a:alpha val="10000"/>
-              </a:srgbClr>
-            </a:solidFill>
-            <a:ln>
-              <a:noFill/>
-            </a:ln>
-          </p:spPr>
-          <p:style>
-            <a:lnRef idx="2">
-              <a:schemeClr val="accent1">
-                <a:shade val="50000"/>
-              </a:schemeClr>
-            </a:lnRef>
-            <a:fillRef idx="1">
-              <a:schemeClr val="accent1"/>
-            </a:fillRef>
-            <a:effectRef idx="0">
-              <a:schemeClr val="accent1"/>
-            </a:effectRef>
-            <a:fontRef idx="minor">
-              <a:schemeClr val="lt1"/>
-            </a:fontRef>
-          </p:style>
-          <p:txBody>
-            <a:bodyPr rtlCol="0" anchor="ctr"/>
-            <a:lstStyle/>
-            <a:p>
-              <a:pPr algn="ctr"/>
-              <a:endParaRPr lang="zh-CN" altLang="en-US" dirty="0">
-                <a:cs typeface="+mn-ea"/>
-                <a:sym typeface="+mn-lt"/>
-              </a:endParaRPr>
-            </a:p>
-          </p:txBody>
-        </p:sp>
-        <p:sp>
-          <p:nvSpPr>
-            <p:cNvPr id="24" name="椭圆 23"/>
-            <p:cNvSpPr/>
-            <p:nvPr/>
-          </p:nvSpPr>
-          <p:spPr>
-            <a:xfrm>
-              <a:off x="5347149" y="-674213"/>
-              <a:ext cx="1639229" cy="1639229"/>
-            </a:xfrm>
-            <a:prstGeom prst="ellipse">
-              <a:avLst/>
-            </a:prstGeom>
-            <a:solidFill>
-              <a:srgbClr val="D7CFCD">
-                <a:alpha val="19000"/>
-              </a:srgbClr>
-            </a:solidFill>
-            <a:ln>
-              <a:noFill/>
-            </a:ln>
-          </p:spPr>
-          <p:style>
-            <a:lnRef idx="2">
-              <a:schemeClr val="accent1">
-                <a:shade val="50000"/>
-              </a:schemeClr>
-            </a:lnRef>
-            <a:fillRef idx="1">
-              <a:schemeClr val="accent1"/>
-            </a:fillRef>
-            <a:effectRef idx="0">
-              <a:schemeClr val="accent1"/>
-            </a:effectRef>
-            <a:fontRef idx="minor">
-              <a:schemeClr val="lt1"/>
-            </a:fontRef>
-          </p:style>
-          <p:txBody>
-            <a:bodyPr rtlCol="0" anchor="ctr"/>
-            <a:lstStyle/>
-            <a:p>
-              <a:pPr algn="ctr"/>
-              <a:endParaRPr lang="zh-CN" altLang="en-US">
-                <a:cs typeface="+mn-ea"/>
-                <a:sym typeface="+mn-lt"/>
-              </a:endParaRPr>
-            </a:p>
-          </p:txBody>
-        </p:sp>
-        <p:sp>
-          <p:nvSpPr>
-            <p:cNvPr id="25" name="椭圆 24"/>
-            <p:cNvSpPr/>
-            <p:nvPr/>
-          </p:nvSpPr>
-          <p:spPr>
-            <a:xfrm>
-              <a:off x="-224465" y="6434241"/>
-              <a:ext cx="692073" cy="692073"/>
-            </a:xfrm>
-            <a:prstGeom prst="ellipse">
-              <a:avLst/>
-            </a:prstGeom>
-            <a:solidFill>
-              <a:srgbClr val="D7CFCD">
-                <a:alpha val="92000"/>
-              </a:srgbClr>
-            </a:solidFill>
-            <a:ln>
-              <a:noFill/>
-            </a:ln>
-          </p:spPr>
-          <p:style>
-            <a:lnRef idx="2">
-              <a:schemeClr val="accent1">
-                <a:shade val="50000"/>
-              </a:schemeClr>
-            </a:lnRef>
-            <a:fillRef idx="1">
-              <a:schemeClr val="accent1"/>
-            </a:fillRef>
-            <a:effectRef idx="0">
-              <a:schemeClr val="accent1"/>
-            </a:effectRef>
-            <a:fontRef idx="minor">
-              <a:schemeClr val="lt1"/>
-            </a:fontRef>
-          </p:style>
-          <p:txBody>
-            <a:bodyPr rtlCol="0" anchor="ctr"/>
-            <a:lstStyle/>
-            <a:p>
-              <a:pPr algn="ctr"/>
-              <a:endParaRPr lang="zh-CN" altLang="en-US" dirty="0">
-                <a:cs typeface="+mn-ea"/>
-                <a:sym typeface="+mn-lt"/>
-              </a:endParaRPr>
-            </a:p>
-          </p:txBody>
-        </p:sp>
-      </p:grpSp>
-    </p:spTree>
-  </p:cSld>
-  <p:clrMapOvr>
-    <a:masterClrMapping/>
-  </p:clrMapOvr>
-</p:sld>
-</file>
-
-<file path=ppt/slides/slide8.xml><?xml version="1.0" encoding="utf-8"?>
-<p:sld xmlns:a="http://schemas.openxmlformats.org/drawingml/2006/main" xmlns:r="http://schemas.openxmlformats.org/officeDocument/2006/relationships" xmlns:p="http://schemas.openxmlformats.org/presentationml/2006/main">
-  <p:cSld>
-    <p:spTree>
-      <p:nvGrpSpPr>
-        <p:cNvPr id="1" name=""/>
-        <p:cNvGrpSpPr/>
-        <p:nvPr/>
-      </p:nvGrpSpPr>
-      <p:grpSpPr>
-        <a:xfrm>
-          <a:off x="0" y="0"/>
-          <a:ext cx="0" cy="0"/>
-          <a:chOff x="0" y="0"/>
-          <a:chExt cx="0" cy="0"/>
-        </a:xfrm>
-      </p:grpSpPr>
+            <a:endParaRPr lang="zh-CN" altLang="en-US"/>
+          </a:p>
+        </p:txBody>
+      </p:sp>
       <p:grpSp>
         <p:nvGrpSpPr>
           <p:cNvPr id="2" name="组合 1"/>
@@ -36935,9 +39369,9 @@
           <p:grpSpPr>
             <a:xfrm>
               <a:off x="223081" y="92220"/>
-              <a:ext cx="2284427" cy="598135"/>
+              <a:ext cx="3982083" cy="598135"/>
               <a:chOff x="234232" y="124119"/>
-              <a:chExt cx="2284427" cy="598135"/>
+              <a:chExt cx="3982083" cy="598135"/>
             </a:xfrm>
           </p:grpSpPr>
           <p:sp>
@@ -36949,7 +39383,7 @@
             <p:spPr>
               <a:xfrm>
                 <a:off x="234232" y="124119"/>
-                <a:ext cx="2284427" cy="460375"/>
+                <a:ext cx="3982083" cy="460375"/>
               </a:xfrm>
               <a:prstGeom prst="rect">
                 <a:avLst/>
@@ -36971,7 +39405,7 @@
                     <a:cs typeface="+mn-ea"/>
                     <a:sym typeface="+mn-lt"/>
                   </a:rPr>
-                  <a:t>存在问题及解决措施</a:t>
+                  <a:t>设计（论文）进展状况</a:t>
                 </a:r>
                 <a:endParaRPr lang="zh-CN" altLang="en-US" sz="2400" b="1" dirty="0">
                   <a:solidFill>
@@ -36992,7 +39426,7 @@
             <p:spPr>
               <a:xfrm>
                 <a:off x="234232" y="461665"/>
-                <a:ext cx="1632585" cy="260589"/>
+                <a:ext cx="2105025" cy="260589"/>
               </a:xfrm>
               <a:prstGeom prst="rect">
                 <a:avLst/>
@@ -37014,7 +39448,7 @@
                     <a:cs typeface="+mn-ea"/>
                     <a:sym typeface="+mn-lt"/>
                   </a:rPr>
-                  <a:t>Problems and solutions</a:t>
+                  <a:t>Design (thesis) progress status</a:t>
                 </a:r>
                 <a:endParaRPr lang="en-US" altLang="zh-CN" sz="1100" dirty="0">
                   <a:solidFill>
@@ -37028,109 +39462,16 @@
           </p:sp>
         </p:grpSp>
       </p:grpSp>
-      <p:pic>
-        <p:nvPicPr>
-          <p:cNvPr id="12" name="图片 11"/>
-          <p:cNvPicPr>
-            <a:picLocks noChangeAspect="1"/>
-          </p:cNvPicPr>
-          <p:nvPr/>
-        </p:nvPicPr>
-        <p:blipFill rotWithShape="1">
-          <a:blip r:embed="rId1" cstate="print">
-            <a:extLst>
-              <a:ext uri="{28A0092B-C50C-407E-A947-70E740481C1C}">
-                <a14:useLocalDpi xmlns:a14="http://schemas.microsoft.com/office/drawing/2010/main" val="0"/>
-              </a:ext>
-            </a:extLst>
-          </a:blip>
-          <a:srcRect b="8692"/>
-          <a:stretch>
-            <a:fillRect/>
-          </a:stretch>
-        </p:blipFill>
-        <p:spPr>
-          <a:xfrm>
-            <a:off x="2103120" y="1047115"/>
-            <a:ext cx="1404620" cy="1107440"/>
-          </a:xfrm>
-          <a:prstGeom prst="rect">
-            <a:avLst/>
-          </a:prstGeom>
-        </p:spPr>
-      </p:pic>
-      <p:pic>
-        <p:nvPicPr>
-          <p:cNvPr id="14" name="图片 13"/>
-          <p:cNvPicPr>
-            <a:picLocks noChangeAspect="1"/>
-          </p:cNvPicPr>
-          <p:nvPr/>
-        </p:nvPicPr>
-        <p:blipFill rotWithShape="1">
-          <a:blip r:embed="rId2" cstate="print">
-            <a:extLst>
-              <a:ext uri="{28A0092B-C50C-407E-A947-70E740481C1C}">
-                <a14:useLocalDpi xmlns:a14="http://schemas.microsoft.com/office/drawing/2010/main" val="0"/>
-              </a:ext>
-            </a:extLst>
-          </a:blip>
-          <a:srcRect t="31197" b="29310"/>
-          <a:stretch>
-            <a:fillRect/>
-          </a:stretch>
-        </p:blipFill>
-        <p:spPr>
-          <a:xfrm>
-            <a:off x="2103120" y="3646170"/>
-            <a:ext cx="1404620" cy="1098550"/>
-          </a:xfrm>
-          <a:prstGeom prst="rect">
-            <a:avLst/>
-          </a:prstGeom>
-        </p:spPr>
-      </p:pic>
-      <p:pic>
-        <p:nvPicPr>
-          <p:cNvPr id="16" name="图片 15"/>
-          <p:cNvPicPr>
-            <a:picLocks noChangeAspect="1"/>
-          </p:cNvPicPr>
-          <p:nvPr/>
-        </p:nvPicPr>
-        <p:blipFill rotWithShape="1">
-          <a:blip r:embed="rId3" cstate="print">
-            <a:extLst>
-              <a:ext uri="{28A0092B-C50C-407E-A947-70E740481C1C}">
-                <a14:useLocalDpi xmlns:a14="http://schemas.microsoft.com/office/drawing/2010/main" val="0"/>
-              </a:ext>
-            </a:extLst>
-          </a:blip>
-          <a:srcRect t="35935" b="35451"/>
-          <a:stretch>
-            <a:fillRect/>
-          </a:stretch>
-        </p:blipFill>
-        <p:spPr>
-          <a:xfrm>
-            <a:off x="2103120" y="2351405"/>
-            <a:ext cx="1404620" cy="1097915"/>
-          </a:xfrm>
-          <a:prstGeom prst="rect">
-            <a:avLst/>
-          </a:prstGeom>
-        </p:spPr>
-      </p:pic>
-      <p:sp>
-        <p:nvSpPr>
-          <p:cNvPr id="15" name="文本框 14"/>
+      <p:sp>
+        <p:nvSpPr>
+          <p:cNvPr id="139" name="文本框 138"/>
           <p:cNvSpPr txBox="1"/>
           <p:nvPr/>
         </p:nvSpPr>
         <p:spPr>
           <a:xfrm>
-            <a:off x="3836035" y="1047115"/>
-            <a:ext cx="3597910" cy="1108075"/>
+            <a:off x="4673517" y="2424997"/>
+            <a:ext cx="527709" cy="461665"/>
           </a:xfrm>
           <a:prstGeom prst="rect">
             <a:avLst/>
@@ -37138,63 +39479,150 @@
           <a:noFill/>
         </p:spPr>
         <p:txBody>
-          <a:bodyPr wrap="square">
-            <a:noAutofit/>
+          <a:bodyPr wrap="none" rtlCol="0">
+            <a:spAutoFit/>
           </a:bodyPr>
           <a:lstStyle/>
           <a:p>
-            <a:pPr algn="l"/>
-            <a:r>
-              <a:rPr lang="en-US" altLang="zh-CN" sz="1200" dirty="0">
+            <a:r>
+              <a:rPr lang="en-US" altLang="zh-CN" sz="2400" b="1" dirty="0">
                 <a:solidFill>
-                  <a:schemeClr val="bg2">
-                    <a:lumMod val="50000"/>
-                  </a:schemeClr>
+                  <a:schemeClr val="bg1"/>
                 </a:solidFill>
                 <a:cs typeface="+mn-ea"/>
                 <a:sym typeface="+mn-lt"/>
               </a:rPr>
-              <a:t>       </a:t>
-            </a:r>
-            <a:r>
-              <a:rPr lang="zh-CN" altLang="en-US" sz="1200" dirty="0">
+              <a:t>01</a:t>
+            </a:r>
+            <a:endParaRPr lang="zh-CN" altLang="en-US" sz="2400" b="1" dirty="0">
+              <a:solidFill>
+                <a:schemeClr val="bg1"/>
+              </a:solidFill>
+              <a:cs typeface="+mn-ea"/>
+              <a:sym typeface="+mn-lt"/>
+            </a:endParaRPr>
+          </a:p>
+        </p:txBody>
+      </p:sp>
+      <p:sp>
+        <p:nvSpPr>
+          <p:cNvPr id="140" name="文本框 139"/>
+          <p:cNvSpPr txBox="1"/>
+          <p:nvPr/>
+        </p:nvSpPr>
+        <p:spPr>
+          <a:xfrm>
+            <a:off x="6795503" y="2412347"/>
+            <a:ext cx="527709" cy="461665"/>
+          </a:xfrm>
+          <a:prstGeom prst="rect">
+            <a:avLst/>
+          </a:prstGeom>
+          <a:noFill/>
+        </p:spPr>
+        <p:txBody>
+          <a:bodyPr wrap="none" rtlCol="0">
+            <a:spAutoFit/>
+          </a:bodyPr>
+          <a:lstStyle/>
+          <a:p>
+            <a:r>
+              <a:rPr lang="en-US" altLang="zh-CN" sz="2400" b="1" dirty="0">
                 <a:solidFill>
-                  <a:schemeClr val="bg2">
-                    <a:lumMod val="50000"/>
-                  </a:schemeClr>
+                  <a:schemeClr val="bg1"/>
                 </a:solidFill>
                 <a:cs typeface="+mn-ea"/>
                 <a:sym typeface="+mn-lt"/>
               </a:rPr>
-              <a:t>登陆注册模块今后还会有更多新的功能集成其中，比如，验证码验证功能、记住密码功能、登录注册数据格式规范功能等，待系统主体框架全部完成后，将对这些功能做进一步优化和完善。</a:t>
-            </a:r>
-            <a:endParaRPr lang="zh-CN" altLang="en-US" sz="1200" dirty="0">
+              <a:t>02</a:t>
+            </a:r>
+            <a:endParaRPr lang="zh-CN" altLang="en-US" sz="2400" b="1" dirty="0">
               <a:solidFill>
-                <a:schemeClr val="bg2">
-                  <a:lumMod val="50000"/>
-                </a:schemeClr>
+                <a:schemeClr val="bg1"/>
               </a:solidFill>
               <a:cs typeface="+mn-ea"/>
               <a:sym typeface="+mn-lt"/>
             </a:endParaRPr>
           </a:p>
-          <a:p>
-            <a:endParaRPr lang="zh-CN" altLang="en-US" sz="1200" dirty="0">
+        </p:txBody>
+      </p:sp>
+      <p:sp>
+        <p:nvSpPr>
+          <p:cNvPr id="141" name="文本框 140"/>
+          <p:cNvSpPr txBox="1"/>
+          <p:nvPr/>
+        </p:nvSpPr>
+        <p:spPr>
+          <a:xfrm>
+            <a:off x="4668040" y="4511921"/>
+            <a:ext cx="527709" cy="461665"/>
+          </a:xfrm>
+          <a:prstGeom prst="rect">
+            <a:avLst/>
+          </a:prstGeom>
+          <a:noFill/>
+        </p:spPr>
+        <p:txBody>
+          <a:bodyPr wrap="none" rtlCol="0">
+            <a:spAutoFit/>
+          </a:bodyPr>
+          <a:lstStyle/>
+          <a:p>
+            <a:r>
+              <a:rPr lang="en-US" altLang="zh-CN" sz="2400" b="1" dirty="0">
+                <a:solidFill>
+                  <a:schemeClr val="bg1"/>
+                </a:solidFill>
+                <a:cs typeface="+mn-ea"/>
+                <a:sym typeface="+mn-lt"/>
+              </a:rPr>
+              <a:t>04</a:t>
+            </a:r>
+            <a:endParaRPr lang="zh-CN" altLang="en-US" sz="2400" b="1" dirty="0">
               <a:solidFill>
-                <a:schemeClr val="bg2">
-                  <a:lumMod val="50000"/>
-                </a:schemeClr>
+                <a:schemeClr val="bg1"/>
               </a:solidFill>
               <a:cs typeface="+mn-ea"/>
               <a:sym typeface="+mn-lt"/>
             </a:endParaRPr>
           </a:p>
-          <a:p>
-            <a:endParaRPr lang="zh-CN" altLang="en-US" sz="1200" dirty="0">
+        </p:txBody>
+      </p:sp>
+      <p:sp>
+        <p:nvSpPr>
+          <p:cNvPr id="142" name="文本框 141"/>
+          <p:cNvSpPr txBox="1"/>
+          <p:nvPr/>
+        </p:nvSpPr>
+        <p:spPr>
+          <a:xfrm>
+            <a:off x="6853460" y="4434340"/>
+            <a:ext cx="527709" cy="461665"/>
+          </a:xfrm>
+          <a:prstGeom prst="rect">
+            <a:avLst/>
+          </a:prstGeom>
+          <a:noFill/>
+        </p:spPr>
+        <p:txBody>
+          <a:bodyPr wrap="none" rtlCol="0">
+            <a:spAutoFit/>
+          </a:bodyPr>
+          <a:lstStyle/>
+          <a:p>
+            <a:r>
+              <a:rPr lang="en-US" altLang="zh-CN" sz="2400" b="1" dirty="0">
+                <a:solidFill>
+                  <a:schemeClr val="bg1"/>
+                </a:solidFill>
+                <a:cs typeface="+mn-ea"/>
+                <a:sym typeface="+mn-lt"/>
+              </a:rPr>
+              <a:t>03</a:t>
+            </a:r>
+            <a:endParaRPr lang="zh-CN" altLang="en-US" sz="2400" b="1" dirty="0">
               <a:solidFill>
-                <a:schemeClr val="bg2">
-                  <a:lumMod val="50000"/>
-                </a:schemeClr>
+                <a:schemeClr val="bg1"/>
               </a:solidFill>
               <a:cs typeface="+mn-ea"/>
               <a:sym typeface="+mn-lt"/>
@@ -37204,392 +39632,107 @@
       </p:sp>
       <p:sp>
         <p:nvSpPr>
-          <p:cNvPr id="17" name="文本框 16"/>
+          <p:cNvPr id="8" name="文本框 7"/>
           <p:cNvSpPr txBox="1"/>
           <p:nvPr/>
         </p:nvSpPr>
         <p:spPr>
           <a:xfrm>
-            <a:off x="3836035" y="2351405"/>
-            <a:ext cx="3597910" cy="1101090"/>
+            <a:off x="457835" y="941705"/>
+            <a:ext cx="2065020" cy="368300"/>
           </a:xfrm>
           <a:prstGeom prst="rect">
             <a:avLst/>
           </a:prstGeom>
           <a:noFill/>
-        </p:spPr>
-        <p:txBody>
-          <a:bodyPr wrap="square">
+          <a:extLst>
+            <a:ext uri="{909E8E84-426E-40DD-AFC4-6F175D3DCCD1}">
+              <a14:hiddenFill xmlns:a14="http://schemas.microsoft.com/office/drawing/2010/main">
+                <a:solidFill>
+                  <a:srgbClr val="9D9AAB"/>
+                </a:solidFill>
+              </a14:hiddenFill>
+            </a:ext>
+          </a:extLst>
+        </p:spPr>
+        <p:txBody>
+          <a:bodyPr wrap="square" rtlCol="0">
             <a:noAutofit/>
           </a:bodyPr>
-          <a:lstStyle/>
-          <a:p>
-            <a:r>
-              <a:rPr lang="en-US" altLang="zh-CN" sz="1200" dirty="0">
+          <a:p>
+            <a:pPr algn="ctr"/>
+            <a:r>
+              <a:rPr lang="zh-CN" altLang="en-US">
                 <a:solidFill>
-                  <a:schemeClr val="bg2">
-                    <a:lumMod val="50000"/>
-                  </a:schemeClr>
+                  <a:schemeClr val="bg1"/>
                 </a:solidFill>
-                <a:cs typeface="+mn-ea"/>
-                <a:sym typeface="+mn-lt"/>
               </a:rPr>
-              <a:t>        </a:t>
-            </a:r>
-            <a:r>
-              <a:rPr lang="zh-CN" altLang="en-US" sz="1200" dirty="0">
-                <a:solidFill>
-                  <a:schemeClr val="bg2">
-                    <a:lumMod val="50000"/>
-                  </a:schemeClr>
-                </a:solidFill>
-                <a:cs typeface="+mn-ea"/>
-                <a:sym typeface="+mn-lt"/>
-              </a:rPr>
-              <a:t>主界面模块待完善功能有：在线订餐模块、订单管理模块和用户信息模块，待系统主体框架全部完成后，将对这些功能做进一步优化和完善。</a:t>
-            </a:r>
-            <a:endParaRPr lang="zh-CN" altLang="en-US" sz="1200" dirty="0">
+              <a:t>登录注册界面展示</a:t>
+            </a:r>
+            <a:endParaRPr lang="zh-CN" altLang="en-US">
               <a:solidFill>
-                <a:schemeClr val="bg2">
-                  <a:lumMod val="50000"/>
-                </a:schemeClr>
+                <a:schemeClr val="bg1"/>
               </a:solidFill>
-              <a:cs typeface="+mn-ea"/>
-              <a:sym typeface="+mn-lt"/>
-            </a:endParaRPr>
-          </a:p>
-          <a:p>
-            <a:endParaRPr lang="zh-CN" altLang="en-US" sz="1200" dirty="0">
-              <a:solidFill>
-                <a:schemeClr val="bg2">
-                  <a:lumMod val="50000"/>
-                </a:schemeClr>
-              </a:solidFill>
-              <a:cs typeface="+mn-ea"/>
-              <a:sym typeface="+mn-lt"/>
-            </a:endParaRPr>
-          </a:p>
-          <a:p>
-            <a:endParaRPr lang="zh-CN" altLang="en-US" sz="1200" dirty="0">
-              <a:solidFill>
-                <a:schemeClr val="bg2">
-                  <a:lumMod val="50000"/>
-                </a:schemeClr>
-              </a:solidFill>
-              <a:cs typeface="+mn-ea"/>
-              <a:sym typeface="+mn-lt"/>
-            </a:endParaRPr>
-          </a:p>
-        </p:txBody>
-      </p:sp>
-      <p:sp>
-        <p:nvSpPr>
-          <p:cNvPr id="18" name="文本框 17"/>
-          <p:cNvSpPr txBox="1"/>
-          <p:nvPr/>
-        </p:nvSpPr>
-        <p:spPr>
-          <a:xfrm>
-            <a:off x="3836035" y="3648710"/>
-            <a:ext cx="3431540" cy="1101090"/>
-          </a:xfrm>
-          <a:prstGeom prst="rect">
-            <a:avLst/>
-          </a:prstGeom>
-          <a:noFill/>
-        </p:spPr>
-        <p:txBody>
-          <a:bodyPr wrap="square">
-            <a:noAutofit/>
-          </a:bodyPr>
-          <a:lstStyle/>
-          <a:p>
-            <a:r>
-              <a:rPr lang="en-US" altLang="zh-CN" sz="1200" dirty="0">
-                <a:solidFill>
-                  <a:schemeClr val="bg2">
-                    <a:lumMod val="50000"/>
-                  </a:schemeClr>
-                </a:solidFill>
-                <a:cs typeface="+mn-ea"/>
-                <a:sym typeface="+mn-lt"/>
-              </a:rPr>
-              <a:t>       </a:t>
-            </a:r>
-            <a:r>
-              <a:rPr lang="zh-CN" altLang="en-US" sz="1200" dirty="0">
-                <a:solidFill>
-                  <a:schemeClr val="bg2">
-                    <a:lumMod val="50000"/>
-                  </a:schemeClr>
-                </a:solidFill>
-                <a:cs typeface="+mn-ea"/>
-                <a:sym typeface="+mn-lt"/>
-              </a:rPr>
-              <a:t>系统轮播图功能可能会添加文本信息窗口界面供管理员添加系统文字公告使用，该轮播图当前实现了单一封装功能的开发，后续还需将功能嵌入系统主界面中，待进一步完善系统时实现该功能。</a:t>
-            </a:r>
-            <a:endParaRPr lang="zh-CN" altLang="en-US" sz="1200" dirty="0">
-              <a:solidFill>
-                <a:schemeClr val="bg2">
-                  <a:lumMod val="50000"/>
-                </a:schemeClr>
-              </a:solidFill>
-              <a:cs typeface="+mn-ea"/>
-              <a:sym typeface="+mn-lt"/>
-            </a:endParaRPr>
-          </a:p>
-          <a:p>
-            <a:endParaRPr lang="zh-CN" altLang="en-US" sz="1200" dirty="0">
-              <a:solidFill>
-                <a:schemeClr val="bg2">
-                  <a:lumMod val="50000"/>
-                </a:schemeClr>
-              </a:solidFill>
-              <a:cs typeface="+mn-ea"/>
-              <a:sym typeface="+mn-lt"/>
-            </a:endParaRPr>
-          </a:p>
-          <a:p>
-            <a:endParaRPr lang="zh-CN" altLang="en-US" sz="1200" dirty="0">
-              <a:solidFill>
-                <a:schemeClr val="bg2">
-                  <a:lumMod val="50000"/>
-                </a:schemeClr>
-              </a:solidFill>
-              <a:cs typeface="+mn-ea"/>
-              <a:sym typeface="+mn-lt"/>
-            </a:endParaRPr>
-          </a:p>
-        </p:txBody>
-      </p:sp>
-      <p:sp>
-        <p:nvSpPr>
-          <p:cNvPr id="28" name="任意多边形: 形状 27"/>
-          <p:cNvSpPr/>
-          <p:nvPr/>
-        </p:nvSpPr>
-        <p:spPr>
-          <a:xfrm>
-            <a:off x="8074063" y="2154798"/>
-            <a:ext cx="4125657" cy="2548403"/>
-          </a:xfrm>
-          <a:custGeom>
-            <a:avLst/>
-            <a:gdLst>
-              <a:gd name="connsiteX0" fmla="*/ 1044223 w 3381024"/>
-              <a:gd name="connsiteY0" fmla="*/ 0 h 2088446"/>
-              <a:gd name="connsiteX1" fmla="*/ 1044243 w 3381024"/>
-              <a:gd name="connsiteY1" fmla="*/ 1 h 2088446"/>
-              <a:gd name="connsiteX2" fmla="*/ 3381024 w 3381024"/>
-              <a:gd name="connsiteY2" fmla="*/ 1 h 2088446"/>
-              <a:gd name="connsiteX3" fmla="*/ 3381024 w 3381024"/>
-              <a:gd name="connsiteY3" fmla="*/ 2088446 h 2088446"/>
-              <a:gd name="connsiteX4" fmla="*/ 1044223 w 3381024"/>
-              <a:gd name="connsiteY4" fmla="*/ 2088446 h 2088446"/>
-              <a:gd name="connsiteX5" fmla="*/ 0 w 3381024"/>
-              <a:gd name="connsiteY5" fmla="*/ 1044223 h 2088446"/>
-              <a:gd name="connsiteX6" fmla="*/ 1044223 w 3381024"/>
-              <a:gd name="connsiteY6" fmla="*/ 0 h 2088446"/>
-            </a:gdLst>
-            <a:ahLst/>
-            <a:cxnLst>
-              <a:cxn ang="0">
-                <a:pos x="connsiteX0" y="connsiteY0"/>
-              </a:cxn>
-              <a:cxn ang="0">
-                <a:pos x="connsiteX1" y="connsiteY1"/>
-              </a:cxn>
-              <a:cxn ang="0">
-                <a:pos x="connsiteX2" y="connsiteY2"/>
-              </a:cxn>
-              <a:cxn ang="0">
-                <a:pos x="connsiteX3" y="connsiteY3"/>
-              </a:cxn>
-              <a:cxn ang="0">
-                <a:pos x="connsiteX4" y="connsiteY4"/>
-              </a:cxn>
-              <a:cxn ang="0">
-                <a:pos x="connsiteX5" y="connsiteY5"/>
-              </a:cxn>
-              <a:cxn ang="0">
-                <a:pos x="connsiteX6" y="connsiteY6"/>
-              </a:cxn>
-            </a:cxnLst>
-            <a:rect l="l" t="t" r="r" b="b"/>
-            <a:pathLst>
-              <a:path w="3381024" h="2088446">
-                <a:moveTo>
-                  <a:pt x="1044223" y="0"/>
-                </a:moveTo>
-                <a:lnTo>
-                  <a:pt x="1044243" y="1"/>
-                </a:lnTo>
-                <a:lnTo>
-                  <a:pt x="3381024" y="1"/>
-                </a:lnTo>
-                <a:lnTo>
-                  <a:pt x="3381024" y="2088446"/>
-                </a:lnTo>
-                <a:lnTo>
-                  <a:pt x="1044223" y="2088446"/>
-                </a:lnTo>
-                <a:cubicBezTo>
-                  <a:pt x="467515" y="2088446"/>
-                  <a:pt x="0" y="1620931"/>
-                  <a:pt x="0" y="1044223"/>
-                </a:cubicBezTo>
-                <a:cubicBezTo>
-                  <a:pt x="0" y="467515"/>
-                  <a:pt x="467515" y="0"/>
-                  <a:pt x="1044223" y="0"/>
-                </a:cubicBezTo>
-                <a:close/>
-              </a:path>
-            </a:pathLst>
-          </a:custGeom>
-          <a:blipFill dpi="0" rotWithShape="1">
-            <a:blip r:embed="rId4"/>
-            <a:srcRect/>
-            <a:tile tx="0" ty="0" sx="100000" sy="100000" flip="none" algn="tl"/>
-          </a:blipFill>
-          <a:ln w="25400">
-            <a:solidFill>
-              <a:srgbClr val="9D9AAB"/>
-            </a:solidFill>
-          </a:ln>
-        </p:spPr>
-        <p:style>
-          <a:lnRef idx="2">
-            <a:schemeClr val="accent1">
-              <a:shade val="50000"/>
-            </a:schemeClr>
-          </a:lnRef>
-          <a:fillRef idx="1">
-            <a:schemeClr val="accent1"/>
-          </a:fillRef>
-          <a:effectRef idx="0">
-            <a:schemeClr val="accent1"/>
-          </a:effectRef>
-          <a:fontRef idx="minor">
-            <a:schemeClr val="lt1"/>
-          </a:fontRef>
-        </p:style>
-        <p:txBody>
-          <a:bodyPr wrap="square" rtlCol="0" anchor="ctr">
-            <a:noAutofit/>
-          </a:bodyPr>
-          <a:p>
-            <a:pPr algn="ctr"/>
-            <a:endParaRPr lang="zh-CN" altLang="en-US">
-              <a:cs typeface="+mn-ea"/>
-              <a:sym typeface="+mn-lt"/>
             </a:endParaRPr>
           </a:p>
         </p:txBody>
       </p:sp>
       <p:pic>
         <p:nvPicPr>
-          <p:cNvPr id="13" name="图片 12" descr="下载"/>
+          <p:cNvPr id="7" name="图片 6"/>
           <p:cNvPicPr>
             <a:picLocks noChangeAspect="1"/>
           </p:cNvPicPr>
           <p:nvPr/>
         </p:nvPicPr>
         <p:blipFill>
-          <a:blip r:embed="rId5"/>
+          <a:blip r:embed="rId1"/>
           <a:stretch>
             <a:fillRect/>
           </a:stretch>
         </p:blipFill>
         <p:spPr>
           <a:xfrm>
-            <a:off x="2103120" y="5056505"/>
-            <a:ext cx="1404620" cy="1316990"/>
-          </a:xfrm>
-          <a:prstGeom prst="rect">
-            <a:avLst/>
-          </a:prstGeom>
-        </p:spPr>
-      </p:pic>
-      <p:sp>
-        <p:nvSpPr>
-          <p:cNvPr id="19" name="文本框 18"/>
-          <p:cNvSpPr txBox="1"/>
-          <p:nvPr/>
-        </p:nvSpPr>
-        <p:spPr>
-          <a:xfrm>
-            <a:off x="3836035" y="5056505"/>
-            <a:ext cx="3431540" cy="1101090"/>
+            <a:off x="1831975" y="1561465"/>
+            <a:ext cx="3685540" cy="3952875"/>
           </a:xfrm>
           <a:prstGeom prst="rect">
             <a:avLst/>
           </a:prstGeom>
           <a:noFill/>
-        </p:spPr>
-        <p:txBody>
-          <a:bodyPr wrap="square">
-            <a:noAutofit/>
-          </a:bodyPr>
-          <a:p>
-            <a:r>
-              <a:rPr lang="en-US" altLang="zh-CN" sz="1200" dirty="0">
-                <a:solidFill>
-                  <a:schemeClr val="bg2">
-                    <a:lumMod val="50000"/>
-                  </a:schemeClr>
-                </a:solidFill>
-                <a:cs typeface="+mn-ea"/>
-                <a:sym typeface="+mn-lt"/>
-              </a:rPr>
-              <a:t>       </a:t>
-            </a:r>
-            <a:r>
-              <a:rPr lang="zh-CN" altLang="en-US" sz="1200" dirty="0">
-                <a:solidFill>
-                  <a:schemeClr val="bg2">
-                    <a:lumMod val="50000"/>
-                  </a:schemeClr>
-                </a:solidFill>
-                <a:cs typeface="+mn-ea"/>
-                <a:sym typeface="+mn-lt"/>
-              </a:rPr>
-              <a:t>管理员界面模块已有功能过于单一，功能进一步完善需要在后续研发中完成订餐模块、订单模块和用户信息模块后，再对管理界面模块进行进一步对应的扩展。</a:t>
-            </a:r>
-            <a:endParaRPr lang="zh-CN" altLang="en-US" sz="1200" dirty="0">
-              <a:solidFill>
-                <a:schemeClr val="bg2">
-                  <a:lumMod val="50000"/>
-                </a:schemeClr>
-              </a:solidFill>
-              <a:cs typeface="+mn-ea"/>
-              <a:sym typeface="+mn-lt"/>
-            </a:endParaRPr>
-          </a:p>
-          <a:p>
-            <a:endParaRPr lang="zh-CN" altLang="en-US" sz="1200" dirty="0">
-              <a:solidFill>
-                <a:schemeClr val="bg2">
-                  <a:lumMod val="50000"/>
-                </a:schemeClr>
-              </a:solidFill>
-              <a:cs typeface="+mn-ea"/>
-              <a:sym typeface="+mn-lt"/>
-            </a:endParaRPr>
-          </a:p>
-          <a:p>
-            <a:endParaRPr lang="zh-CN" altLang="en-US" sz="1200" dirty="0">
-              <a:solidFill>
-                <a:schemeClr val="bg2">
-                  <a:lumMod val="50000"/>
-                </a:schemeClr>
-              </a:solidFill>
-              <a:cs typeface="+mn-ea"/>
-              <a:sym typeface="+mn-lt"/>
-            </a:endParaRPr>
-          </a:p>
-        </p:txBody>
-      </p:sp>
+          <a:ln>
+            <a:noFill/>
+          </a:ln>
+        </p:spPr>
+      </p:pic>
+      <p:pic>
+        <p:nvPicPr>
+          <p:cNvPr id="13" name="图片 7"/>
+          <p:cNvPicPr>
+            <a:picLocks noChangeAspect="1"/>
+          </p:cNvPicPr>
+          <p:nvPr/>
+        </p:nvPicPr>
+        <p:blipFill>
+          <a:blip r:embed="rId2"/>
+          <a:stretch>
+            <a:fillRect/>
+          </a:stretch>
+        </p:blipFill>
+        <p:spPr>
+          <a:xfrm>
+            <a:off x="6254115" y="1561465"/>
+            <a:ext cx="3705860" cy="3977005"/>
+          </a:xfrm>
+          <a:prstGeom prst="rect">
+            <a:avLst/>
+          </a:prstGeom>
+          <a:noFill/>
+          <a:ln>
+            <a:noFill/>
+          </a:ln>
+        </p:spPr>
+      </p:pic>
     </p:spTree>
   </p:cSld>
   <p:clrMapOvr>
@@ -37598,7 +39741,7 @@
 </p:sld>
 </file>
 
-<file path=ppt/slides/slide9.xml><?xml version="1.0" encoding="utf-8"?>
+<file path=ppt/slides/slide8.xml><?xml version="1.0" encoding="utf-8"?>
 <p:sld xmlns:a="http://schemas.openxmlformats.org/drawingml/2006/main" xmlns:r="http://schemas.openxmlformats.org/officeDocument/2006/relationships" xmlns:p="http://schemas.openxmlformats.org/presentationml/2006/main">
   <p:cSld>
     <p:spTree>
@@ -37615,6 +39758,53 @@
           <a:chExt cx="0" cy="0"/>
         </a:xfrm>
       </p:grpSpPr>
+      <p:sp>
+        <p:nvSpPr>
+          <p:cNvPr id="11" name="圆角矩形 10"/>
+          <p:cNvSpPr/>
+          <p:nvPr/>
+        </p:nvSpPr>
+        <p:spPr>
+          <a:xfrm>
+            <a:off x="457835" y="944880"/>
+            <a:ext cx="2065655" cy="361950"/>
+          </a:xfrm>
+          <a:prstGeom prst="roundRect">
+            <a:avLst/>
+          </a:prstGeom>
+          <a:solidFill>
+            <a:srgbClr val="9D9AAB"/>
+          </a:solidFill>
+          <a:ln>
+            <a:solidFill>
+              <a:srgbClr val="9D9AAB"/>
+            </a:solidFill>
+          </a:ln>
+        </p:spPr>
+        <p:style>
+          <a:lnRef idx="2">
+            <a:schemeClr val="accent1">
+              <a:lumMod val="75000"/>
+            </a:schemeClr>
+          </a:lnRef>
+          <a:fillRef idx="1">
+            <a:schemeClr val="accent1"/>
+          </a:fillRef>
+          <a:effectRef idx="0">
+            <a:srgbClr val="FFFFFF"/>
+          </a:effectRef>
+          <a:fontRef idx="minor">
+            <a:schemeClr val="lt1"/>
+          </a:fontRef>
+        </p:style>
+        <p:txBody>
+          <a:bodyPr rtlCol="0" anchor="ctr"/>
+          <a:p>
+            <a:pPr algn="ctr"/>
+            <a:endParaRPr lang="zh-CN" altLang="en-US"/>
+          </a:p>
+        </p:txBody>
+      </p:sp>
       <p:grpSp>
         <p:nvGrpSpPr>
           <p:cNvPr id="2" name="组合 1"/>
@@ -37623,636 +39813,29 @@
         </p:nvGrpSpPr>
         <p:grpSpPr>
           <a:xfrm>
-            <a:off x="-374944" y="-1748697"/>
-            <a:ext cx="2500783" cy="4318114"/>
-            <a:chOff x="-374944" y="-1748697"/>
-            <a:chExt cx="2500783" cy="4318114"/>
+            <a:off x="-3366" y="0"/>
+            <a:ext cx="12195366" cy="747132"/>
+            <a:chOff x="-3366" y="0"/>
+            <a:chExt cx="12195366" cy="747132"/>
           </a:xfrm>
         </p:grpSpPr>
         <p:sp>
           <p:nvSpPr>
-            <p:cNvPr id="3" name="矩形: 圆角 2"/>
-            <p:cNvSpPr/>
-            <p:nvPr/>
-          </p:nvSpPr>
-          <p:spPr>
-            <a:xfrm rot="19056966">
-              <a:off x="-374944" y="-1649268"/>
-              <a:ext cx="207479" cy="2824914"/>
-            </a:xfrm>
-            <a:prstGeom prst="roundRect">
-              <a:avLst/>
-            </a:prstGeom>
-            <a:solidFill>
-              <a:srgbClr val="D7CFCD"/>
-            </a:solidFill>
-            <a:ln>
-              <a:noFill/>
-            </a:ln>
-          </p:spPr>
-          <p:style>
-            <a:lnRef idx="2">
-              <a:schemeClr val="accent1">
-                <a:shade val="50000"/>
-              </a:schemeClr>
-            </a:lnRef>
-            <a:fillRef idx="1">
-              <a:schemeClr val="accent1"/>
-            </a:fillRef>
-            <a:effectRef idx="0">
-              <a:schemeClr val="accent1"/>
-            </a:effectRef>
-            <a:fontRef idx="minor">
-              <a:schemeClr val="lt1"/>
-            </a:fontRef>
-          </p:style>
-          <p:txBody>
-            <a:bodyPr rtlCol="0" anchor="ctr"/>
-            <a:lstStyle/>
-            <a:p>
-              <a:pPr algn="ctr"/>
-              <a:endParaRPr lang="zh-CN" altLang="en-US">
-                <a:cs typeface="+mn-ea"/>
-                <a:sym typeface="+mn-lt"/>
-              </a:endParaRPr>
-            </a:p>
-          </p:txBody>
-        </p:sp>
-        <p:sp>
-          <p:nvSpPr>
-            <p:cNvPr id="4" name="矩形: 圆角 3"/>
-            <p:cNvSpPr/>
-            <p:nvPr/>
-          </p:nvSpPr>
-          <p:spPr>
-            <a:xfrm rot="19056966">
-              <a:off x="445790" y="-72399"/>
-              <a:ext cx="194031" cy="2641816"/>
-            </a:xfrm>
-            <a:prstGeom prst="roundRect">
-              <a:avLst/>
-            </a:prstGeom>
-            <a:solidFill>
-              <a:srgbClr val="D7CFCD"/>
-            </a:solidFill>
-            <a:ln>
-              <a:noFill/>
-            </a:ln>
-          </p:spPr>
-          <p:style>
-            <a:lnRef idx="2">
-              <a:schemeClr val="accent1">
-                <a:shade val="50000"/>
-              </a:schemeClr>
-            </a:lnRef>
-            <a:fillRef idx="1">
-              <a:schemeClr val="accent1"/>
-            </a:fillRef>
-            <a:effectRef idx="0">
-              <a:schemeClr val="accent1"/>
-            </a:effectRef>
-            <a:fontRef idx="minor">
-              <a:schemeClr val="lt1"/>
-            </a:fontRef>
-          </p:style>
-          <p:txBody>
-            <a:bodyPr rtlCol="0" anchor="ctr"/>
-            <a:lstStyle/>
-            <a:p>
-              <a:pPr algn="ctr"/>
-              <a:endParaRPr lang="zh-CN" altLang="en-US">
-                <a:cs typeface="+mn-ea"/>
-                <a:sym typeface="+mn-lt"/>
-              </a:endParaRPr>
-            </a:p>
-          </p:txBody>
-        </p:sp>
-        <p:sp>
-          <p:nvSpPr>
-            <p:cNvPr id="5" name="矩形: 圆角 4"/>
-            <p:cNvSpPr/>
-            <p:nvPr/>
-          </p:nvSpPr>
-          <p:spPr>
-            <a:xfrm rot="19056966">
-              <a:off x="573338" y="-1080956"/>
-              <a:ext cx="194031" cy="2641816"/>
-            </a:xfrm>
-            <a:prstGeom prst="roundRect">
-              <a:avLst/>
-            </a:prstGeom>
-            <a:solidFill>
-              <a:srgbClr val="D7CFCD"/>
-            </a:solidFill>
-            <a:ln>
-              <a:noFill/>
-            </a:ln>
-          </p:spPr>
-          <p:style>
-            <a:lnRef idx="2">
-              <a:schemeClr val="accent1">
-                <a:shade val="50000"/>
-              </a:schemeClr>
-            </a:lnRef>
-            <a:fillRef idx="1">
-              <a:schemeClr val="accent1"/>
-            </a:fillRef>
-            <a:effectRef idx="0">
-              <a:schemeClr val="accent1"/>
-            </a:effectRef>
-            <a:fontRef idx="minor">
-              <a:schemeClr val="lt1"/>
-            </a:fontRef>
-          </p:style>
-          <p:txBody>
-            <a:bodyPr rtlCol="0" anchor="ctr"/>
-            <a:lstStyle/>
-            <a:p>
-              <a:pPr algn="ctr"/>
-              <a:endParaRPr lang="zh-CN" altLang="en-US">
-                <a:cs typeface="+mn-ea"/>
-                <a:sym typeface="+mn-lt"/>
-              </a:endParaRPr>
-            </a:p>
-          </p:txBody>
-        </p:sp>
-        <p:sp>
-          <p:nvSpPr>
-            <p:cNvPr id="6" name="矩形: 圆角 5"/>
-            <p:cNvSpPr/>
-            <p:nvPr/>
-          </p:nvSpPr>
-          <p:spPr>
-            <a:xfrm rot="19056966">
-              <a:off x="1188799" y="-960879"/>
-              <a:ext cx="194031" cy="2641816"/>
-            </a:xfrm>
-            <a:prstGeom prst="roundRect">
-              <a:avLst/>
-            </a:prstGeom>
-            <a:solidFill>
-              <a:srgbClr val="D7CFCD"/>
-            </a:solidFill>
-            <a:ln>
-              <a:noFill/>
-            </a:ln>
-          </p:spPr>
-          <p:style>
-            <a:lnRef idx="2">
-              <a:schemeClr val="accent1">
-                <a:shade val="50000"/>
-              </a:schemeClr>
-            </a:lnRef>
-            <a:fillRef idx="1">
-              <a:schemeClr val="accent1"/>
-            </a:fillRef>
-            <a:effectRef idx="0">
-              <a:schemeClr val="accent1"/>
-            </a:effectRef>
-            <a:fontRef idx="minor">
-              <a:schemeClr val="lt1"/>
-            </a:fontRef>
-          </p:style>
-          <p:txBody>
-            <a:bodyPr rtlCol="0" anchor="ctr"/>
-            <a:lstStyle/>
-            <a:p>
-              <a:pPr algn="ctr"/>
-              <a:endParaRPr lang="zh-CN" altLang="en-US">
-                <a:cs typeface="+mn-ea"/>
-                <a:sym typeface="+mn-lt"/>
-              </a:endParaRPr>
-            </a:p>
-          </p:txBody>
-        </p:sp>
-        <p:sp>
-          <p:nvSpPr>
-            <p:cNvPr id="7" name="矩形: 圆角 6"/>
-            <p:cNvSpPr/>
-            <p:nvPr/>
-          </p:nvSpPr>
-          <p:spPr>
-            <a:xfrm rot="19056966">
-              <a:off x="1013473" y="-1748697"/>
-              <a:ext cx="194031" cy="2641816"/>
-            </a:xfrm>
-            <a:prstGeom prst="roundRect">
-              <a:avLst/>
-            </a:prstGeom>
-            <a:solidFill>
-              <a:srgbClr val="D7CFCD"/>
-            </a:solidFill>
-            <a:ln>
-              <a:noFill/>
-            </a:ln>
-          </p:spPr>
-          <p:style>
-            <a:lnRef idx="2">
-              <a:schemeClr val="accent1">
-                <a:shade val="50000"/>
-              </a:schemeClr>
-            </a:lnRef>
-            <a:fillRef idx="1">
-              <a:schemeClr val="accent1"/>
-            </a:fillRef>
-            <a:effectRef idx="0">
-              <a:schemeClr val="accent1"/>
-            </a:effectRef>
-            <a:fontRef idx="minor">
-              <a:schemeClr val="lt1"/>
-            </a:fontRef>
-          </p:style>
-          <p:txBody>
-            <a:bodyPr rtlCol="0" anchor="ctr"/>
-            <a:lstStyle/>
-            <a:p>
-              <a:pPr algn="ctr"/>
-              <a:endParaRPr lang="zh-CN" altLang="en-US">
-                <a:cs typeface="+mn-ea"/>
-                <a:sym typeface="+mn-lt"/>
-              </a:endParaRPr>
-            </a:p>
-          </p:txBody>
-        </p:sp>
-        <p:sp>
-          <p:nvSpPr>
-            <p:cNvPr id="8" name="矩形: 圆角 7"/>
-            <p:cNvSpPr/>
-            <p:nvPr/>
-          </p:nvSpPr>
-          <p:spPr>
-            <a:xfrm rot="19056966">
-              <a:off x="-313993" y="-279827"/>
-              <a:ext cx="194031" cy="2641816"/>
-            </a:xfrm>
-            <a:prstGeom prst="roundRect">
-              <a:avLst/>
-            </a:prstGeom>
-            <a:solidFill>
-              <a:srgbClr val="D7CFCD"/>
-            </a:solidFill>
-            <a:ln>
-              <a:noFill/>
-            </a:ln>
-          </p:spPr>
-          <p:style>
-            <a:lnRef idx="2">
-              <a:schemeClr val="accent1">
-                <a:shade val="50000"/>
-              </a:schemeClr>
-            </a:lnRef>
-            <a:fillRef idx="1">
-              <a:schemeClr val="accent1"/>
-            </a:fillRef>
-            <a:effectRef idx="0">
-              <a:schemeClr val="accent1"/>
-            </a:effectRef>
-            <a:fontRef idx="minor">
-              <a:schemeClr val="lt1"/>
-            </a:fontRef>
-          </p:style>
-          <p:txBody>
-            <a:bodyPr rtlCol="0" anchor="ctr"/>
-            <a:lstStyle/>
-            <a:p>
-              <a:pPr algn="ctr"/>
-              <a:endParaRPr lang="zh-CN" altLang="en-US">
-                <a:cs typeface="+mn-ea"/>
-                <a:sym typeface="+mn-lt"/>
-              </a:endParaRPr>
-            </a:p>
-          </p:txBody>
-        </p:sp>
-        <p:sp>
-          <p:nvSpPr>
-            <p:cNvPr id="9" name="矩形: 圆角 8"/>
-            <p:cNvSpPr/>
-            <p:nvPr/>
-          </p:nvSpPr>
-          <p:spPr>
-            <a:xfrm rot="19056966">
-              <a:off x="1931808" y="-1320908"/>
-              <a:ext cx="194031" cy="2641816"/>
-            </a:xfrm>
-            <a:prstGeom prst="roundRect">
-              <a:avLst/>
-            </a:prstGeom>
-            <a:solidFill>
-              <a:srgbClr val="D7CFCD"/>
-            </a:solidFill>
-            <a:ln>
-              <a:noFill/>
-            </a:ln>
-          </p:spPr>
-          <p:style>
-            <a:lnRef idx="2">
-              <a:schemeClr val="accent1">
-                <a:shade val="50000"/>
-              </a:schemeClr>
-            </a:lnRef>
-            <a:fillRef idx="1">
-              <a:schemeClr val="accent1"/>
-            </a:fillRef>
-            <a:effectRef idx="0">
-              <a:schemeClr val="accent1"/>
-            </a:effectRef>
-            <a:fontRef idx="minor">
-              <a:schemeClr val="lt1"/>
-            </a:fontRef>
-          </p:style>
-          <p:txBody>
-            <a:bodyPr rtlCol="0" anchor="ctr"/>
-            <a:lstStyle/>
-            <a:p>
-              <a:pPr algn="ctr"/>
-              <a:endParaRPr lang="zh-CN" altLang="en-US">
-                <a:cs typeface="+mn-ea"/>
-                <a:sym typeface="+mn-lt"/>
-              </a:endParaRPr>
-            </a:p>
-          </p:txBody>
-        </p:sp>
-      </p:grpSp>
-      <p:sp>
-        <p:nvSpPr>
-          <p:cNvPr id="10" name="矩形 9"/>
-          <p:cNvSpPr/>
-          <p:nvPr/>
-        </p:nvSpPr>
-        <p:spPr>
-          <a:xfrm>
-            <a:off x="8942496" y="0"/>
-            <a:ext cx="3252186" cy="6858000"/>
-          </a:xfrm>
-          <a:prstGeom prst="rect">
-            <a:avLst/>
-          </a:prstGeom>
-          <a:solidFill>
-            <a:srgbClr val="9D9AAB"/>
-          </a:solidFill>
-          <a:ln>
-            <a:noFill/>
-          </a:ln>
-        </p:spPr>
-        <p:style>
-          <a:lnRef idx="2">
-            <a:schemeClr val="accent1">
-              <a:shade val="50000"/>
-            </a:schemeClr>
-          </a:lnRef>
-          <a:fillRef idx="1">
-            <a:schemeClr val="accent1"/>
-          </a:fillRef>
-          <a:effectRef idx="0">
-            <a:schemeClr val="accent1"/>
-          </a:effectRef>
-          <a:fontRef idx="minor">
-            <a:schemeClr val="lt1"/>
-          </a:fontRef>
-        </p:style>
-        <p:txBody>
-          <a:bodyPr rtlCol="0" anchor="ctr"/>
-          <a:lstStyle/>
-          <a:p>
-            <a:pPr algn="ctr"/>
-            <a:endParaRPr lang="zh-CN" altLang="en-US">
-              <a:cs typeface="+mn-ea"/>
-              <a:sym typeface="+mn-lt"/>
-            </a:endParaRPr>
-          </a:p>
-        </p:txBody>
-      </p:sp>
-      <p:grpSp>
-        <p:nvGrpSpPr>
-          <p:cNvPr id="16" name="组合 15"/>
-          <p:cNvGrpSpPr/>
-          <p:nvPr/>
-        </p:nvGrpSpPr>
-        <p:grpSpPr>
-          <a:xfrm>
-            <a:off x="4449526" y="2198325"/>
-            <a:ext cx="1218383" cy="1038425"/>
-            <a:chOff x="4003103" y="1620496"/>
-            <a:chExt cx="1218383" cy="1038425"/>
-          </a:xfrm>
-        </p:grpSpPr>
-        <p:sp>
-          <p:nvSpPr>
-            <p:cNvPr id="11" name="文本框 10"/>
-            <p:cNvSpPr txBox="1"/>
-            <p:nvPr/>
-          </p:nvSpPr>
-          <p:spPr>
-            <a:xfrm>
-              <a:off x="4003103" y="1620496"/>
-              <a:ext cx="954107" cy="923330"/>
-            </a:xfrm>
-            <a:prstGeom prst="rect">
-              <a:avLst/>
-            </a:prstGeom>
-            <a:noFill/>
-          </p:spPr>
-          <p:txBody>
-            <a:bodyPr wrap="none" rtlCol="0">
-              <a:spAutoFit/>
-            </a:bodyPr>
-            <a:lstStyle/>
-            <a:p>
-              <a:r>
-                <a:rPr lang="en-US" altLang="zh-CN" sz="5400" b="1" dirty="0">
-                  <a:solidFill>
-                    <a:srgbClr val="948C89"/>
-                  </a:solidFill>
-                  <a:cs typeface="+mn-ea"/>
-                  <a:sym typeface="+mn-lt"/>
-                </a:rPr>
-                <a:t>03</a:t>
-              </a:r>
-              <a:endParaRPr lang="zh-CN" altLang="en-US" sz="5400" b="1" dirty="0">
-                <a:solidFill>
-                  <a:srgbClr val="948C89"/>
-                </a:solidFill>
-                <a:cs typeface="+mn-ea"/>
-                <a:sym typeface="+mn-lt"/>
-              </a:endParaRPr>
-            </a:p>
-          </p:txBody>
-        </p:sp>
-        <p:sp>
-          <p:nvSpPr>
-            <p:cNvPr id="12" name="文本框 11"/>
-            <p:cNvSpPr txBox="1"/>
-            <p:nvPr/>
-          </p:nvSpPr>
-          <p:spPr>
-            <a:xfrm>
-              <a:off x="4023722" y="2289589"/>
-              <a:ext cx="1197764" cy="369332"/>
-            </a:xfrm>
-            <a:prstGeom prst="rect">
-              <a:avLst/>
-            </a:prstGeom>
-            <a:noFill/>
-          </p:spPr>
-          <p:txBody>
-            <a:bodyPr wrap="none" rtlCol="0">
-              <a:spAutoFit/>
-            </a:bodyPr>
-            <a:lstStyle/>
-            <a:p>
-              <a:r>
-                <a:rPr lang="en-US" altLang="zh-CN" dirty="0">
-                  <a:solidFill>
-                    <a:srgbClr val="948C89"/>
-                  </a:solidFill>
-                  <a:cs typeface="+mn-ea"/>
-                  <a:sym typeface="+mn-lt"/>
-                </a:rPr>
-                <a:t>Part three</a:t>
-              </a:r>
-              <a:endParaRPr lang="zh-CN" altLang="en-US" dirty="0">
-                <a:solidFill>
-                  <a:srgbClr val="948C89"/>
-                </a:solidFill>
-                <a:cs typeface="+mn-ea"/>
-                <a:sym typeface="+mn-lt"/>
-              </a:endParaRPr>
-            </a:p>
-          </p:txBody>
-        </p:sp>
-      </p:grpSp>
-      <p:grpSp>
-        <p:nvGrpSpPr>
-          <p:cNvPr id="13" name="组合 12"/>
-          <p:cNvGrpSpPr/>
-          <p:nvPr/>
-        </p:nvGrpSpPr>
-        <p:grpSpPr>
-          <a:xfrm>
-            <a:off x="3082986" y="3205973"/>
-            <a:ext cx="3688080" cy="982206"/>
-            <a:chOff x="5494532" y="695627"/>
-            <a:chExt cx="3688080" cy="982206"/>
-          </a:xfrm>
-        </p:grpSpPr>
-        <p:sp>
-          <p:nvSpPr>
-            <p:cNvPr id="14" name="文本框 13"/>
-            <p:cNvSpPr txBox="1"/>
-            <p:nvPr/>
-          </p:nvSpPr>
-          <p:spPr>
-            <a:xfrm>
-              <a:off x="5494532" y="695627"/>
-              <a:ext cx="3688080" cy="706755"/>
-            </a:xfrm>
-            <a:prstGeom prst="rect">
-              <a:avLst/>
-            </a:prstGeom>
-            <a:noFill/>
-          </p:spPr>
-          <p:txBody>
-            <a:bodyPr wrap="none" rtlCol="0">
-              <a:spAutoFit/>
-            </a:bodyPr>
-            <a:lstStyle/>
-            <a:p>
-              <a:pPr algn="l"/>
-              <a:r>
-                <a:rPr lang="zh-CN" altLang="en-US" sz="4000" b="1" spc="600" dirty="0">
-                  <a:solidFill>
-                    <a:srgbClr val="9D9AAB"/>
-                  </a:solidFill>
-                  <a:cs typeface="+mn-ea"/>
-                  <a:sym typeface="+mn-lt"/>
-                </a:rPr>
-                <a:t>后期工作安排</a:t>
-              </a:r>
-              <a:endParaRPr lang="zh-CN" altLang="en-US" sz="4000" b="1" spc="600" dirty="0">
-                <a:solidFill>
-                  <a:srgbClr val="9D9AAB"/>
-                </a:solidFill>
-                <a:cs typeface="+mn-ea"/>
-                <a:sym typeface="+mn-lt"/>
-              </a:endParaRPr>
-            </a:p>
-          </p:txBody>
-        </p:sp>
-        <p:sp>
-          <p:nvSpPr>
-            <p:cNvPr id="15" name="文本框 14"/>
-            <p:cNvSpPr txBox="1"/>
-            <p:nvPr/>
-          </p:nvSpPr>
-          <p:spPr>
-            <a:xfrm>
-              <a:off x="6401492" y="1402243"/>
-              <a:ext cx="1874520" cy="275590"/>
-            </a:xfrm>
-            <a:prstGeom prst="rect">
-              <a:avLst/>
-            </a:prstGeom>
-            <a:noFill/>
-          </p:spPr>
-          <p:txBody>
-            <a:bodyPr wrap="none" rtlCol="0">
-              <a:spAutoFit/>
-            </a:bodyPr>
-            <a:lstStyle/>
-            <a:p>
-              <a:pPr algn="l"/>
-              <a:r>
-                <a:rPr lang="en-US" altLang="zh-CN" sz="1200" dirty="0">
-                  <a:solidFill>
-                    <a:srgbClr val="9D9AAB"/>
-                  </a:solidFill>
-                  <a:cs typeface="+mn-ea"/>
-                  <a:sym typeface="+mn-lt"/>
-                </a:rPr>
-                <a:t>Later work arrangements</a:t>
-              </a:r>
-              <a:endParaRPr lang="zh-CN" altLang="en-US" sz="1200" dirty="0">
-                <a:solidFill>
-                  <a:srgbClr val="9D9AAB"/>
-                </a:solidFill>
-                <a:cs typeface="+mn-ea"/>
-                <a:sym typeface="+mn-lt"/>
-              </a:endParaRPr>
-            </a:p>
-          </p:txBody>
-        </p:sp>
-      </p:grpSp>
-      <p:grpSp>
-        <p:nvGrpSpPr>
-          <p:cNvPr id="21" name="组合 20"/>
-          <p:cNvGrpSpPr/>
-          <p:nvPr/>
-        </p:nvGrpSpPr>
-        <p:grpSpPr>
-          <a:xfrm>
-            <a:off x="-122017" y="-778609"/>
-            <a:ext cx="8157726" cy="7800527"/>
-            <a:chOff x="-224465" y="-674213"/>
-            <a:chExt cx="8157726" cy="7800527"/>
-          </a:xfrm>
-        </p:grpSpPr>
-        <p:sp>
-          <p:nvSpPr>
-            <p:cNvPr id="22" name="椭圆 21"/>
+            <p:cNvPr id="3" name="矩形 2"/>
             <p:cNvSpPr/>
             <p:nvPr/>
           </p:nvSpPr>
           <p:spPr>
             <a:xfrm>
-              <a:off x="159129" y="2008283"/>
-              <a:ext cx="1639229" cy="1639229"/>
+              <a:off x="0" y="0"/>
+              <a:ext cx="12192000" cy="747132"/>
             </a:xfrm>
-            <a:prstGeom prst="ellipse">
+            <a:prstGeom prst="rect">
               <a:avLst/>
             </a:prstGeom>
             <a:solidFill>
               <a:srgbClr val="D7CFCD">
-                <a:alpha val="29000"/>
+                <a:alpha val="63000"/>
               </a:srgbClr>
             </a:solidFill>
             <a:ln>
@@ -38289,21 +39872,104 @@
         </p:sp>
         <p:sp>
           <p:nvSpPr>
-            <p:cNvPr id="23" name="椭圆 22"/>
+            <p:cNvPr id="4" name="平行四边形 2"/>
             <p:cNvSpPr/>
             <p:nvPr/>
           </p:nvSpPr>
           <p:spPr>
             <a:xfrm>
-              <a:off x="4786850" y="2267536"/>
-              <a:ext cx="3146411" cy="3146411"/>
+              <a:off x="-3366" y="0"/>
+              <a:ext cx="3248371" cy="747132"/>
             </a:xfrm>
-            <a:prstGeom prst="ellipse">
+            <a:custGeom>
               <a:avLst/>
-            </a:prstGeom>
+              <a:gdLst>
+                <a:gd name="connsiteX0" fmla="*/ 0 w 5742878"/>
+                <a:gd name="connsiteY0" fmla="*/ 747132 h 747132"/>
+                <a:gd name="connsiteX1" fmla="*/ 186783 w 5742878"/>
+                <a:gd name="connsiteY1" fmla="*/ 0 h 747132"/>
+                <a:gd name="connsiteX2" fmla="*/ 5742878 w 5742878"/>
+                <a:gd name="connsiteY2" fmla="*/ 0 h 747132"/>
+                <a:gd name="connsiteX3" fmla="*/ 5556095 w 5742878"/>
+                <a:gd name="connsiteY3" fmla="*/ 747132 h 747132"/>
+                <a:gd name="connsiteX4" fmla="*/ 0 w 5742878"/>
+                <a:gd name="connsiteY4" fmla="*/ 747132 h 747132"/>
+                <a:gd name="connsiteX0-1" fmla="*/ 0 w 5742878"/>
+                <a:gd name="connsiteY0-2" fmla="*/ 747132 h 747132"/>
+                <a:gd name="connsiteX1-3" fmla="*/ 8363 w 5742878"/>
+                <a:gd name="connsiteY1-4" fmla="*/ 0 h 747132"/>
+                <a:gd name="connsiteX2-5" fmla="*/ 5742878 w 5742878"/>
+                <a:gd name="connsiteY2-6" fmla="*/ 0 h 747132"/>
+                <a:gd name="connsiteX3-7" fmla="*/ 5556095 w 5742878"/>
+                <a:gd name="connsiteY3-8" fmla="*/ 747132 h 747132"/>
+                <a:gd name="connsiteX4-9" fmla="*/ 0 w 5742878"/>
+                <a:gd name="connsiteY4-10" fmla="*/ 747132 h 747132"/>
+                <a:gd name="connsiteX0-11" fmla="*/ 14213 w 5757091"/>
+                <a:gd name="connsiteY0-12" fmla="*/ 747132 h 747132"/>
+                <a:gd name="connsiteX1-13" fmla="*/ 273 w 5757091"/>
+                <a:gd name="connsiteY1-14" fmla="*/ 33454 h 747132"/>
+                <a:gd name="connsiteX2-15" fmla="*/ 5757091 w 5757091"/>
+                <a:gd name="connsiteY2-16" fmla="*/ 0 h 747132"/>
+                <a:gd name="connsiteX3-17" fmla="*/ 5570308 w 5757091"/>
+                <a:gd name="connsiteY3-18" fmla="*/ 747132 h 747132"/>
+                <a:gd name="connsiteX4-19" fmla="*/ 14213 w 5757091"/>
+                <a:gd name="connsiteY4-20" fmla="*/ 747132 h 747132"/>
+                <a:gd name="connsiteX0-21" fmla="*/ 3366 w 5746244"/>
+                <a:gd name="connsiteY0-22" fmla="*/ 747132 h 747132"/>
+                <a:gd name="connsiteX1-23" fmla="*/ 578 w 5746244"/>
+                <a:gd name="connsiteY1-24" fmla="*/ 1 h 747132"/>
+                <a:gd name="connsiteX2-25" fmla="*/ 5746244 w 5746244"/>
+                <a:gd name="connsiteY2-26" fmla="*/ 0 h 747132"/>
+                <a:gd name="connsiteX3-27" fmla="*/ 5559461 w 5746244"/>
+                <a:gd name="connsiteY3-28" fmla="*/ 747132 h 747132"/>
+                <a:gd name="connsiteX4-29" fmla="*/ 3366 w 5746244"/>
+                <a:gd name="connsiteY4-30" fmla="*/ 747132 h 747132"/>
+              </a:gdLst>
+              <a:ahLst/>
+              <a:cxnLst>
+                <a:cxn ang="0">
+                  <a:pos x="connsiteX0-1" y="connsiteY0-2"/>
+                </a:cxn>
+                <a:cxn ang="0">
+                  <a:pos x="connsiteX1-3" y="connsiteY1-4"/>
+                </a:cxn>
+                <a:cxn ang="0">
+                  <a:pos x="connsiteX2-5" y="connsiteY2-6"/>
+                </a:cxn>
+                <a:cxn ang="0">
+                  <a:pos x="connsiteX3-7" y="connsiteY3-8"/>
+                </a:cxn>
+                <a:cxn ang="0">
+                  <a:pos x="connsiteX4-9" y="connsiteY4-10"/>
+                </a:cxn>
+              </a:cxnLst>
+              <a:rect l="l" t="t" r="r" b="b"/>
+              <a:pathLst>
+                <a:path w="5746244" h="747132">
+                  <a:moveTo>
+                    <a:pt x="3366" y="747132"/>
+                  </a:moveTo>
+                  <a:cubicBezTo>
+                    <a:pt x="6154" y="498088"/>
+                    <a:pt x="-2210" y="249045"/>
+                    <a:pt x="578" y="1"/>
+                  </a:cubicBezTo>
+                  <a:lnTo>
+                    <a:pt x="5746244" y="0"/>
+                  </a:lnTo>
+                  <a:lnTo>
+                    <a:pt x="5559461" y="747132"/>
+                  </a:lnTo>
+                  <a:lnTo>
+                    <a:pt x="3366" y="747132"/>
+                  </a:lnTo>
+                  <a:close/>
+                </a:path>
+              </a:pathLst>
+            </a:custGeom>
             <a:solidFill>
-              <a:srgbClr val="D7CFCD">
-                <a:alpha val="10000"/>
+              <a:srgbClr val="9D9AAB">
+                <a:alpha val="64000"/>
               </a:srgbClr>
             </a:solidFill>
             <a:ln>
@@ -38331,30 +39997,461 @@
             <a:lstStyle/>
             <a:p>
               <a:pPr algn="ctr"/>
-              <a:endParaRPr lang="zh-CN" altLang="en-US" dirty="0">
+              <a:endParaRPr lang="zh-CN" altLang="en-US">
                 <a:cs typeface="+mn-ea"/>
                 <a:sym typeface="+mn-lt"/>
               </a:endParaRPr>
             </a:p>
           </p:txBody>
         </p:sp>
+        <p:grpSp>
+          <p:nvGrpSpPr>
+            <p:cNvPr id="5" name="组合 4"/>
+            <p:cNvGrpSpPr/>
+            <p:nvPr/>
+          </p:nvGrpSpPr>
+          <p:grpSpPr>
+            <a:xfrm>
+              <a:off x="223081" y="92220"/>
+              <a:ext cx="3982083" cy="598135"/>
+              <a:chOff x="234232" y="124119"/>
+              <a:chExt cx="3982083" cy="598135"/>
+            </a:xfrm>
+          </p:grpSpPr>
+          <p:sp>
+            <p:nvSpPr>
+              <p:cNvPr id="9" name="文本框 8"/>
+              <p:cNvSpPr txBox="1"/>
+              <p:nvPr/>
+            </p:nvSpPr>
+            <p:spPr>
+              <a:xfrm>
+                <a:off x="234232" y="124119"/>
+                <a:ext cx="3982083" cy="460375"/>
+              </a:xfrm>
+              <a:prstGeom prst="rect">
+                <a:avLst/>
+              </a:prstGeom>
+              <a:noFill/>
+            </p:spPr>
+            <p:txBody>
+              <a:bodyPr wrap="none" rtlCol="0">
+                <a:spAutoFit/>
+              </a:bodyPr>
+              <a:lstStyle/>
+              <a:p>
+                <a:pPr algn="l"/>
+                <a:r>
+                  <a:rPr lang="zh-CN" altLang="en-US" sz="2400" b="1" dirty="0">
+                    <a:solidFill>
+                      <a:schemeClr val="bg1"/>
+                    </a:solidFill>
+                    <a:cs typeface="+mn-ea"/>
+                    <a:sym typeface="+mn-lt"/>
+                  </a:rPr>
+                  <a:t>设计（论文）进展状况</a:t>
+                </a:r>
+                <a:endParaRPr lang="zh-CN" altLang="en-US" sz="2400" b="1" dirty="0">
+                  <a:solidFill>
+                    <a:schemeClr val="bg1"/>
+                  </a:solidFill>
+                  <a:cs typeface="+mn-ea"/>
+                  <a:sym typeface="+mn-lt"/>
+                </a:endParaRPr>
+              </a:p>
+            </p:txBody>
+          </p:sp>
+          <p:sp>
+            <p:nvSpPr>
+              <p:cNvPr id="10" name="文本框 9"/>
+              <p:cNvSpPr txBox="1"/>
+              <p:nvPr/>
+            </p:nvSpPr>
+            <p:spPr>
+              <a:xfrm>
+                <a:off x="234232" y="461665"/>
+                <a:ext cx="2105025" cy="260589"/>
+              </a:xfrm>
+              <a:prstGeom prst="rect">
+                <a:avLst/>
+              </a:prstGeom>
+              <a:noFill/>
+            </p:spPr>
+            <p:txBody>
+              <a:bodyPr wrap="none" rtlCol="0">
+                <a:spAutoFit/>
+              </a:bodyPr>
+              <a:lstStyle/>
+              <a:p>
+                <a:pPr algn="l"/>
+                <a:r>
+                  <a:rPr lang="en-US" altLang="zh-CN" sz="1100" dirty="0">
+                    <a:solidFill>
+                      <a:schemeClr val="bg1"/>
+                    </a:solidFill>
+                    <a:cs typeface="+mn-ea"/>
+                    <a:sym typeface="+mn-lt"/>
+                  </a:rPr>
+                  <a:t>Design (thesis) progress status</a:t>
+                </a:r>
+                <a:endParaRPr lang="en-US" altLang="zh-CN" sz="1100" dirty="0">
+                  <a:solidFill>
+                    <a:schemeClr val="bg1"/>
+                  </a:solidFill>
+                  <a:cs typeface="+mn-ea"/>
+                  <a:sym typeface="+mn-lt"/>
+                </a:endParaRPr>
+              </a:p>
+            </p:txBody>
+          </p:sp>
+        </p:grpSp>
+      </p:grpSp>
+      <p:sp>
+        <p:nvSpPr>
+          <p:cNvPr id="139" name="文本框 138"/>
+          <p:cNvSpPr txBox="1"/>
+          <p:nvPr/>
+        </p:nvSpPr>
+        <p:spPr>
+          <a:xfrm>
+            <a:off x="4673517" y="2424997"/>
+            <a:ext cx="527709" cy="461665"/>
+          </a:xfrm>
+          <a:prstGeom prst="rect">
+            <a:avLst/>
+          </a:prstGeom>
+          <a:noFill/>
+        </p:spPr>
+        <p:txBody>
+          <a:bodyPr wrap="none" rtlCol="0">
+            <a:spAutoFit/>
+          </a:bodyPr>
+          <a:lstStyle/>
+          <a:p>
+            <a:r>
+              <a:rPr lang="en-US" altLang="zh-CN" sz="2400" b="1" dirty="0">
+                <a:solidFill>
+                  <a:schemeClr val="bg1"/>
+                </a:solidFill>
+                <a:cs typeface="+mn-ea"/>
+                <a:sym typeface="+mn-lt"/>
+              </a:rPr>
+              <a:t>01</a:t>
+            </a:r>
+            <a:endParaRPr lang="zh-CN" altLang="en-US" sz="2400" b="1" dirty="0">
+              <a:solidFill>
+                <a:schemeClr val="bg1"/>
+              </a:solidFill>
+              <a:cs typeface="+mn-ea"/>
+              <a:sym typeface="+mn-lt"/>
+            </a:endParaRPr>
+          </a:p>
+        </p:txBody>
+      </p:sp>
+      <p:sp>
+        <p:nvSpPr>
+          <p:cNvPr id="140" name="文本框 139"/>
+          <p:cNvSpPr txBox="1"/>
+          <p:nvPr/>
+        </p:nvSpPr>
+        <p:spPr>
+          <a:xfrm>
+            <a:off x="6795503" y="2412347"/>
+            <a:ext cx="527709" cy="461665"/>
+          </a:xfrm>
+          <a:prstGeom prst="rect">
+            <a:avLst/>
+          </a:prstGeom>
+          <a:noFill/>
+        </p:spPr>
+        <p:txBody>
+          <a:bodyPr wrap="none" rtlCol="0">
+            <a:spAutoFit/>
+          </a:bodyPr>
+          <a:lstStyle/>
+          <a:p>
+            <a:r>
+              <a:rPr lang="en-US" altLang="zh-CN" sz="2400" b="1" dirty="0">
+                <a:solidFill>
+                  <a:schemeClr val="bg1"/>
+                </a:solidFill>
+                <a:cs typeface="+mn-ea"/>
+                <a:sym typeface="+mn-lt"/>
+              </a:rPr>
+              <a:t>02</a:t>
+            </a:r>
+            <a:endParaRPr lang="zh-CN" altLang="en-US" sz="2400" b="1" dirty="0">
+              <a:solidFill>
+                <a:schemeClr val="bg1"/>
+              </a:solidFill>
+              <a:cs typeface="+mn-ea"/>
+              <a:sym typeface="+mn-lt"/>
+            </a:endParaRPr>
+          </a:p>
+        </p:txBody>
+      </p:sp>
+      <p:sp>
+        <p:nvSpPr>
+          <p:cNvPr id="141" name="文本框 140"/>
+          <p:cNvSpPr txBox="1"/>
+          <p:nvPr/>
+        </p:nvSpPr>
+        <p:spPr>
+          <a:xfrm>
+            <a:off x="4668040" y="4511921"/>
+            <a:ext cx="527709" cy="461665"/>
+          </a:xfrm>
+          <a:prstGeom prst="rect">
+            <a:avLst/>
+          </a:prstGeom>
+          <a:noFill/>
+        </p:spPr>
+        <p:txBody>
+          <a:bodyPr wrap="none" rtlCol="0">
+            <a:spAutoFit/>
+          </a:bodyPr>
+          <a:lstStyle/>
+          <a:p>
+            <a:r>
+              <a:rPr lang="en-US" altLang="zh-CN" sz="2400" b="1" dirty="0">
+                <a:solidFill>
+                  <a:schemeClr val="bg1"/>
+                </a:solidFill>
+                <a:cs typeface="+mn-ea"/>
+                <a:sym typeface="+mn-lt"/>
+              </a:rPr>
+              <a:t>04</a:t>
+            </a:r>
+            <a:endParaRPr lang="zh-CN" altLang="en-US" sz="2400" b="1" dirty="0">
+              <a:solidFill>
+                <a:schemeClr val="bg1"/>
+              </a:solidFill>
+              <a:cs typeface="+mn-ea"/>
+              <a:sym typeface="+mn-lt"/>
+            </a:endParaRPr>
+          </a:p>
+        </p:txBody>
+      </p:sp>
+      <p:sp>
+        <p:nvSpPr>
+          <p:cNvPr id="142" name="文本框 141"/>
+          <p:cNvSpPr txBox="1"/>
+          <p:nvPr/>
+        </p:nvSpPr>
+        <p:spPr>
+          <a:xfrm>
+            <a:off x="6853460" y="4434340"/>
+            <a:ext cx="527709" cy="461665"/>
+          </a:xfrm>
+          <a:prstGeom prst="rect">
+            <a:avLst/>
+          </a:prstGeom>
+          <a:noFill/>
+        </p:spPr>
+        <p:txBody>
+          <a:bodyPr wrap="none" rtlCol="0">
+            <a:spAutoFit/>
+          </a:bodyPr>
+          <a:lstStyle/>
+          <a:p>
+            <a:r>
+              <a:rPr lang="en-US" altLang="zh-CN" sz="2400" b="1" dirty="0">
+                <a:solidFill>
+                  <a:schemeClr val="bg1"/>
+                </a:solidFill>
+                <a:cs typeface="+mn-ea"/>
+                <a:sym typeface="+mn-lt"/>
+              </a:rPr>
+              <a:t>03</a:t>
+            </a:r>
+            <a:endParaRPr lang="zh-CN" altLang="en-US" sz="2400" b="1" dirty="0">
+              <a:solidFill>
+                <a:schemeClr val="bg1"/>
+              </a:solidFill>
+              <a:cs typeface="+mn-ea"/>
+              <a:sym typeface="+mn-lt"/>
+            </a:endParaRPr>
+          </a:p>
+        </p:txBody>
+      </p:sp>
+      <p:sp>
+        <p:nvSpPr>
+          <p:cNvPr id="8" name="文本框 7"/>
+          <p:cNvSpPr txBox="1"/>
+          <p:nvPr/>
+        </p:nvSpPr>
+        <p:spPr>
+          <a:xfrm>
+            <a:off x="457835" y="941705"/>
+            <a:ext cx="2065020" cy="368300"/>
+          </a:xfrm>
+          <a:prstGeom prst="rect">
+            <a:avLst/>
+          </a:prstGeom>
+          <a:noFill/>
+          <a:extLst>
+            <a:ext uri="{909E8E84-426E-40DD-AFC4-6F175D3DCCD1}">
+              <a14:hiddenFill xmlns:a14="http://schemas.microsoft.com/office/drawing/2010/main">
+                <a:solidFill>
+                  <a:srgbClr val="9D9AAB"/>
+                </a:solidFill>
+              </a14:hiddenFill>
+            </a:ext>
+          </a:extLst>
+        </p:spPr>
+        <p:txBody>
+          <a:bodyPr wrap="square" rtlCol="0">
+            <a:noAutofit/>
+          </a:bodyPr>
+          <a:p>
+            <a:pPr algn="ctr"/>
+            <a:r>
+              <a:rPr lang="zh-CN" altLang="en-US">
+                <a:solidFill>
+                  <a:schemeClr val="bg1"/>
+                </a:solidFill>
+              </a:rPr>
+              <a:t>主界面展示</a:t>
+            </a:r>
+            <a:endParaRPr lang="zh-CN" altLang="en-US">
+              <a:solidFill>
+                <a:schemeClr val="bg1"/>
+              </a:solidFill>
+            </a:endParaRPr>
+          </a:p>
+        </p:txBody>
+      </p:sp>
+      <p:pic>
+        <p:nvPicPr>
+          <p:cNvPr id="12" name="图片 10"/>
+          <p:cNvPicPr>
+            <a:picLocks noChangeAspect="1"/>
+          </p:cNvPicPr>
+          <p:nvPr/>
+        </p:nvPicPr>
+        <p:blipFill>
+          <a:blip r:embed="rId1"/>
+          <a:stretch>
+            <a:fillRect/>
+          </a:stretch>
+        </p:blipFill>
+        <p:spPr>
+          <a:xfrm>
+            <a:off x="2523490" y="1610995"/>
+            <a:ext cx="5890260" cy="4297680"/>
+          </a:xfrm>
+          <a:prstGeom prst="rect">
+            <a:avLst/>
+          </a:prstGeom>
+          <a:noFill/>
+          <a:ln>
+            <a:noFill/>
+          </a:ln>
+        </p:spPr>
+      </p:pic>
+    </p:spTree>
+  </p:cSld>
+  <p:clrMapOvr>
+    <a:masterClrMapping/>
+  </p:clrMapOvr>
+</p:sld>
+</file>
+
+<file path=ppt/slides/slide9.xml><?xml version="1.0" encoding="utf-8"?>
+<p:sld xmlns:a="http://schemas.openxmlformats.org/drawingml/2006/main" xmlns:r="http://schemas.openxmlformats.org/officeDocument/2006/relationships" xmlns:p="http://schemas.openxmlformats.org/presentationml/2006/main">
+  <p:cSld>
+    <p:spTree>
+      <p:nvGrpSpPr>
+        <p:cNvPr id="1" name=""/>
+        <p:cNvGrpSpPr/>
+        <p:nvPr/>
+      </p:nvGrpSpPr>
+      <p:grpSpPr>
+        <a:xfrm>
+          <a:off x="0" y="0"/>
+          <a:ext cx="0" cy="0"/>
+          <a:chOff x="0" y="0"/>
+          <a:chExt cx="0" cy="0"/>
+        </a:xfrm>
+      </p:grpSpPr>
+      <p:sp>
+        <p:nvSpPr>
+          <p:cNvPr id="11" name="圆角矩形 10"/>
+          <p:cNvSpPr/>
+          <p:nvPr/>
+        </p:nvSpPr>
+        <p:spPr>
+          <a:xfrm>
+            <a:off x="457835" y="944880"/>
+            <a:ext cx="2259965" cy="361950"/>
+          </a:xfrm>
+          <a:prstGeom prst="roundRect">
+            <a:avLst/>
+          </a:prstGeom>
+          <a:solidFill>
+            <a:srgbClr val="9D9AAB"/>
+          </a:solidFill>
+          <a:ln>
+            <a:solidFill>
+              <a:srgbClr val="9D9AAB"/>
+            </a:solidFill>
+          </a:ln>
+        </p:spPr>
+        <p:style>
+          <a:lnRef idx="2">
+            <a:schemeClr val="accent1">
+              <a:lumMod val="75000"/>
+            </a:schemeClr>
+          </a:lnRef>
+          <a:fillRef idx="1">
+            <a:schemeClr val="accent1"/>
+          </a:fillRef>
+          <a:effectRef idx="0">
+            <a:srgbClr val="FFFFFF"/>
+          </a:effectRef>
+          <a:fontRef idx="minor">
+            <a:schemeClr val="lt1"/>
+          </a:fontRef>
+        </p:style>
+        <p:txBody>
+          <a:bodyPr rtlCol="0" anchor="ctr"/>
+          <a:p>
+            <a:pPr algn="ctr"/>
+            <a:endParaRPr lang="zh-CN" altLang="en-US"/>
+          </a:p>
+        </p:txBody>
+      </p:sp>
+      <p:grpSp>
+        <p:nvGrpSpPr>
+          <p:cNvPr id="2" name="组合 1"/>
+          <p:cNvGrpSpPr/>
+          <p:nvPr/>
+        </p:nvGrpSpPr>
+        <p:grpSpPr>
+          <a:xfrm>
+            <a:off x="-3366" y="0"/>
+            <a:ext cx="12195366" cy="747132"/>
+            <a:chOff x="-3366" y="0"/>
+            <a:chExt cx="12195366" cy="747132"/>
+          </a:xfrm>
+        </p:grpSpPr>
         <p:sp>
           <p:nvSpPr>
-            <p:cNvPr id="24" name="椭圆 23"/>
+            <p:cNvPr id="3" name="矩形 2"/>
             <p:cNvSpPr/>
             <p:nvPr/>
           </p:nvSpPr>
           <p:spPr>
             <a:xfrm>
-              <a:off x="5347149" y="-674213"/>
-              <a:ext cx="1639229" cy="1639229"/>
+              <a:off x="0" y="0"/>
+              <a:ext cx="12192000" cy="747132"/>
             </a:xfrm>
-            <a:prstGeom prst="ellipse">
+            <a:prstGeom prst="rect">
               <a:avLst/>
             </a:prstGeom>
             <a:solidFill>
               <a:srgbClr val="D7CFCD">
-                <a:alpha val="19000"/>
+                <a:alpha val="63000"/>
               </a:srgbClr>
             </a:solidFill>
             <a:ln>
@@ -38391,21 +40488,104 @@
         </p:sp>
         <p:sp>
           <p:nvSpPr>
-            <p:cNvPr id="25" name="椭圆 24"/>
+            <p:cNvPr id="4" name="平行四边形 2"/>
             <p:cNvSpPr/>
             <p:nvPr/>
           </p:nvSpPr>
           <p:spPr>
             <a:xfrm>
-              <a:off x="-224465" y="6434241"/>
-              <a:ext cx="692073" cy="692073"/>
+              <a:off x="-3366" y="0"/>
+              <a:ext cx="3248371" cy="747132"/>
             </a:xfrm>
-            <a:prstGeom prst="ellipse">
+            <a:custGeom>
               <a:avLst/>
-            </a:prstGeom>
+              <a:gdLst>
+                <a:gd name="connsiteX0" fmla="*/ 0 w 5742878"/>
+                <a:gd name="connsiteY0" fmla="*/ 747132 h 747132"/>
+                <a:gd name="connsiteX1" fmla="*/ 186783 w 5742878"/>
+                <a:gd name="connsiteY1" fmla="*/ 0 h 747132"/>
+                <a:gd name="connsiteX2" fmla="*/ 5742878 w 5742878"/>
+                <a:gd name="connsiteY2" fmla="*/ 0 h 747132"/>
+                <a:gd name="connsiteX3" fmla="*/ 5556095 w 5742878"/>
+                <a:gd name="connsiteY3" fmla="*/ 747132 h 747132"/>
+                <a:gd name="connsiteX4" fmla="*/ 0 w 5742878"/>
+                <a:gd name="connsiteY4" fmla="*/ 747132 h 747132"/>
+                <a:gd name="connsiteX0-1" fmla="*/ 0 w 5742878"/>
+                <a:gd name="connsiteY0-2" fmla="*/ 747132 h 747132"/>
+                <a:gd name="connsiteX1-3" fmla="*/ 8363 w 5742878"/>
+                <a:gd name="connsiteY1-4" fmla="*/ 0 h 747132"/>
+                <a:gd name="connsiteX2-5" fmla="*/ 5742878 w 5742878"/>
+                <a:gd name="connsiteY2-6" fmla="*/ 0 h 747132"/>
+                <a:gd name="connsiteX3-7" fmla="*/ 5556095 w 5742878"/>
+                <a:gd name="connsiteY3-8" fmla="*/ 747132 h 747132"/>
+                <a:gd name="connsiteX4-9" fmla="*/ 0 w 5742878"/>
+                <a:gd name="connsiteY4-10" fmla="*/ 747132 h 747132"/>
+                <a:gd name="connsiteX0-11" fmla="*/ 14213 w 5757091"/>
+                <a:gd name="connsiteY0-12" fmla="*/ 747132 h 747132"/>
+                <a:gd name="connsiteX1-13" fmla="*/ 273 w 5757091"/>
+                <a:gd name="connsiteY1-14" fmla="*/ 33454 h 747132"/>
+                <a:gd name="connsiteX2-15" fmla="*/ 5757091 w 5757091"/>
+                <a:gd name="connsiteY2-16" fmla="*/ 0 h 747132"/>
+                <a:gd name="connsiteX3-17" fmla="*/ 5570308 w 5757091"/>
+                <a:gd name="connsiteY3-18" fmla="*/ 747132 h 747132"/>
+                <a:gd name="connsiteX4-19" fmla="*/ 14213 w 5757091"/>
+                <a:gd name="connsiteY4-20" fmla="*/ 747132 h 747132"/>
+                <a:gd name="connsiteX0-21" fmla="*/ 3366 w 5746244"/>
+                <a:gd name="connsiteY0-22" fmla="*/ 747132 h 747132"/>
+                <a:gd name="connsiteX1-23" fmla="*/ 578 w 5746244"/>
+                <a:gd name="connsiteY1-24" fmla="*/ 1 h 747132"/>
+                <a:gd name="connsiteX2-25" fmla="*/ 5746244 w 5746244"/>
+                <a:gd name="connsiteY2-26" fmla="*/ 0 h 747132"/>
+                <a:gd name="connsiteX3-27" fmla="*/ 5559461 w 5746244"/>
+                <a:gd name="connsiteY3-28" fmla="*/ 747132 h 747132"/>
+                <a:gd name="connsiteX4-29" fmla="*/ 3366 w 5746244"/>
+                <a:gd name="connsiteY4-30" fmla="*/ 747132 h 747132"/>
+              </a:gdLst>
+              <a:ahLst/>
+              <a:cxnLst>
+                <a:cxn ang="0">
+                  <a:pos x="connsiteX0-1" y="connsiteY0-2"/>
+                </a:cxn>
+                <a:cxn ang="0">
+                  <a:pos x="connsiteX1-3" y="connsiteY1-4"/>
+                </a:cxn>
+                <a:cxn ang="0">
+                  <a:pos x="connsiteX2-5" y="connsiteY2-6"/>
+                </a:cxn>
+                <a:cxn ang="0">
+                  <a:pos x="connsiteX3-7" y="connsiteY3-8"/>
+                </a:cxn>
+                <a:cxn ang="0">
+                  <a:pos x="connsiteX4-9" y="connsiteY4-10"/>
+                </a:cxn>
+              </a:cxnLst>
+              <a:rect l="l" t="t" r="r" b="b"/>
+              <a:pathLst>
+                <a:path w="5746244" h="747132">
+                  <a:moveTo>
+                    <a:pt x="3366" y="747132"/>
+                  </a:moveTo>
+                  <a:cubicBezTo>
+                    <a:pt x="6154" y="498088"/>
+                    <a:pt x="-2210" y="249045"/>
+                    <a:pt x="578" y="1"/>
+                  </a:cubicBezTo>
+                  <a:lnTo>
+                    <a:pt x="5746244" y="0"/>
+                  </a:lnTo>
+                  <a:lnTo>
+                    <a:pt x="5559461" y="747132"/>
+                  </a:lnTo>
+                  <a:lnTo>
+                    <a:pt x="3366" y="747132"/>
+                  </a:lnTo>
+                  <a:close/>
+                </a:path>
+              </a:pathLst>
+            </a:custGeom>
             <a:solidFill>
-              <a:srgbClr val="D7CFCD">
-                <a:alpha val="92000"/>
+              <a:srgbClr val="9D9AAB">
+                <a:alpha val="64000"/>
               </a:srgbClr>
             </a:solidFill>
             <a:ln>
@@ -38433,14 +40613,358 @@
             <a:lstStyle/>
             <a:p>
               <a:pPr algn="ctr"/>
-              <a:endParaRPr lang="zh-CN" altLang="en-US" dirty="0">
+              <a:endParaRPr lang="zh-CN" altLang="en-US">
                 <a:cs typeface="+mn-ea"/>
                 <a:sym typeface="+mn-lt"/>
               </a:endParaRPr>
             </a:p>
           </p:txBody>
         </p:sp>
+        <p:grpSp>
+          <p:nvGrpSpPr>
+            <p:cNvPr id="5" name="组合 4"/>
+            <p:cNvGrpSpPr/>
+            <p:nvPr/>
+          </p:nvGrpSpPr>
+          <p:grpSpPr>
+            <a:xfrm>
+              <a:off x="223081" y="92220"/>
+              <a:ext cx="3982083" cy="598135"/>
+              <a:chOff x="234232" y="124119"/>
+              <a:chExt cx="3982083" cy="598135"/>
+            </a:xfrm>
+          </p:grpSpPr>
+          <p:sp>
+            <p:nvSpPr>
+              <p:cNvPr id="9" name="文本框 8"/>
+              <p:cNvSpPr txBox="1"/>
+              <p:nvPr/>
+            </p:nvSpPr>
+            <p:spPr>
+              <a:xfrm>
+                <a:off x="234232" y="124119"/>
+                <a:ext cx="3982083" cy="460375"/>
+              </a:xfrm>
+              <a:prstGeom prst="rect">
+                <a:avLst/>
+              </a:prstGeom>
+              <a:noFill/>
+            </p:spPr>
+            <p:txBody>
+              <a:bodyPr wrap="none" rtlCol="0">
+                <a:spAutoFit/>
+              </a:bodyPr>
+              <a:lstStyle/>
+              <a:p>
+                <a:pPr algn="l"/>
+                <a:r>
+                  <a:rPr lang="zh-CN" altLang="en-US" sz="2400" b="1" dirty="0">
+                    <a:solidFill>
+                      <a:schemeClr val="bg1"/>
+                    </a:solidFill>
+                    <a:cs typeface="+mn-ea"/>
+                    <a:sym typeface="+mn-lt"/>
+                  </a:rPr>
+                  <a:t>设计（论文）进展状况</a:t>
+                </a:r>
+                <a:endParaRPr lang="zh-CN" altLang="en-US" sz="2400" b="1" dirty="0">
+                  <a:solidFill>
+                    <a:schemeClr val="bg1"/>
+                  </a:solidFill>
+                  <a:cs typeface="+mn-ea"/>
+                  <a:sym typeface="+mn-lt"/>
+                </a:endParaRPr>
+              </a:p>
+            </p:txBody>
+          </p:sp>
+          <p:sp>
+            <p:nvSpPr>
+              <p:cNvPr id="10" name="文本框 9"/>
+              <p:cNvSpPr txBox="1"/>
+              <p:nvPr/>
+            </p:nvSpPr>
+            <p:spPr>
+              <a:xfrm>
+                <a:off x="234232" y="461665"/>
+                <a:ext cx="2105025" cy="260589"/>
+              </a:xfrm>
+              <a:prstGeom prst="rect">
+                <a:avLst/>
+              </a:prstGeom>
+              <a:noFill/>
+            </p:spPr>
+            <p:txBody>
+              <a:bodyPr wrap="none" rtlCol="0">
+                <a:spAutoFit/>
+              </a:bodyPr>
+              <a:lstStyle/>
+              <a:p>
+                <a:pPr algn="l"/>
+                <a:r>
+                  <a:rPr lang="en-US" altLang="zh-CN" sz="1100" dirty="0">
+                    <a:solidFill>
+                      <a:schemeClr val="bg1"/>
+                    </a:solidFill>
+                    <a:cs typeface="+mn-ea"/>
+                    <a:sym typeface="+mn-lt"/>
+                  </a:rPr>
+                  <a:t>Design (thesis) progress status</a:t>
+                </a:r>
+                <a:endParaRPr lang="en-US" altLang="zh-CN" sz="1100" dirty="0">
+                  <a:solidFill>
+                    <a:schemeClr val="bg1"/>
+                  </a:solidFill>
+                  <a:cs typeface="+mn-ea"/>
+                  <a:sym typeface="+mn-lt"/>
+                </a:endParaRPr>
+              </a:p>
+            </p:txBody>
+          </p:sp>
+        </p:grpSp>
       </p:grpSp>
+      <p:sp>
+        <p:nvSpPr>
+          <p:cNvPr id="139" name="文本框 138"/>
+          <p:cNvSpPr txBox="1"/>
+          <p:nvPr/>
+        </p:nvSpPr>
+        <p:spPr>
+          <a:xfrm>
+            <a:off x="4673517" y="2424997"/>
+            <a:ext cx="352425" cy="460375"/>
+          </a:xfrm>
+          <a:prstGeom prst="rect">
+            <a:avLst/>
+          </a:prstGeom>
+          <a:noFill/>
+        </p:spPr>
+        <p:txBody>
+          <a:bodyPr wrap="none" rtlCol="0">
+            <a:spAutoFit/>
+          </a:bodyPr>
+          <a:lstStyle/>
+          <a:p>
+            <a:r>
+              <a:rPr lang="en-US" altLang="zh-CN" sz="2400" b="1" dirty="0">
+                <a:solidFill>
+                  <a:schemeClr val="bg1"/>
+                </a:solidFill>
+                <a:cs typeface="+mn-ea"/>
+                <a:sym typeface="+mn-lt"/>
+              </a:rPr>
+              <a:t>0</a:t>
+            </a:r>
+            <a:endParaRPr lang="zh-CN" altLang="en-US" sz="2400" b="1" dirty="0">
+              <a:solidFill>
+                <a:schemeClr val="bg1"/>
+              </a:solidFill>
+              <a:cs typeface="+mn-ea"/>
+              <a:sym typeface="+mn-lt"/>
+            </a:endParaRPr>
+          </a:p>
+        </p:txBody>
+      </p:sp>
+      <p:sp>
+        <p:nvSpPr>
+          <p:cNvPr id="140" name="文本框 139"/>
+          <p:cNvSpPr txBox="1"/>
+          <p:nvPr/>
+        </p:nvSpPr>
+        <p:spPr>
+          <a:xfrm>
+            <a:off x="6795503" y="2412347"/>
+            <a:ext cx="527709" cy="461665"/>
+          </a:xfrm>
+          <a:prstGeom prst="rect">
+            <a:avLst/>
+          </a:prstGeom>
+          <a:noFill/>
+        </p:spPr>
+        <p:txBody>
+          <a:bodyPr wrap="none" rtlCol="0">
+            <a:spAutoFit/>
+          </a:bodyPr>
+          <a:lstStyle/>
+          <a:p>
+            <a:r>
+              <a:rPr lang="en-US" altLang="zh-CN" sz="2400" b="1" dirty="0">
+                <a:solidFill>
+                  <a:schemeClr val="bg1"/>
+                </a:solidFill>
+                <a:cs typeface="+mn-ea"/>
+                <a:sym typeface="+mn-lt"/>
+              </a:rPr>
+              <a:t>02</a:t>
+            </a:r>
+            <a:endParaRPr lang="zh-CN" altLang="en-US" sz="2400" b="1" dirty="0">
+              <a:solidFill>
+                <a:schemeClr val="bg1"/>
+              </a:solidFill>
+              <a:cs typeface="+mn-ea"/>
+              <a:sym typeface="+mn-lt"/>
+            </a:endParaRPr>
+          </a:p>
+        </p:txBody>
+      </p:sp>
+      <p:sp>
+        <p:nvSpPr>
+          <p:cNvPr id="141" name="文本框 140"/>
+          <p:cNvSpPr txBox="1"/>
+          <p:nvPr/>
+        </p:nvSpPr>
+        <p:spPr>
+          <a:xfrm>
+            <a:off x="4668040" y="4511921"/>
+            <a:ext cx="527709" cy="461665"/>
+          </a:xfrm>
+          <a:prstGeom prst="rect">
+            <a:avLst/>
+          </a:prstGeom>
+          <a:noFill/>
+        </p:spPr>
+        <p:txBody>
+          <a:bodyPr wrap="none" rtlCol="0">
+            <a:spAutoFit/>
+          </a:bodyPr>
+          <a:lstStyle/>
+          <a:p>
+            <a:r>
+              <a:rPr lang="en-US" altLang="zh-CN" sz="2400" b="1" dirty="0">
+                <a:solidFill>
+                  <a:schemeClr val="bg1"/>
+                </a:solidFill>
+                <a:cs typeface="+mn-ea"/>
+                <a:sym typeface="+mn-lt"/>
+              </a:rPr>
+              <a:t>04</a:t>
+            </a:r>
+            <a:endParaRPr lang="zh-CN" altLang="en-US" sz="2400" b="1" dirty="0">
+              <a:solidFill>
+                <a:schemeClr val="bg1"/>
+              </a:solidFill>
+              <a:cs typeface="+mn-ea"/>
+              <a:sym typeface="+mn-lt"/>
+            </a:endParaRPr>
+          </a:p>
+        </p:txBody>
+      </p:sp>
+      <p:sp>
+        <p:nvSpPr>
+          <p:cNvPr id="142" name="文本框 141"/>
+          <p:cNvSpPr txBox="1"/>
+          <p:nvPr/>
+        </p:nvSpPr>
+        <p:spPr>
+          <a:xfrm>
+            <a:off x="6853460" y="4434340"/>
+            <a:ext cx="527709" cy="461665"/>
+          </a:xfrm>
+          <a:prstGeom prst="rect">
+            <a:avLst/>
+          </a:prstGeom>
+          <a:noFill/>
+        </p:spPr>
+        <p:txBody>
+          <a:bodyPr wrap="none" rtlCol="0">
+            <a:spAutoFit/>
+          </a:bodyPr>
+          <a:lstStyle/>
+          <a:p>
+            <a:r>
+              <a:rPr lang="en-US" altLang="zh-CN" sz="2400" b="1" dirty="0">
+                <a:solidFill>
+                  <a:schemeClr val="bg1"/>
+                </a:solidFill>
+                <a:cs typeface="+mn-ea"/>
+                <a:sym typeface="+mn-lt"/>
+              </a:rPr>
+              <a:t>03</a:t>
+            </a:r>
+            <a:endParaRPr lang="zh-CN" altLang="en-US" sz="2400" b="1" dirty="0">
+              <a:solidFill>
+                <a:schemeClr val="bg1"/>
+              </a:solidFill>
+              <a:cs typeface="+mn-ea"/>
+              <a:sym typeface="+mn-lt"/>
+            </a:endParaRPr>
+          </a:p>
+        </p:txBody>
+      </p:sp>
+      <p:sp>
+        <p:nvSpPr>
+          <p:cNvPr id="8" name="文本框 7"/>
+          <p:cNvSpPr txBox="1"/>
+          <p:nvPr/>
+        </p:nvSpPr>
+        <p:spPr>
+          <a:xfrm>
+            <a:off x="457835" y="941705"/>
+            <a:ext cx="2259965" cy="368300"/>
+          </a:xfrm>
+          <a:prstGeom prst="rect">
+            <a:avLst/>
+          </a:prstGeom>
+          <a:noFill/>
+          <a:extLst>
+            <a:ext uri="{909E8E84-426E-40DD-AFC4-6F175D3DCCD1}">
+              <a14:hiddenFill xmlns:a14="http://schemas.microsoft.com/office/drawing/2010/main">
+                <a:solidFill>
+                  <a:srgbClr val="9D9AAB"/>
+                </a:solidFill>
+              </a14:hiddenFill>
+            </a:ext>
+          </a:extLst>
+        </p:spPr>
+        <p:txBody>
+          <a:bodyPr wrap="square" rtlCol="0">
+            <a:noAutofit/>
+          </a:bodyPr>
+          <a:p>
+            <a:pPr algn="ctr"/>
+            <a:r>
+              <a:rPr lang="zh-CN" altLang="en-US">
+                <a:solidFill>
+                  <a:schemeClr val="bg1"/>
+                </a:solidFill>
+              </a:rPr>
+              <a:t>系统公告轮播图展示</a:t>
+            </a:r>
+            <a:endParaRPr lang="zh-CN" altLang="en-US">
+              <a:solidFill>
+                <a:schemeClr val="bg1"/>
+              </a:solidFill>
+            </a:endParaRPr>
+          </a:p>
+        </p:txBody>
+      </p:sp>
+      <p:pic>
+        <p:nvPicPr>
+          <p:cNvPr id="17" name="图片 11"/>
+          <p:cNvPicPr>
+            <a:picLocks noChangeAspect="1"/>
+          </p:cNvPicPr>
+          <p:nvPr/>
+        </p:nvPicPr>
+        <p:blipFill>
+          <a:blip r:embed="rId1"/>
+          <a:stretch>
+            <a:fillRect/>
+          </a:stretch>
+        </p:blipFill>
+        <p:spPr>
+          <a:xfrm>
+            <a:off x="2717800" y="1609090"/>
+            <a:ext cx="6515735" cy="4158615"/>
+          </a:xfrm>
+          <a:prstGeom prst="rect">
+            <a:avLst/>
+          </a:prstGeom>
+          <a:noFill/>
+          <a:ln>
+            <a:noFill/>
+          </a:ln>
+        </p:spPr>
+      </p:pic>
     </p:spTree>
   </p:cSld>
   <p:clrMapOvr>
